--- a/ICT50220BSBXCS402/402动画.pptx
+++ b/ICT50220BSBXCS402/402动画.pptx
@@ -9,12 +9,11 @@
     <p:sldId id="257" r:id="rId3"/>
     <p:sldId id="258" r:id="rId4"/>
     <p:sldId id="259" r:id="rId5"/>
-    <p:sldId id="264" r:id="rId6"/>
-    <p:sldId id="265" r:id="rId7"/>
-    <p:sldId id="260" r:id="rId8"/>
-    <p:sldId id="261" r:id="rId9"/>
-    <p:sldId id="266" r:id="rId10"/>
-    <p:sldId id="263" r:id="rId11"/>
+    <p:sldId id="265" r:id="rId6"/>
+    <p:sldId id="260" r:id="rId7"/>
+    <p:sldId id="261" r:id="rId8"/>
+    <p:sldId id="266" r:id="rId9"/>
+    <p:sldId id="263" r:id="rId10"/>
   </p:sldIdLst>
   <p:sldSz cx="12192000" cy="6858000"/>
   <p:notesSz cx="6858000" cy="9144000"/>
@@ -6867,7 +6866,7 @@
           <a:p>
             <a:fld id="{8B08F499-D44A-47E9-BE26-5091168DA1A8}" type="datetimeFigureOut">
               <a:rPr lang="zh-TW" altLang="en-US" smtClean="0"/>
-              <a:t>2024/5/19</a:t>
+              <a:t>2024/5/21</a:t>
             </a:fld>
             <a:endParaRPr lang="zh-TW" altLang="en-US"/>
           </a:p>
@@ -7067,7 +7066,7 @@
           <a:p>
             <a:fld id="{8B08F499-D44A-47E9-BE26-5091168DA1A8}" type="datetimeFigureOut">
               <a:rPr lang="zh-TW" altLang="en-US" smtClean="0"/>
-              <a:t>2024/5/19</a:t>
+              <a:t>2024/5/21</a:t>
             </a:fld>
             <a:endParaRPr lang="zh-TW" altLang="en-US"/>
           </a:p>
@@ -7277,7 +7276,7 @@
           <a:p>
             <a:fld id="{8B08F499-D44A-47E9-BE26-5091168DA1A8}" type="datetimeFigureOut">
               <a:rPr lang="zh-TW" altLang="en-US" smtClean="0"/>
-              <a:t>2024/5/19</a:t>
+              <a:t>2024/5/21</a:t>
             </a:fld>
             <a:endParaRPr lang="zh-TW" altLang="en-US"/>
           </a:p>
@@ -7477,7 +7476,7 @@
           <a:p>
             <a:fld id="{8B08F499-D44A-47E9-BE26-5091168DA1A8}" type="datetimeFigureOut">
               <a:rPr lang="zh-TW" altLang="en-US" smtClean="0"/>
-              <a:t>2024/5/19</a:t>
+              <a:t>2024/5/21</a:t>
             </a:fld>
             <a:endParaRPr lang="zh-TW" altLang="en-US"/>
           </a:p>
@@ -7753,7 +7752,7 @@
           <a:p>
             <a:fld id="{8B08F499-D44A-47E9-BE26-5091168DA1A8}" type="datetimeFigureOut">
               <a:rPr lang="zh-TW" altLang="en-US" smtClean="0"/>
-              <a:t>2024/5/19</a:t>
+              <a:t>2024/5/21</a:t>
             </a:fld>
             <a:endParaRPr lang="zh-TW" altLang="en-US"/>
           </a:p>
@@ -8021,7 +8020,7 @@
           <a:p>
             <a:fld id="{8B08F499-D44A-47E9-BE26-5091168DA1A8}" type="datetimeFigureOut">
               <a:rPr lang="zh-TW" altLang="en-US" smtClean="0"/>
-              <a:t>2024/5/19</a:t>
+              <a:t>2024/5/21</a:t>
             </a:fld>
             <a:endParaRPr lang="zh-TW" altLang="en-US"/>
           </a:p>
@@ -8436,7 +8435,7 @@
           <a:p>
             <a:fld id="{8B08F499-D44A-47E9-BE26-5091168DA1A8}" type="datetimeFigureOut">
               <a:rPr lang="zh-TW" altLang="en-US" smtClean="0"/>
-              <a:t>2024/5/19</a:t>
+              <a:t>2024/5/21</a:t>
             </a:fld>
             <a:endParaRPr lang="zh-TW" altLang="en-US"/>
           </a:p>
@@ -8578,7 +8577,7 @@
           <a:p>
             <a:fld id="{8B08F499-D44A-47E9-BE26-5091168DA1A8}" type="datetimeFigureOut">
               <a:rPr lang="zh-TW" altLang="en-US" smtClean="0"/>
-              <a:t>2024/5/19</a:t>
+              <a:t>2024/5/21</a:t>
             </a:fld>
             <a:endParaRPr lang="zh-TW" altLang="en-US"/>
           </a:p>
@@ -8691,7 +8690,7 @@
           <a:p>
             <a:fld id="{8B08F499-D44A-47E9-BE26-5091168DA1A8}" type="datetimeFigureOut">
               <a:rPr lang="zh-TW" altLang="en-US" smtClean="0"/>
-              <a:t>2024/5/19</a:t>
+              <a:t>2024/5/21</a:t>
             </a:fld>
             <a:endParaRPr lang="zh-TW" altLang="en-US"/>
           </a:p>
@@ -9004,7 +9003,7 @@
           <a:p>
             <a:fld id="{8B08F499-D44A-47E9-BE26-5091168DA1A8}" type="datetimeFigureOut">
               <a:rPr lang="zh-TW" altLang="en-US" smtClean="0"/>
-              <a:t>2024/5/19</a:t>
+              <a:t>2024/5/21</a:t>
             </a:fld>
             <a:endParaRPr lang="zh-TW" altLang="en-US"/>
           </a:p>
@@ -9293,7 +9292,7 @@
           <a:p>
             <a:fld id="{8B08F499-D44A-47E9-BE26-5091168DA1A8}" type="datetimeFigureOut">
               <a:rPr lang="zh-TW" altLang="en-US" smtClean="0"/>
-              <a:t>2024/5/19</a:t>
+              <a:t>2024/5/21</a:t>
             </a:fld>
             <a:endParaRPr lang="zh-TW" altLang="en-US"/>
           </a:p>
@@ -9536,7 +9535,7 @@
           <a:p>
             <a:fld id="{8B08F499-D44A-47E9-BE26-5091168DA1A8}" type="datetimeFigureOut">
               <a:rPr lang="zh-TW" altLang="en-US" smtClean="0"/>
-              <a:t>2024/5/19</a:t>
+              <a:t>2024/5/21</a:t>
             </a:fld>
             <a:endParaRPr lang="zh-TW" altLang="en-US"/>
           </a:p>
@@ -10601,7 +10600,3783 @@
 </p:sld>
 </file>
 
-<file path=ppt/slides/slide10.xml><?xml version="1.0" encoding="utf-8"?>
+<file path=ppt/slides/slide2.xml><?xml version="1.0" encoding="utf-8"?>
+<p:sld xmlns:a="http://schemas.openxmlformats.org/drawingml/2006/main" xmlns:r="http://schemas.openxmlformats.org/officeDocument/2006/relationships" xmlns:p="http://schemas.openxmlformats.org/presentationml/2006/main">
+  <p:cSld>
+    <p:bg>
+      <p:bgPr>
+        <a:solidFill>
+          <a:schemeClr val="bg1"/>
+        </a:solidFill>
+        <a:effectLst/>
+      </p:bgPr>
+    </p:bg>
+    <p:spTree>
+      <p:nvGrpSpPr>
+        <p:cNvPr id="1" name=""/>
+        <p:cNvGrpSpPr/>
+        <p:nvPr/>
+      </p:nvGrpSpPr>
+      <p:grpSpPr>
+        <a:xfrm>
+          <a:off x="0" y="0"/>
+          <a:ext cx="0" cy="0"/>
+          <a:chOff x="0" y="0"/>
+          <a:chExt cx="0" cy="0"/>
+        </a:xfrm>
+      </p:grpSpPr>
+      <p:sp useBgFill="1">
+        <p:nvSpPr>
+          <p:cNvPr id="17" name="Rectangle 16">
+            <a:extLst>
+              <a:ext uri="{FF2B5EF4-FFF2-40B4-BE49-F238E27FC236}">
+                <a16:creationId xmlns:a16="http://schemas.microsoft.com/office/drawing/2014/main" id="{907EF6B7-1338-4443-8C46-6A318D952DFD}"/>
+              </a:ext>
+              <a:ext uri="{C183D7F6-B498-43B3-948B-1728B52AA6E4}">
+                <adec:decorative xmlns:adec="http://schemas.microsoft.com/office/drawing/2017/decorative" val="1"/>
+              </a:ext>
+            </a:extLst>
+          </p:cNvPr>
+          <p:cNvSpPr>
+            <a:spLocks noGrp="1" noRot="1" noChangeAspect="1" noMove="1" noResize="1" noEditPoints="1" noAdjustHandles="1" noChangeArrowheads="1" noChangeShapeType="1" noTextEdit="1"/>
+          </p:cNvSpPr>
+          <p:nvPr>
+            <p:extLst>
+              <p:ext uri="{386F3935-93C4-4BCD-93E2-E3B085C9AB24}">
+                <p16:designElem xmlns:p16="http://schemas.microsoft.com/office/powerpoint/2015/main" val="1"/>
+              </p:ext>
+            </p:extLst>
+          </p:nvPr>
+        </p:nvSpPr>
+        <p:spPr>
+          <a:xfrm>
+            <a:off x="3048" y="0"/>
+            <a:ext cx="12188952" cy="6858000"/>
+          </a:xfrm>
+          <a:prstGeom prst="rect">
+            <a:avLst/>
+          </a:prstGeom>
+          <a:ln>
+            <a:noFill/>
+          </a:ln>
+        </p:spPr>
+        <p:style>
+          <a:lnRef idx="2">
+            <a:schemeClr val="accent1">
+              <a:shade val="50000"/>
+            </a:schemeClr>
+          </a:lnRef>
+          <a:fillRef idx="1">
+            <a:schemeClr val="accent1"/>
+          </a:fillRef>
+          <a:effectRef idx="0">
+            <a:schemeClr val="accent1"/>
+          </a:effectRef>
+          <a:fontRef idx="minor">
+            <a:schemeClr val="lt1"/>
+          </a:fontRef>
+        </p:style>
+        <p:txBody>
+          <a:bodyPr rtlCol="0" anchor="ctr"/>
+          <a:lstStyle/>
+          <a:p>
+            <a:pPr algn="ctr"/>
+            <a:endParaRPr lang="en-US"/>
+          </a:p>
+        </p:txBody>
+      </p:sp>
+      <p:sp>
+        <p:nvSpPr>
+          <p:cNvPr id="19" name="Freeform: Shape 18">
+            <a:extLst>
+              <a:ext uri="{FF2B5EF4-FFF2-40B4-BE49-F238E27FC236}">
+                <a16:creationId xmlns:a16="http://schemas.microsoft.com/office/drawing/2014/main" id="{DAAE4CDD-124C-4DCF-9584-B6033B545DD5}"/>
+              </a:ext>
+              <a:ext uri="{C183D7F6-B498-43B3-948B-1728B52AA6E4}">
+                <adec:decorative xmlns:adec="http://schemas.microsoft.com/office/drawing/2017/decorative" val="1"/>
+              </a:ext>
+            </a:extLst>
+          </p:cNvPr>
+          <p:cNvSpPr>
+            <a:spLocks noGrp="1" noRot="1" noChangeAspect="1" noMove="1" noResize="1" noEditPoints="1" noAdjustHandles="1" noChangeArrowheads="1" noChangeShapeType="1" noTextEdit="1"/>
+          </p:cNvSpPr>
+          <p:nvPr>
+            <p:extLst>
+              <p:ext uri="{386F3935-93C4-4BCD-93E2-E3B085C9AB24}">
+                <p16:designElem xmlns:p16="http://schemas.microsoft.com/office/powerpoint/2015/main" val="1"/>
+              </p:ext>
+            </p:extLst>
+          </p:nvPr>
+        </p:nvSpPr>
+        <p:spPr>
+          <a:xfrm>
+            <a:off x="1" y="0"/>
+            <a:ext cx="4167271" cy="6858000"/>
+          </a:xfrm>
+          <a:custGeom>
+            <a:avLst/>
+            <a:gdLst>
+              <a:gd name="connsiteX0" fmla="*/ 0 w 4167271"/>
+              <a:gd name="connsiteY0" fmla="*/ 0 h 6858000"/>
+              <a:gd name="connsiteX1" fmla="*/ 2259550 w 4167271"/>
+              <a:gd name="connsiteY1" fmla="*/ 0 h 6858000"/>
+              <a:gd name="connsiteX2" fmla="*/ 2387803 w 4167271"/>
+              <a:gd name="connsiteY2" fmla="*/ 82222 h 6858000"/>
+              <a:gd name="connsiteX3" fmla="*/ 4167271 w 4167271"/>
+              <a:gd name="connsiteY3" fmla="*/ 3429000 h 6858000"/>
+              <a:gd name="connsiteX4" fmla="*/ 2387803 w 4167271"/>
+              <a:gd name="connsiteY4" fmla="*/ 6775779 h 6858000"/>
+              <a:gd name="connsiteX5" fmla="*/ 2259550 w 4167271"/>
+              <a:gd name="connsiteY5" fmla="*/ 6858000 h 6858000"/>
+              <a:gd name="connsiteX6" fmla="*/ 0 w 4167271"/>
+              <a:gd name="connsiteY6" fmla="*/ 6858000 h 6858000"/>
+            </a:gdLst>
+            <a:ahLst/>
+            <a:cxnLst>
+              <a:cxn ang="0">
+                <a:pos x="connsiteX0" y="connsiteY0"/>
+              </a:cxn>
+              <a:cxn ang="0">
+                <a:pos x="connsiteX1" y="connsiteY1"/>
+              </a:cxn>
+              <a:cxn ang="0">
+                <a:pos x="connsiteX2" y="connsiteY2"/>
+              </a:cxn>
+              <a:cxn ang="0">
+                <a:pos x="connsiteX3" y="connsiteY3"/>
+              </a:cxn>
+              <a:cxn ang="0">
+                <a:pos x="connsiteX4" y="connsiteY4"/>
+              </a:cxn>
+              <a:cxn ang="0">
+                <a:pos x="connsiteX5" y="connsiteY5"/>
+              </a:cxn>
+              <a:cxn ang="0">
+                <a:pos x="connsiteX6" y="connsiteY6"/>
+              </a:cxn>
+            </a:cxnLst>
+            <a:rect l="l" t="t" r="r" b="b"/>
+            <a:pathLst>
+              <a:path w="4167271" h="6858000">
+                <a:moveTo>
+                  <a:pt x="0" y="0"/>
+                </a:moveTo>
+                <a:lnTo>
+                  <a:pt x="2259550" y="0"/>
+                </a:lnTo>
+                <a:lnTo>
+                  <a:pt x="2387803" y="82222"/>
+                </a:lnTo>
+                <a:cubicBezTo>
+                  <a:pt x="3461407" y="807534"/>
+                  <a:pt x="4167271" y="2035835"/>
+                  <a:pt x="4167271" y="3429000"/>
+                </a:cubicBezTo>
+                <a:cubicBezTo>
+                  <a:pt x="4167271" y="4822165"/>
+                  <a:pt x="3461407" y="6050467"/>
+                  <a:pt x="2387803" y="6775779"/>
+                </a:cubicBezTo>
+                <a:lnTo>
+                  <a:pt x="2259550" y="6858000"/>
+                </a:lnTo>
+                <a:lnTo>
+                  <a:pt x="0" y="6858000"/>
+                </a:lnTo>
+                <a:close/>
+              </a:path>
+            </a:pathLst>
+          </a:custGeom>
+          <a:solidFill>
+            <a:schemeClr val="accent2"/>
+          </a:solidFill>
+          <a:ln>
+            <a:noFill/>
+          </a:ln>
+        </p:spPr>
+        <p:style>
+          <a:lnRef idx="2">
+            <a:schemeClr val="accent1">
+              <a:shade val="50000"/>
+            </a:schemeClr>
+          </a:lnRef>
+          <a:fillRef idx="1">
+            <a:schemeClr val="accent1"/>
+          </a:fillRef>
+          <a:effectRef idx="0">
+            <a:schemeClr val="accent1"/>
+          </a:effectRef>
+          <a:fontRef idx="minor">
+            <a:schemeClr val="lt1"/>
+          </a:fontRef>
+        </p:style>
+        <p:txBody>
+          <a:bodyPr rtlCol="0" anchor="ctr"/>
+          <a:lstStyle/>
+          <a:p>
+            <a:pPr algn="ctr"/>
+            <a:endParaRPr lang="en-US"/>
+          </a:p>
+        </p:txBody>
+      </p:sp>
+      <p:sp>
+        <p:nvSpPr>
+          <p:cNvPr id="2" name="标题 1">
+            <a:extLst>
+              <a:ext uri="{FF2B5EF4-FFF2-40B4-BE49-F238E27FC236}">
+                <a16:creationId xmlns:a16="http://schemas.microsoft.com/office/drawing/2014/main" id="{2E89E984-D541-A5BE-5F0B-89562974F512}"/>
+              </a:ext>
+            </a:extLst>
+          </p:cNvPr>
+          <p:cNvSpPr>
+            <a:spLocks noGrp="1"/>
+          </p:cNvSpPr>
+          <p:nvPr>
+            <p:ph type="title"/>
+          </p:nvPr>
+        </p:nvSpPr>
+        <p:spPr>
+          <a:xfrm>
+            <a:off x="686834" y="1153572"/>
+            <a:ext cx="3200400" cy="4461163"/>
+          </a:xfrm>
+        </p:spPr>
+        <p:txBody>
+          <a:bodyPr>
+            <a:normAutofit/>
+          </a:bodyPr>
+          <a:lstStyle/>
+          <a:p>
+            <a:r>
+              <a:rPr lang="en-US" altLang="zh-TW" dirty="0">
+                <a:solidFill>
+                  <a:srgbClr val="FFFFFF"/>
+                </a:solidFill>
+              </a:rPr>
+              <a:t>Training Objectives</a:t>
+            </a:r>
+            <a:endParaRPr lang="zh-TW" altLang="en-US" dirty="0">
+              <a:solidFill>
+                <a:srgbClr val="FFFFFF"/>
+              </a:solidFill>
+            </a:endParaRPr>
+          </a:p>
+        </p:txBody>
+      </p:sp>
+      <p:sp>
+        <p:nvSpPr>
+          <p:cNvPr id="21" name="Arc 20">
+            <a:extLst>
+              <a:ext uri="{FF2B5EF4-FFF2-40B4-BE49-F238E27FC236}">
+                <a16:creationId xmlns:a16="http://schemas.microsoft.com/office/drawing/2014/main" id="{081E4A58-353D-44AE-B2FC-2A74E2E400F7}"/>
+              </a:ext>
+              <a:ext uri="{C183D7F6-B498-43B3-948B-1728B52AA6E4}">
+                <adec:decorative xmlns:adec="http://schemas.microsoft.com/office/drawing/2017/decorative" val="1"/>
+              </a:ext>
+            </a:extLst>
+          </p:cNvPr>
+          <p:cNvSpPr>
+            <a:spLocks noGrp="1" noRot="1" noChangeAspect="1" noMove="1" noResize="1" noEditPoints="1" noAdjustHandles="1" noChangeArrowheads="1" noChangeShapeType="1" noTextEdit="1"/>
+          </p:cNvSpPr>
+          <p:nvPr>
+            <p:extLst>
+              <p:ext uri="{386F3935-93C4-4BCD-93E2-E3B085C9AB24}">
+                <p16:designElem xmlns:p16="http://schemas.microsoft.com/office/powerpoint/2015/main" val="1"/>
+              </p:ext>
+            </p:extLst>
+          </p:nvPr>
+        </p:nvSpPr>
+        <p:spPr>
+          <a:xfrm flipV="1">
+            <a:off x="7550402" y="2455479"/>
+            <a:ext cx="4083433" cy="4083433"/>
+          </a:xfrm>
+          <a:prstGeom prst="arc">
+            <a:avLst/>
+          </a:prstGeom>
+          <a:ln w="127000" cap="rnd">
+            <a:solidFill>
+              <a:schemeClr val="accent4"/>
+            </a:solidFill>
+            <a:prstDash val="dash"/>
+          </a:ln>
+        </p:spPr>
+        <p:style>
+          <a:lnRef idx="1">
+            <a:schemeClr val="accent1"/>
+          </a:lnRef>
+          <a:fillRef idx="0">
+            <a:schemeClr val="accent1"/>
+          </a:fillRef>
+          <a:effectRef idx="0">
+            <a:schemeClr val="accent1"/>
+          </a:effectRef>
+          <a:fontRef idx="minor">
+            <a:schemeClr val="tx1"/>
+          </a:fontRef>
+        </p:style>
+        <p:txBody>
+          <a:bodyPr rtlCol="0" anchor="ctr"/>
+          <a:lstStyle/>
+          <a:p>
+            <a:pPr algn="ctr"/>
+            <a:endParaRPr lang="en-US" dirty="0"/>
+          </a:p>
+        </p:txBody>
+      </p:sp>
+      <p:sp>
+        <p:nvSpPr>
+          <p:cNvPr id="3" name="内容占位符 2">
+            <a:extLst>
+              <a:ext uri="{FF2B5EF4-FFF2-40B4-BE49-F238E27FC236}">
+                <a16:creationId xmlns:a16="http://schemas.microsoft.com/office/drawing/2014/main" id="{E1030313-A37F-82EC-A727-64311166FB5D}"/>
+              </a:ext>
+            </a:extLst>
+          </p:cNvPr>
+          <p:cNvSpPr>
+            <a:spLocks noGrp="1"/>
+          </p:cNvSpPr>
+          <p:nvPr>
+            <p:ph idx="1"/>
+          </p:nvPr>
+        </p:nvSpPr>
+        <p:spPr>
+          <a:xfrm>
+            <a:off x="4447308" y="591344"/>
+            <a:ext cx="6906491" cy="5585619"/>
+          </a:xfrm>
+        </p:spPr>
+        <p:txBody>
+          <a:bodyPr anchor="ctr">
+            <a:normAutofit/>
+          </a:bodyPr>
+          <a:lstStyle/>
+          <a:p>
+            <a:pPr marL="0" indent="0">
+              <a:buNone/>
+            </a:pPr>
+            <a:r>
+              <a:rPr lang="en-US" altLang="zh-TW" sz="3600" b="1" dirty="0"/>
+              <a:t>Main Objective: </a:t>
+            </a:r>
+          </a:p>
+          <a:p>
+            <a:r>
+              <a:rPr lang="en-US" altLang="zh-TW" dirty="0"/>
+              <a:t>Formally instruct employees on different cyber threats, how to recognize them, and measures to ensure personal and company security.</a:t>
+            </a:r>
+          </a:p>
+          <a:p>
+            <a:pPr marL="0" indent="0">
+              <a:buNone/>
+            </a:pPr>
+            <a:r>
+              <a:rPr lang="en-US" altLang="zh-TW" sz="3600" b="1" dirty="0"/>
+              <a:t>Secondary Objectives:</a:t>
+            </a:r>
+          </a:p>
+          <a:p>
+            <a:r>
+              <a:rPr lang="en-US" altLang="zh-TW" dirty="0"/>
+              <a:t>Educate employees on using antivirus applications</a:t>
+            </a:r>
+          </a:p>
+          <a:p>
+            <a:r>
+              <a:rPr lang="en-US" altLang="zh-TW" dirty="0"/>
+              <a:t>Recognize phishing emails</a:t>
+            </a:r>
+            <a:endParaRPr lang="zh-TW" altLang="en-US" dirty="0"/>
+          </a:p>
+        </p:txBody>
+      </p:sp>
+    </p:spTree>
+    <p:extLst>
+      <p:ext uri="{BB962C8B-B14F-4D97-AF65-F5344CB8AC3E}">
+        <p14:creationId xmlns:p14="http://schemas.microsoft.com/office/powerpoint/2010/main" val="3642482295"/>
+      </p:ext>
+    </p:extLst>
+  </p:cSld>
+  <p:clrMapOvr>
+    <a:masterClrMapping/>
+  </p:clrMapOvr>
+  <mc:AlternateContent xmlns:mc="http://schemas.openxmlformats.org/markup-compatibility/2006" xmlns:p159="http://schemas.microsoft.com/office/powerpoint/2015/09/main">
+    <mc:Choice Requires="p159">
+      <p:transition xmlns:p14="http://schemas.microsoft.com/office/powerpoint/2010/main" spd="slow" p14:dur="2000">
+        <p159:morph option="byObject"/>
+      </p:transition>
+    </mc:Choice>
+    <mc:Fallback xmlns="">
+      <p:transition spd="slow">
+        <p:fade/>
+      </p:transition>
+    </mc:Fallback>
+  </mc:AlternateContent>
+</p:sld>
+</file>
+
+<file path=ppt/slides/slide3.xml><?xml version="1.0" encoding="utf-8"?>
+<p:sld xmlns:a="http://schemas.openxmlformats.org/drawingml/2006/main" xmlns:r="http://schemas.openxmlformats.org/officeDocument/2006/relationships" xmlns:p="http://schemas.openxmlformats.org/presentationml/2006/main">
+  <p:cSld>
+    <p:bg>
+      <p:bgPr>
+        <a:solidFill>
+          <a:schemeClr val="bg1"/>
+        </a:solidFill>
+        <a:effectLst/>
+      </p:bgPr>
+    </p:bg>
+    <p:spTree>
+      <p:nvGrpSpPr>
+        <p:cNvPr id="1" name=""/>
+        <p:cNvGrpSpPr/>
+        <p:nvPr/>
+      </p:nvGrpSpPr>
+      <p:grpSpPr>
+        <a:xfrm>
+          <a:off x="0" y="0"/>
+          <a:ext cx="0" cy="0"/>
+          <a:chOff x="0" y="0"/>
+          <a:chExt cx="0" cy="0"/>
+        </a:xfrm>
+      </p:grpSpPr>
+      <p:sp useBgFill="1">
+        <p:nvSpPr>
+          <p:cNvPr id="15" name="Rectangle 7">
+            <a:extLst>
+              <a:ext uri="{FF2B5EF4-FFF2-40B4-BE49-F238E27FC236}">
+                <a16:creationId xmlns:a16="http://schemas.microsoft.com/office/drawing/2014/main" id="{1C799903-48D5-4A31-A1A2-541072D9771E}"/>
+              </a:ext>
+              <a:ext uri="{C183D7F6-B498-43B3-948B-1728B52AA6E4}">
+                <adec:decorative xmlns:adec="http://schemas.microsoft.com/office/drawing/2017/decorative" val="1"/>
+              </a:ext>
+            </a:extLst>
+          </p:cNvPr>
+          <p:cNvSpPr>
+            <a:spLocks noGrp="1" noRot="1" noChangeAspect="1" noMove="1" noResize="1" noEditPoints="1" noAdjustHandles="1" noChangeArrowheads="1" noChangeShapeType="1" noTextEdit="1"/>
+          </p:cNvSpPr>
+          <p:nvPr>
+            <p:extLst>
+              <p:ext uri="{386F3935-93C4-4BCD-93E2-E3B085C9AB24}">
+                <p16:designElem xmlns:p16="http://schemas.microsoft.com/office/powerpoint/2015/main" val="1"/>
+              </p:ext>
+            </p:extLst>
+          </p:nvPr>
+        </p:nvSpPr>
+        <p:spPr>
+          <a:xfrm>
+            <a:off x="0" y="0"/>
+            <a:ext cx="12192002" cy="6858000"/>
+          </a:xfrm>
+          <a:prstGeom prst="rect">
+            <a:avLst/>
+          </a:prstGeom>
+          <a:ln>
+            <a:noFill/>
+          </a:ln>
+        </p:spPr>
+        <p:style>
+          <a:lnRef idx="2">
+            <a:schemeClr val="accent1">
+              <a:shade val="50000"/>
+            </a:schemeClr>
+          </a:lnRef>
+          <a:fillRef idx="1">
+            <a:schemeClr val="accent1"/>
+          </a:fillRef>
+          <a:effectRef idx="0">
+            <a:schemeClr val="accent1"/>
+          </a:effectRef>
+          <a:fontRef idx="minor">
+            <a:schemeClr val="lt1"/>
+          </a:fontRef>
+        </p:style>
+        <p:txBody>
+          <a:bodyPr rtlCol="0" anchor="ctr"/>
+          <a:lstStyle/>
+          <a:p>
+            <a:pPr algn="ctr"/>
+            <a:endParaRPr lang="en-US"/>
+          </a:p>
+        </p:txBody>
+      </p:sp>
+      <p:sp useBgFill="1">
+        <p:nvSpPr>
+          <p:cNvPr id="16" name="Freeform: Shape 9">
+            <a:extLst>
+              <a:ext uri="{FF2B5EF4-FFF2-40B4-BE49-F238E27FC236}">
+                <a16:creationId xmlns:a16="http://schemas.microsoft.com/office/drawing/2014/main" id="{8EFFF109-FC58-4FD3-BE05-9775A1310F55}"/>
+              </a:ext>
+              <a:ext uri="{C183D7F6-B498-43B3-948B-1728B52AA6E4}">
+                <adec:decorative xmlns:adec="http://schemas.microsoft.com/office/drawing/2017/decorative" val="1"/>
+              </a:ext>
+            </a:extLst>
+          </p:cNvPr>
+          <p:cNvSpPr>
+            <a:spLocks noGrp="1" noRot="1" noChangeAspect="1" noMove="1" noResize="1" noEditPoints="1" noAdjustHandles="1" noChangeArrowheads="1" noChangeShapeType="1" noTextEdit="1"/>
+          </p:cNvSpPr>
+          <p:nvPr>
+            <p:extLst>
+              <p:ext uri="{386F3935-93C4-4BCD-93E2-E3B085C9AB24}">
+                <p16:designElem xmlns:p16="http://schemas.microsoft.com/office/powerpoint/2015/main" val="1"/>
+              </p:ext>
+            </p:extLst>
+          </p:nvPr>
+        </p:nvSpPr>
+        <p:spPr>
+          <a:xfrm>
+            <a:off x="-1" y="0"/>
+            <a:ext cx="4818889" cy="6858000"/>
+          </a:xfrm>
+          <a:custGeom>
+            <a:avLst/>
+            <a:gdLst>
+              <a:gd name="connsiteX0" fmla="*/ 0 w 4818889"/>
+              <a:gd name="connsiteY0" fmla="*/ 0 h 6858000"/>
+              <a:gd name="connsiteX1" fmla="*/ 3605911 w 4818889"/>
+              <a:gd name="connsiteY1" fmla="*/ 0 h 6858000"/>
+              <a:gd name="connsiteX2" fmla="*/ 3668894 w 4818889"/>
+              <a:gd name="connsiteY2" fmla="*/ 69271 h 6858000"/>
+              <a:gd name="connsiteX3" fmla="*/ 4818889 w 4818889"/>
+              <a:gd name="connsiteY3" fmla="*/ 3429000 h 6858000"/>
+              <a:gd name="connsiteX4" fmla="*/ 3668894 w 4818889"/>
+              <a:gd name="connsiteY4" fmla="*/ 6788730 h 6858000"/>
+              <a:gd name="connsiteX5" fmla="*/ 3605911 w 4818889"/>
+              <a:gd name="connsiteY5" fmla="*/ 6858000 h 6858000"/>
+              <a:gd name="connsiteX6" fmla="*/ 0 w 4818889"/>
+              <a:gd name="connsiteY6" fmla="*/ 6858000 h 6858000"/>
+            </a:gdLst>
+            <a:ahLst/>
+            <a:cxnLst>
+              <a:cxn ang="0">
+                <a:pos x="connsiteX0" y="connsiteY0"/>
+              </a:cxn>
+              <a:cxn ang="0">
+                <a:pos x="connsiteX1" y="connsiteY1"/>
+              </a:cxn>
+              <a:cxn ang="0">
+                <a:pos x="connsiteX2" y="connsiteY2"/>
+              </a:cxn>
+              <a:cxn ang="0">
+                <a:pos x="connsiteX3" y="connsiteY3"/>
+              </a:cxn>
+              <a:cxn ang="0">
+                <a:pos x="connsiteX4" y="connsiteY4"/>
+              </a:cxn>
+              <a:cxn ang="0">
+                <a:pos x="connsiteX5" y="connsiteY5"/>
+              </a:cxn>
+              <a:cxn ang="0">
+                <a:pos x="connsiteX6" y="connsiteY6"/>
+              </a:cxn>
+            </a:cxnLst>
+            <a:rect l="l" t="t" r="r" b="b"/>
+            <a:pathLst>
+              <a:path w="4818889" h="6858000">
+                <a:moveTo>
+                  <a:pt x="0" y="0"/>
+                </a:moveTo>
+                <a:lnTo>
+                  <a:pt x="3605911" y="0"/>
+                </a:lnTo>
+                <a:lnTo>
+                  <a:pt x="3668894" y="69271"/>
+                </a:lnTo>
+                <a:cubicBezTo>
+                  <a:pt x="4379420" y="929100"/>
+                  <a:pt x="4818889" y="2116944"/>
+                  <a:pt x="4818889" y="3429000"/>
+                </a:cubicBezTo>
+                <a:cubicBezTo>
+                  <a:pt x="4818889" y="4741056"/>
+                  <a:pt x="4379420" y="5928900"/>
+                  <a:pt x="3668894" y="6788730"/>
+                </a:cubicBezTo>
+                <a:lnTo>
+                  <a:pt x="3605911" y="6858000"/>
+                </a:lnTo>
+                <a:lnTo>
+                  <a:pt x="0" y="6858000"/>
+                </a:lnTo>
+                <a:close/>
+              </a:path>
+            </a:pathLst>
+          </a:custGeom>
+          <a:ln w="9525">
+            <a:solidFill>
+              <a:srgbClr val="E6E6E6"/>
+            </a:solidFill>
+          </a:ln>
+          <a:effectLst>
+            <a:outerShdw blurRad="50800" dist="38100" algn="l" rotWithShape="0">
+              <a:schemeClr val="bg1">
+                <a:lumMod val="85000"/>
+                <a:alpha val="50000"/>
+              </a:schemeClr>
+            </a:outerShdw>
+          </a:effectLst>
+        </p:spPr>
+        <p:style>
+          <a:lnRef idx="2">
+            <a:schemeClr val="accent1">
+              <a:shade val="50000"/>
+            </a:schemeClr>
+          </a:lnRef>
+          <a:fillRef idx="1">
+            <a:schemeClr val="accent1"/>
+          </a:fillRef>
+          <a:effectRef idx="0">
+            <a:schemeClr val="accent1"/>
+          </a:effectRef>
+          <a:fontRef idx="minor">
+            <a:schemeClr val="lt1"/>
+          </a:fontRef>
+        </p:style>
+        <p:txBody>
+          <a:bodyPr wrap="square" rtlCol="0" anchor="ctr">
+            <a:noAutofit/>
+          </a:bodyPr>
+          <a:lstStyle/>
+          <a:p>
+            <a:pPr marL="0" marR="0" lvl="0" indent="0" algn="ctr" defTabSz="914400" rtl="0" eaLnBrk="1" fontAlgn="auto" latinLnBrk="0" hangingPunct="1">
+              <a:lnSpc>
+                <a:spcPct val="100000"/>
+              </a:lnSpc>
+              <a:spcBef>
+                <a:spcPts val="0"/>
+              </a:spcBef>
+              <a:spcAft>
+                <a:spcPts val="0"/>
+              </a:spcAft>
+              <a:buClrTx/>
+              <a:buSzTx/>
+              <a:buFontTx/>
+              <a:buNone/>
+              <a:tabLst/>
+              <a:defRPr/>
+            </a:pPr>
+            <a:endParaRPr kumimoji="0" lang="en-US" sz="1800" b="0" i="0" u="none" strike="noStrike" kern="1200" cap="none" spc="0" normalizeH="0" baseline="0" noProof="0">
+              <a:ln>
+                <a:noFill/>
+              </a:ln>
+              <a:solidFill>
+                <a:prstClr val="white"/>
+              </a:solidFill>
+              <a:effectLst/>
+              <a:uLnTx/>
+              <a:uFillTx/>
+              <a:latin typeface="Calibri" panose="020F0502020204030204"/>
+              <a:ea typeface="+mn-ea"/>
+              <a:cs typeface="+mn-cs"/>
+            </a:endParaRPr>
+          </a:p>
+        </p:txBody>
+      </p:sp>
+      <p:sp useBgFill="1">
+        <p:nvSpPr>
+          <p:cNvPr id="17" name="Freeform: Shape 11">
+            <a:extLst>
+              <a:ext uri="{FF2B5EF4-FFF2-40B4-BE49-F238E27FC236}">
+                <a16:creationId xmlns:a16="http://schemas.microsoft.com/office/drawing/2014/main" id="{E1B96AD6-92A9-4273-A62B-96A1C3E0BA95}"/>
+              </a:ext>
+              <a:ext uri="{C183D7F6-B498-43B3-948B-1728B52AA6E4}">
+                <adec:decorative xmlns:adec="http://schemas.microsoft.com/office/drawing/2017/decorative" val="1"/>
+              </a:ext>
+            </a:extLst>
+          </p:cNvPr>
+          <p:cNvSpPr>
+            <a:spLocks noGrp="1" noRot="1" noChangeAspect="1" noMove="1" noResize="1" noEditPoints="1" noAdjustHandles="1" noChangeArrowheads="1" noChangeShapeType="1" noTextEdit="1"/>
+          </p:cNvSpPr>
+          <p:nvPr>
+            <p:extLst>
+              <p:ext uri="{386F3935-93C4-4BCD-93E2-E3B085C9AB24}">
+                <p16:designElem xmlns:p16="http://schemas.microsoft.com/office/powerpoint/2015/main" val="1"/>
+              </p:ext>
+            </p:extLst>
+          </p:nvPr>
+        </p:nvSpPr>
+        <p:spPr>
+          <a:xfrm>
+            <a:off x="1" y="0"/>
+            <a:ext cx="4811477" cy="6858000"/>
+          </a:xfrm>
+          <a:custGeom>
+            <a:avLst/>
+            <a:gdLst>
+              <a:gd name="connsiteX0" fmla="*/ 0 w 4811477"/>
+              <a:gd name="connsiteY0" fmla="*/ 0 h 6858000"/>
+              <a:gd name="connsiteX1" fmla="*/ 3598499 w 4811477"/>
+              <a:gd name="connsiteY1" fmla="*/ 0 h 6858000"/>
+              <a:gd name="connsiteX2" fmla="*/ 3661482 w 4811477"/>
+              <a:gd name="connsiteY2" fmla="*/ 69271 h 6858000"/>
+              <a:gd name="connsiteX3" fmla="*/ 4811477 w 4811477"/>
+              <a:gd name="connsiteY3" fmla="*/ 3429000 h 6858000"/>
+              <a:gd name="connsiteX4" fmla="*/ 3661482 w 4811477"/>
+              <a:gd name="connsiteY4" fmla="*/ 6788730 h 6858000"/>
+              <a:gd name="connsiteX5" fmla="*/ 3598499 w 4811477"/>
+              <a:gd name="connsiteY5" fmla="*/ 6858000 h 6858000"/>
+              <a:gd name="connsiteX6" fmla="*/ 0 w 4811477"/>
+              <a:gd name="connsiteY6" fmla="*/ 6858000 h 6858000"/>
+            </a:gdLst>
+            <a:ahLst/>
+            <a:cxnLst>
+              <a:cxn ang="0">
+                <a:pos x="connsiteX0" y="connsiteY0"/>
+              </a:cxn>
+              <a:cxn ang="0">
+                <a:pos x="connsiteX1" y="connsiteY1"/>
+              </a:cxn>
+              <a:cxn ang="0">
+                <a:pos x="connsiteX2" y="connsiteY2"/>
+              </a:cxn>
+              <a:cxn ang="0">
+                <a:pos x="connsiteX3" y="connsiteY3"/>
+              </a:cxn>
+              <a:cxn ang="0">
+                <a:pos x="connsiteX4" y="connsiteY4"/>
+              </a:cxn>
+              <a:cxn ang="0">
+                <a:pos x="connsiteX5" y="connsiteY5"/>
+              </a:cxn>
+              <a:cxn ang="0">
+                <a:pos x="connsiteX6" y="connsiteY6"/>
+              </a:cxn>
+            </a:cxnLst>
+            <a:rect l="l" t="t" r="r" b="b"/>
+            <a:pathLst>
+              <a:path w="4811477" h="6858000">
+                <a:moveTo>
+                  <a:pt x="0" y="0"/>
+                </a:moveTo>
+                <a:lnTo>
+                  <a:pt x="3598499" y="0"/>
+                </a:lnTo>
+                <a:lnTo>
+                  <a:pt x="3661482" y="69271"/>
+                </a:lnTo>
+                <a:cubicBezTo>
+                  <a:pt x="4372008" y="929100"/>
+                  <a:pt x="4811477" y="2116944"/>
+                  <a:pt x="4811477" y="3429000"/>
+                </a:cubicBezTo>
+                <a:cubicBezTo>
+                  <a:pt x="4811477" y="4741056"/>
+                  <a:pt x="4372008" y="5928900"/>
+                  <a:pt x="3661482" y="6788730"/>
+                </a:cubicBezTo>
+                <a:lnTo>
+                  <a:pt x="3598499" y="6858000"/>
+                </a:lnTo>
+                <a:lnTo>
+                  <a:pt x="0" y="6858000"/>
+                </a:lnTo>
+                <a:close/>
+              </a:path>
+            </a:pathLst>
+          </a:custGeom>
+          <a:ln w="9525">
+            <a:noFill/>
+          </a:ln>
+          <a:effectLst/>
+        </p:spPr>
+        <p:style>
+          <a:lnRef idx="2">
+            <a:schemeClr val="accent1">
+              <a:shade val="50000"/>
+            </a:schemeClr>
+          </a:lnRef>
+          <a:fillRef idx="1">
+            <a:schemeClr val="accent1"/>
+          </a:fillRef>
+          <a:effectRef idx="0">
+            <a:schemeClr val="accent1"/>
+          </a:effectRef>
+          <a:fontRef idx="minor">
+            <a:schemeClr val="lt1"/>
+          </a:fontRef>
+        </p:style>
+        <p:txBody>
+          <a:bodyPr wrap="square" rtlCol="0" anchor="ctr">
+            <a:noAutofit/>
+          </a:bodyPr>
+          <a:lstStyle/>
+          <a:p>
+            <a:pPr marL="0" marR="0" lvl="0" indent="0" algn="ctr" defTabSz="914400" rtl="0" eaLnBrk="1" fontAlgn="auto" latinLnBrk="0" hangingPunct="1">
+              <a:lnSpc>
+                <a:spcPct val="100000"/>
+              </a:lnSpc>
+              <a:spcBef>
+                <a:spcPts val="0"/>
+              </a:spcBef>
+              <a:spcAft>
+                <a:spcPts val="0"/>
+              </a:spcAft>
+              <a:buClrTx/>
+              <a:buSzTx/>
+              <a:buFontTx/>
+              <a:buNone/>
+              <a:tabLst/>
+              <a:defRPr/>
+            </a:pPr>
+            <a:endParaRPr kumimoji="0" lang="en-US" sz="1800" b="0" i="0" u="none" strike="noStrike" kern="1200" cap="none" spc="0" normalizeH="0" baseline="0" noProof="0">
+              <a:ln>
+                <a:noFill/>
+              </a:ln>
+              <a:solidFill>
+                <a:prstClr val="white"/>
+              </a:solidFill>
+              <a:effectLst/>
+              <a:uLnTx/>
+              <a:uFillTx/>
+              <a:latin typeface="Calibri" panose="020F0502020204030204"/>
+              <a:ea typeface="+mn-ea"/>
+              <a:cs typeface="+mn-cs"/>
+            </a:endParaRPr>
+          </a:p>
+        </p:txBody>
+      </p:sp>
+      <p:sp>
+        <p:nvSpPr>
+          <p:cNvPr id="2" name="标题 1">
+            <a:extLst>
+              <a:ext uri="{FF2B5EF4-FFF2-40B4-BE49-F238E27FC236}">
+                <a16:creationId xmlns:a16="http://schemas.microsoft.com/office/drawing/2014/main" id="{F7604C25-E7A9-4638-AC37-00C795447BD7}"/>
+              </a:ext>
+            </a:extLst>
+          </p:cNvPr>
+          <p:cNvSpPr>
+            <a:spLocks noGrp="1"/>
+          </p:cNvSpPr>
+          <p:nvPr>
+            <p:ph type="title"/>
+          </p:nvPr>
+        </p:nvSpPr>
+        <p:spPr>
+          <a:xfrm>
+            <a:off x="621792" y="1161288"/>
+            <a:ext cx="3602736" cy="4526280"/>
+          </a:xfrm>
+        </p:spPr>
+        <p:txBody>
+          <a:bodyPr>
+            <a:normAutofit/>
+          </a:bodyPr>
+          <a:lstStyle/>
+          <a:p>
+            <a:r>
+              <a:rPr lang="en-US" altLang="zh-TW" sz="6000" dirty="0"/>
+              <a:t>Training Methods</a:t>
+            </a:r>
+            <a:endParaRPr lang="zh-TW" altLang="en-US" sz="6000" dirty="0"/>
+          </a:p>
+        </p:txBody>
+      </p:sp>
+      <p:sp>
+        <p:nvSpPr>
+          <p:cNvPr id="14" name="Rectangle 13">
+            <a:extLst>
+              <a:ext uri="{FF2B5EF4-FFF2-40B4-BE49-F238E27FC236}">
+                <a16:creationId xmlns:a16="http://schemas.microsoft.com/office/drawing/2014/main" id="{463EEC44-1BA3-44ED-81FC-A644B04B2A44}"/>
+              </a:ext>
+              <a:ext uri="{C183D7F6-B498-43B3-948B-1728B52AA6E4}">
+                <adec:decorative xmlns:adec="http://schemas.microsoft.com/office/drawing/2017/decorative" val="1"/>
+              </a:ext>
+            </a:extLst>
+          </p:cNvPr>
+          <p:cNvSpPr>
+            <a:spLocks noGrp="1" noRot="1" noChangeAspect="1" noMove="1" noResize="1" noEditPoints="1" noAdjustHandles="1" noChangeArrowheads="1" noChangeShapeType="1" noTextEdit="1"/>
+          </p:cNvSpPr>
+          <p:nvPr>
+            <p:extLst>
+              <p:ext uri="{386F3935-93C4-4BCD-93E2-E3B085C9AB24}">
+                <p16:designElem xmlns:p16="http://schemas.microsoft.com/office/powerpoint/2015/main" val="1"/>
+              </p:ext>
+            </p:extLst>
+          </p:nvPr>
+        </p:nvSpPr>
+        <p:spPr>
+          <a:xfrm>
+            <a:off x="0" y="3102049"/>
+            <a:ext cx="128016" cy="653903"/>
+          </a:xfrm>
+          <a:prstGeom prst="rect">
+            <a:avLst/>
+          </a:prstGeom>
+          <a:solidFill>
+            <a:schemeClr val="accent2"/>
+          </a:solidFill>
+          <a:ln>
+            <a:noFill/>
+          </a:ln>
+        </p:spPr>
+        <p:style>
+          <a:lnRef idx="2">
+            <a:schemeClr val="accent1">
+              <a:shade val="50000"/>
+            </a:schemeClr>
+          </a:lnRef>
+          <a:fillRef idx="1">
+            <a:schemeClr val="accent1"/>
+          </a:fillRef>
+          <a:effectRef idx="0">
+            <a:schemeClr val="accent1"/>
+          </a:effectRef>
+          <a:fontRef idx="minor">
+            <a:schemeClr val="lt1"/>
+          </a:fontRef>
+        </p:style>
+        <p:txBody>
+          <a:bodyPr rtlCol="0" anchor="ctr"/>
+          <a:lstStyle/>
+          <a:p>
+            <a:pPr algn="ctr"/>
+            <a:endParaRPr lang="en-US">
+              <a:solidFill>
+                <a:prstClr val="white"/>
+              </a:solidFill>
+              <a:latin typeface="Calibri" panose="020F0502020204030204"/>
+            </a:endParaRPr>
+          </a:p>
+        </p:txBody>
+      </p:sp>
+      <p:sp>
+        <p:nvSpPr>
+          <p:cNvPr id="3" name="内容占位符 2">
+            <a:extLst>
+              <a:ext uri="{FF2B5EF4-FFF2-40B4-BE49-F238E27FC236}">
+                <a16:creationId xmlns:a16="http://schemas.microsoft.com/office/drawing/2014/main" id="{7A307D16-A5E3-2972-DB8E-D7A394AABCC3}"/>
+              </a:ext>
+            </a:extLst>
+          </p:cNvPr>
+          <p:cNvSpPr>
+            <a:spLocks noGrp="1"/>
+          </p:cNvSpPr>
+          <p:nvPr>
+            <p:ph idx="1"/>
+          </p:nvPr>
+        </p:nvSpPr>
+        <p:spPr>
+          <a:xfrm>
+            <a:off x="5434149" y="932688"/>
+            <a:ext cx="5916603" cy="4992624"/>
+          </a:xfrm>
+        </p:spPr>
+        <p:txBody>
+          <a:bodyPr anchor="ctr">
+            <a:normAutofit/>
+          </a:bodyPr>
+          <a:lstStyle/>
+          <a:p>
+            <a:r>
+              <a:rPr lang="en-US" altLang="zh-TW" dirty="0"/>
+              <a:t>Demonstration</a:t>
+            </a:r>
+          </a:p>
+          <a:p>
+            <a:r>
+              <a:rPr lang="en-US" altLang="zh-TW" dirty="0"/>
+              <a:t>Explanation</a:t>
+            </a:r>
+          </a:p>
+          <a:p>
+            <a:r>
+              <a:rPr lang="en-US" altLang="zh-TW" dirty="0"/>
+              <a:t>Showing Videos</a:t>
+            </a:r>
+          </a:p>
+          <a:p>
+            <a:r>
+              <a:rPr lang="en-US" altLang="zh-TW" dirty="0"/>
+              <a:t>Providing Examples</a:t>
+            </a:r>
+          </a:p>
+          <a:p>
+            <a:r>
+              <a:rPr lang="en-US" altLang="zh-TW" dirty="0"/>
+              <a:t>Research and Discussion</a:t>
+            </a:r>
+            <a:endParaRPr lang="zh-TW" altLang="en-US" dirty="0"/>
+          </a:p>
+        </p:txBody>
+      </p:sp>
+    </p:spTree>
+    <p:extLst>
+      <p:ext uri="{BB962C8B-B14F-4D97-AF65-F5344CB8AC3E}">
+        <p14:creationId xmlns:p14="http://schemas.microsoft.com/office/powerpoint/2010/main" val="1818999403"/>
+      </p:ext>
+    </p:extLst>
+  </p:cSld>
+  <p:clrMapOvr>
+    <a:masterClrMapping/>
+  </p:clrMapOvr>
+  <mc:AlternateContent xmlns:mc="http://schemas.openxmlformats.org/markup-compatibility/2006" xmlns:p159="http://schemas.microsoft.com/office/powerpoint/2015/09/main">
+    <mc:Choice Requires="p159">
+      <p:transition xmlns:p14="http://schemas.microsoft.com/office/powerpoint/2010/main" spd="slow" p14:dur="2000">
+        <p159:morph option="byObject"/>
+      </p:transition>
+    </mc:Choice>
+    <mc:Fallback xmlns="">
+      <p:transition spd="slow">
+        <p:fade/>
+      </p:transition>
+    </mc:Fallback>
+  </mc:AlternateContent>
+</p:sld>
+</file>
+
+<file path=ppt/slides/slide4.xml><?xml version="1.0" encoding="utf-8"?>
+<p:sld xmlns:a="http://schemas.openxmlformats.org/drawingml/2006/main" xmlns:r="http://schemas.openxmlformats.org/officeDocument/2006/relationships" xmlns:p="http://schemas.openxmlformats.org/presentationml/2006/main">
+  <p:cSld>
+    <p:bg>
+      <p:bgPr>
+        <a:solidFill>
+          <a:schemeClr val="bg1"/>
+        </a:solidFill>
+        <a:effectLst/>
+      </p:bgPr>
+    </p:bg>
+    <p:spTree>
+      <p:nvGrpSpPr>
+        <p:cNvPr id="1" name=""/>
+        <p:cNvGrpSpPr/>
+        <p:nvPr/>
+      </p:nvGrpSpPr>
+      <p:grpSpPr>
+        <a:xfrm>
+          <a:off x="0" y="0"/>
+          <a:ext cx="0" cy="0"/>
+          <a:chOff x="0" y="0"/>
+          <a:chExt cx="0" cy="0"/>
+        </a:xfrm>
+      </p:grpSpPr>
+      <p:sp useBgFill="1">
+        <p:nvSpPr>
+          <p:cNvPr id="8" name="Rectangle 7">
+            <a:extLst>
+              <a:ext uri="{FF2B5EF4-FFF2-40B4-BE49-F238E27FC236}">
+                <a16:creationId xmlns:a16="http://schemas.microsoft.com/office/drawing/2014/main" id="{C2554CA6-288E-4202-BC52-2E5A8F0C0AED}"/>
+              </a:ext>
+              <a:ext uri="{C183D7F6-B498-43B3-948B-1728B52AA6E4}">
+                <adec:decorative xmlns:adec="http://schemas.microsoft.com/office/drawing/2017/decorative" val="1"/>
+              </a:ext>
+            </a:extLst>
+          </p:cNvPr>
+          <p:cNvSpPr>
+            <a:spLocks noGrp="1" noRot="1" noChangeAspect="1" noMove="1" noResize="1" noEditPoints="1" noAdjustHandles="1" noChangeArrowheads="1" noChangeShapeType="1" noTextEdit="1"/>
+          </p:cNvSpPr>
+          <p:nvPr>
+            <p:extLst>
+              <p:ext uri="{386F3935-93C4-4BCD-93E2-E3B085C9AB24}">
+                <p16:designElem xmlns:p16="http://schemas.microsoft.com/office/powerpoint/2015/main" val="1"/>
+              </p:ext>
+            </p:extLst>
+          </p:nvPr>
+        </p:nvSpPr>
+        <p:spPr>
+          <a:xfrm>
+            <a:off x="3048" y="0"/>
+            <a:ext cx="12188952" cy="6858000"/>
+          </a:xfrm>
+          <a:prstGeom prst="rect">
+            <a:avLst/>
+          </a:prstGeom>
+          <a:ln>
+            <a:noFill/>
+          </a:ln>
+        </p:spPr>
+        <p:style>
+          <a:lnRef idx="2">
+            <a:schemeClr val="accent1">
+              <a:shade val="50000"/>
+            </a:schemeClr>
+          </a:lnRef>
+          <a:fillRef idx="1">
+            <a:schemeClr val="accent1"/>
+          </a:fillRef>
+          <a:effectRef idx="0">
+            <a:schemeClr val="accent1"/>
+          </a:effectRef>
+          <a:fontRef idx="minor">
+            <a:schemeClr val="lt1"/>
+          </a:fontRef>
+        </p:style>
+        <p:txBody>
+          <a:bodyPr rtlCol="0" anchor="ctr"/>
+          <a:lstStyle/>
+          <a:p>
+            <a:pPr algn="ctr"/>
+            <a:endParaRPr lang="en-US"/>
+          </a:p>
+        </p:txBody>
+      </p:sp>
+      <p:sp>
+        <p:nvSpPr>
+          <p:cNvPr id="10" name="Oval 9">
+            <a:extLst>
+              <a:ext uri="{FF2B5EF4-FFF2-40B4-BE49-F238E27FC236}">
+                <a16:creationId xmlns:a16="http://schemas.microsoft.com/office/drawing/2014/main" id="{B10BB131-AC8E-4A8E-A5D1-36260F720C3B}"/>
+              </a:ext>
+              <a:ext uri="{C183D7F6-B498-43B3-948B-1728B52AA6E4}">
+                <adec:decorative xmlns:adec="http://schemas.microsoft.com/office/drawing/2017/decorative" val="1"/>
+              </a:ext>
+            </a:extLst>
+          </p:cNvPr>
+          <p:cNvSpPr>
+            <a:spLocks noGrp="1" noRot="1" noChangeAspect="1" noMove="1" noResize="1" noEditPoints="1" noAdjustHandles="1" noChangeArrowheads="1" noChangeShapeType="1" noTextEdit="1"/>
+          </p:cNvSpPr>
+          <p:nvPr>
+            <p:extLst>
+              <p:ext uri="{386F3935-93C4-4BCD-93E2-E3B085C9AB24}">
+                <p16:designElem xmlns:p16="http://schemas.microsoft.com/office/powerpoint/2015/main" val="1"/>
+              </p:ext>
+            </p:extLst>
+          </p:nvPr>
+        </p:nvSpPr>
+        <p:spPr>
+          <a:xfrm>
+            <a:off x="489189" y="1119031"/>
+            <a:ext cx="4619938" cy="4619938"/>
+          </a:xfrm>
+          <a:prstGeom prst="ellipse">
+            <a:avLst/>
+          </a:prstGeom>
+          <a:solidFill>
+            <a:schemeClr val="accent2"/>
+          </a:solidFill>
+          <a:ln>
+            <a:noFill/>
+          </a:ln>
+        </p:spPr>
+        <p:style>
+          <a:lnRef idx="2">
+            <a:schemeClr val="accent1">
+              <a:shade val="50000"/>
+            </a:schemeClr>
+          </a:lnRef>
+          <a:fillRef idx="1">
+            <a:schemeClr val="accent1"/>
+          </a:fillRef>
+          <a:effectRef idx="0">
+            <a:schemeClr val="accent1"/>
+          </a:effectRef>
+          <a:fontRef idx="minor">
+            <a:schemeClr val="lt1"/>
+          </a:fontRef>
+        </p:style>
+        <p:txBody>
+          <a:bodyPr rtlCol="0" anchor="ctr"/>
+          <a:lstStyle/>
+          <a:p>
+            <a:pPr algn="ctr"/>
+            <a:endParaRPr lang="en-US"/>
+          </a:p>
+        </p:txBody>
+      </p:sp>
+      <p:sp>
+        <p:nvSpPr>
+          <p:cNvPr id="2" name="标题 1">
+            <a:extLst>
+              <a:ext uri="{FF2B5EF4-FFF2-40B4-BE49-F238E27FC236}">
+                <a16:creationId xmlns:a16="http://schemas.microsoft.com/office/drawing/2014/main" id="{C81B6942-82CB-409A-8222-B7FDF70AD9D1}"/>
+              </a:ext>
+            </a:extLst>
+          </p:cNvPr>
+          <p:cNvSpPr>
+            <a:spLocks noGrp="1"/>
+          </p:cNvSpPr>
+          <p:nvPr>
+            <p:ph type="title"/>
+          </p:nvPr>
+        </p:nvSpPr>
+        <p:spPr>
+          <a:xfrm>
+            <a:off x="1171074" y="1396686"/>
+            <a:ext cx="3240506" cy="4064628"/>
+          </a:xfrm>
+        </p:spPr>
+        <p:txBody>
+          <a:bodyPr>
+            <a:normAutofit/>
+          </a:bodyPr>
+          <a:lstStyle/>
+          <a:p>
+            <a:r>
+              <a:rPr lang="en-US" altLang="zh-TW">
+                <a:solidFill>
+                  <a:srgbClr val="FFFFFF"/>
+                </a:solidFill>
+              </a:rPr>
+              <a:t>Simulated Training Methods</a:t>
+            </a:r>
+            <a:endParaRPr lang="zh-TW" altLang="en-US">
+              <a:solidFill>
+                <a:srgbClr val="FFFFFF"/>
+              </a:solidFill>
+            </a:endParaRPr>
+          </a:p>
+        </p:txBody>
+      </p:sp>
+      <p:sp>
+        <p:nvSpPr>
+          <p:cNvPr id="12" name="Arc 11">
+            <a:extLst>
+              <a:ext uri="{FF2B5EF4-FFF2-40B4-BE49-F238E27FC236}">
+                <a16:creationId xmlns:a16="http://schemas.microsoft.com/office/drawing/2014/main" id="{5B7778FC-632E-4DCA-A7CB-0D7731CCF970}"/>
+              </a:ext>
+              <a:ext uri="{C183D7F6-B498-43B3-948B-1728B52AA6E4}">
+                <adec:decorative xmlns:adec="http://schemas.microsoft.com/office/drawing/2017/decorative" val="1"/>
+              </a:ext>
+            </a:extLst>
+          </p:cNvPr>
+          <p:cNvSpPr>
+            <a:spLocks noGrp="1" noRot="1" noChangeAspect="1" noMove="1" noResize="1" noEditPoints="1" noAdjustHandles="1" noChangeArrowheads="1" noChangeShapeType="1" noTextEdit="1"/>
+          </p:cNvSpPr>
+          <p:nvPr>
+            <p:extLst>
+              <p:ext uri="{386F3935-93C4-4BCD-93E2-E3B085C9AB24}">
+                <p16:designElem xmlns:p16="http://schemas.microsoft.com/office/powerpoint/2015/main" val="1"/>
+              </p:ext>
+            </p:extLst>
+          </p:nvPr>
+        </p:nvSpPr>
+        <p:spPr>
+          <a:xfrm rot="19809111">
+            <a:off x="8683720" y="941148"/>
+            <a:ext cx="2987899" cy="2987899"/>
+          </a:xfrm>
+          <a:prstGeom prst="arc">
+            <a:avLst>
+              <a:gd name="adj1" fmla="val 15817365"/>
+              <a:gd name="adj2" fmla="val 1781380"/>
+            </a:avLst>
+          </a:prstGeom>
+          <a:ln w="127000" cap="rnd">
+            <a:solidFill>
+              <a:schemeClr val="accent4"/>
+            </a:solidFill>
+            <a:prstDash val="dash"/>
+            <a:miter lim="800000"/>
+          </a:ln>
+        </p:spPr>
+        <p:style>
+          <a:lnRef idx="1">
+            <a:schemeClr val="accent1"/>
+          </a:lnRef>
+          <a:fillRef idx="0">
+            <a:schemeClr val="accent1"/>
+          </a:fillRef>
+          <a:effectRef idx="0">
+            <a:schemeClr val="accent1"/>
+          </a:effectRef>
+          <a:fontRef idx="minor">
+            <a:schemeClr val="tx1"/>
+          </a:fontRef>
+        </p:style>
+        <p:txBody>
+          <a:bodyPr rtlCol="0" anchor="ctr"/>
+          <a:lstStyle/>
+          <a:p>
+            <a:pPr marL="0" marR="0" lvl="0" indent="0" algn="ctr" defTabSz="914400" rtl="0" eaLnBrk="1" fontAlgn="auto" latinLnBrk="0" hangingPunct="1">
+              <a:lnSpc>
+                <a:spcPct val="100000"/>
+              </a:lnSpc>
+              <a:spcBef>
+                <a:spcPts val="0"/>
+              </a:spcBef>
+              <a:spcAft>
+                <a:spcPts val="0"/>
+              </a:spcAft>
+              <a:buClrTx/>
+              <a:buSzTx/>
+              <a:buFontTx/>
+              <a:buNone/>
+              <a:tabLst/>
+              <a:defRPr/>
+            </a:pPr>
+            <a:endParaRPr kumimoji="0" lang="en-US" sz="1800" b="0" i="0" u="none" strike="noStrike" kern="1200" cap="none" spc="0" normalizeH="0" baseline="0" noProof="0">
+              <a:ln>
+                <a:noFill/>
+              </a:ln>
+              <a:solidFill>
+                <a:srgbClr val="000000"/>
+              </a:solidFill>
+              <a:effectLst/>
+              <a:uLnTx/>
+              <a:uFillTx/>
+              <a:latin typeface="Calibri" panose="020F0502020204030204"/>
+              <a:ea typeface="+mn-ea"/>
+              <a:cs typeface="+mn-cs"/>
+            </a:endParaRPr>
+          </a:p>
+        </p:txBody>
+      </p:sp>
+      <p:sp>
+        <p:nvSpPr>
+          <p:cNvPr id="14" name="Oval 13">
+            <a:extLst>
+              <a:ext uri="{FF2B5EF4-FFF2-40B4-BE49-F238E27FC236}">
+                <a16:creationId xmlns:a16="http://schemas.microsoft.com/office/drawing/2014/main" id="{FA23A907-97FB-4A8F-880A-DD77401C4296}"/>
+              </a:ext>
+              <a:ext uri="{C183D7F6-B498-43B3-948B-1728B52AA6E4}">
+                <adec:decorative xmlns:adec="http://schemas.microsoft.com/office/drawing/2017/decorative" val="1"/>
+              </a:ext>
+            </a:extLst>
+          </p:cNvPr>
+          <p:cNvSpPr>
+            <a:spLocks noGrp="1" noRot="1" noChangeAspect="1" noMove="1" noResize="1" noEditPoints="1" noAdjustHandles="1" noChangeArrowheads="1" noChangeShapeType="1" noTextEdit="1"/>
+          </p:cNvSpPr>
+          <p:nvPr>
+            <p:extLst>
+              <p:ext uri="{386F3935-93C4-4BCD-93E2-E3B085C9AB24}">
+                <p16:designElem xmlns:p16="http://schemas.microsoft.com/office/powerpoint/2015/main" val="1"/>
+              </p:ext>
+            </p:extLst>
+          </p:nvPr>
+        </p:nvSpPr>
+        <p:spPr>
+          <a:xfrm>
+            <a:off x="910048" y="4780992"/>
+            <a:ext cx="546100" cy="546100"/>
+          </a:xfrm>
+          <a:prstGeom prst="ellipse">
+            <a:avLst/>
+          </a:prstGeom>
+          <a:solidFill>
+            <a:schemeClr val="accent5"/>
+          </a:solidFill>
+          <a:ln>
+            <a:noFill/>
+          </a:ln>
+        </p:spPr>
+        <p:style>
+          <a:lnRef idx="2">
+            <a:schemeClr val="accent1">
+              <a:shade val="50000"/>
+            </a:schemeClr>
+          </a:lnRef>
+          <a:fillRef idx="1">
+            <a:schemeClr val="accent1"/>
+          </a:fillRef>
+          <a:effectRef idx="0">
+            <a:schemeClr val="accent1"/>
+          </a:effectRef>
+          <a:fontRef idx="minor">
+            <a:schemeClr val="lt1"/>
+          </a:fontRef>
+        </p:style>
+        <p:txBody>
+          <a:bodyPr rtlCol="0" anchor="ctr"/>
+          <a:lstStyle/>
+          <a:p>
+            <a:pPr marL="0" marR="0" lvl="0" indent="0" algn="ctr" defTabSz="914400" rtl="0" eaLnBrk="1" fontAlgn="auto" latinLnBrk="0" hangingPunct="1">
+              <a:lnSpc>
+                <a:spcPct val="100000"/>
+              </a:lnSpc>
+              <a:spcBef>
+                <a:spcPts val="0"/>
+              </a:spcBef>
+              <a:spcAft>
+                <a:spcPts val="0"/>
+              </a:spcAft>
+              <a:buClrTx/>
+              <a:buSzTx/>
+              <a:buFontTx/>
+              <a:buNone/>
+              <a:tabLst/>
+              <a:defRPr/>
+            </a:pPr>
+            <a:endParaRPr kumimoji="0" lang="en-US" sz="1800" b="0" i="0" u="none" strike="noStrike" kern="1200" cap="none" spc="0" normalizeH="0" baseline="0" noProof="0">
+              <a:ln>
+                <a:noFill/>
+              </a:ln>
+              <a:solidFill>
+                <a:srgbClr val="FFFFFF"/>
+              </a:solidFill>
+              <a:effectLst/>
+              <a:uLnTx/>
+              <a:uFillTx/>
+              <a:latin typeface="Calibri" panose="020F0502020204030204"/>
+              <a:ea typeface="+mn-ea"/>
+              <a:cs typeface="+mn-cs"/>
+            </a:endParaRPr>
+          </a:p>
+        </p:txBody>
+      </p:sp>
+      <p:sp>
+        <p:nvSpPr>
+          <p:cNvPr id="3" name="内容占位符 2">
+            <a:extLst>
+              <a:ext uri="{FF2B5EF4-FFF2-40B4-BE49-F238E27FC236}">
+                <a16:creationId xmlns:a16="http://schemas.microsoft.com/office/drawing/2014/main" id="{0996B5A7-27D8-5EBB-0441-23320B4DACEB}"/>
+              </a:ext>
+            </a:extLst>
+          </p:cNvPr>
+          <p:cNvSpPr>
+            <a:spLocks noGrp="1"/>
+          </p:cNvSpPr>
+          <p:nvPr>
+            <p:ph idx="1"/>
+          </p:nvPr>
+        </p:nvSpPr>
+        <p:spPr>
+          <a:xfrm>
+            <a:off x="5370153" y="1526033"/>
+            <a:ext cx="5536397" cy="3935281"/>
+          </a:xfrm>
+        </p:spPr>
+        <p:txBody>
+          <a:bodyPr>
+            <a:normAutofit/>
+          </a:bodyPr>
+          <a:lstStyle/>
+          <a:p>
+            <a:r>
+              <a:rPr lang="en-US" altLang="zh-TW" dirty="0"/>
+              <a:t>Platforms and Tools:</a:t>
+            </a:r>
+          </a:p>
+          <a:p>
+            <a:r>
+              <a:rPr lang="en-US" altLang="zh-TW" dirty="0"/>
+              <a:t>Metasploit</a:t>
+            </a:r>
+          </a:p>
+          <a:p>
+            <a:r>
+              <a:rPr lang="en-US" altLang="zh-TW" dirty="0"/>
+              <a:t>Kali Linux</a:t>
+            </a:r>
+          </a:p>
+          <a:p>
+            <a:r>
+              <a:rPr lang="en-US" altLang="zh-TW" dirty="0"/>
+              <a:t>Zoom Meetings</a:t>
+            </a:r>
+          </a:p>
+          <a:p>
+            <a:r>
+              <a:rPr lang="en-US" altLang="zh-TW" dirty="0"/>
+              <a:t>Windows Security Firewalls</a:t>
+            </a:r>
+          </a:p>
+          <a:p>
+            <a:r>
+              <a:rPr lang="en-US" altLang="zh-TW" dirty="0"/>
+              <a:t>Malware Protection Tools</a:t>
+            </a:r>
+            <a:endParaRPr lang="zh-TW" altLang="en-US" dirty="0"/>
+          </a:p>
+        </p:txBody>
+      </p:sp>
+    </p:spTree>
+    <p:extLst>
+      <p:ext uri="{BB962C8B-B14F-4D97-AF65-F5344CB8AC3E}">
+        <p14:creationId xmlns:p14="http://schemas.microsoft.com/office/powerpoint/2010/main" val="476765763"/>
+      </p:ext>
+    </p:extLst>
+  </p:cSld>
+  <p:clrMapOvr>
+    <a:masterClrMapping/>
+  </p:clrMapOvr>
+  <mc:AlternateContent xmlns:mc="http://schemas.openxmlformats.org/markup-compatibility/2006" xmlns:p159="http://schemas.microsoft.com/office/powerpoint/2015/09/main">
+    <mc:Choice Requires="p159">
+      <p:transition xmlns:p14="http://schemas.microsoft.com/office/powerpoint/2010/main" spd="slow" p14:dur="2000">
+        <p159:morph option="byObject"/>
+      </p:transition>
+    </mc:Choice>
+    <mc:Fallback xmlns="">
+      <p:transition spd="slow">
+        <p:fade/>
+      </p:transition>
+    </mc:Fallback>
+  </mc:AlternateContent>
+</p:sld>
+</file>
+
+<file path=ppt/slides/slide5.xml><?xml version="1.0" encoding="utf-8"?>
+<p:sld xmlns:a="http://schemas.openxmlformats.org/drawingml/2006/main" xmlns:r="http://schemas.openxmlformats.org/officeDocument/2006/relationships" xmlns:p="http://schemas.openxmlformats.org/presentationml/2006/main">
+  <p:cSld>
+    <p:spTree>
+      <p:nvGrpSpPr>
+        <p:cNvPr id="1" name=""/>
+        <p:cNvGrpSpPr/>
+        <p:nvPr/>
+      </p:nvGrpSpPr>
+      <p:grpSpPr>
+        <a:xfrm>
+          <a:off x="0" y="0"/>
+          <a:ext cx="0" cy="0"/>
+          <a:chOff x="0" y="0"/>
+          <a:chExt cx="0" cy="0"/>
+        </a:xfrm>
+      </p:grpSpPr>
+      <p:sp>
+        <p:nvSpPr>
+          <p:cNvPr id="2" name="标题 1">
+            <a:extLst>
+              <a:ext uri="{FF2B5EF4-FFF2-40B4-BE49-F238E27FC236}">
+                <a16:creationId xmlns:a16="http://schemas.microsoft.com/office/drawing/2014/main" id="{26CAA459-2BCF-1414-0186-120056C85D27}"/>
+              </a:ext>
+            </a:extLst>
+          </p:cNvPr>
+          <p:cNvSpPr>
+            <a:spLocks noGrp="1"/>
+          </p:cNvSpPr>
+          <p:nvPr>
+            <p:ph type="title"/>
+          </p:nvPr>
+        </p:nvSpPr>
+        <p:spPr/>
+        <p:txBody>
+          <a:bodyPr/>
+          <a:lstStyle/>
+          <a:p>
+            <a:r>
+              <a:rPr lang="en-US" altLang="zh-TW" dirty="0"/>
+              <a:t>Overview of Training Activities</a:t>
+            </a:r>
+            <a:br>
+              <a:rPr lang="en-US" altLang="zh-TW" dirty="0"/>
+            </a:br>
+            <a:endParaRPr lang="zh-TW" altLang="en-US" dirty="0"/>
+          </a:p>
+        </p:txBody>
+      </p:sp>
+      <p:graphicFrame>
+        <p:nvGraphicFramePr>
+          <p:cNvPr id="5" name="内容占位符 2">
+            <a:extLst>
+              <a:ext uri="{FF2B5EF4-FFF2-40B4-BE49-F238E27FC236}">
+                <a16:creationId xmlns:a16="http://schemas.microsoft.com/office/drawing/2014/main" id="{F2D25668-AD37-3900-9503-052DC202A453}"/>
+              </a:ext>
+            </a:extLst>
+          </p:cNvPr>
+          <p:cNvGraphicFramePr>
+            <a:graphicFrameLocks noGrp="1"/>
+          </p:cNvGraphicFramePr>
+          <p:nvPr>
+            <p:ph idx="1"/>
+            <p:extLst>
+              <p:ext uri="{D42A27DB-BD31-4B8C-83A1-F6EECF244321}">
+                <p14:modId xmlns:p14="http://schemas.microsoft.com/office/powerpoint/2010/main" val="2425904254"/>
+              </p:ext>
+            </p:extLst>
+          </p:nvPr>
+        </p:nvGraphicFramePr>
+        <p:xfrm>
+          <a:off x="838200" y="1825625"/>
+          <a:ext cx="10515600" cy="4351338"/>
+        </p:xfrm>
+        <a:graphic>
+          <a:graphicData uri="http://schemas.openxmlformats.org/drawingml/2006/diagram">
+            <dgm:relIds xmlns:dgm="http://schemas.openxmlformats.org/drawingml/2006/diagram" xmlns:r="http://schemas.openxmlformats.org/officeDocument/2006/relationships" r:dm="rId2" r:lo="rId3" r:qs="rId4" r:cs="rId5"/>
+          </a:graphicData>
+        </a:graphic>
+      </p:graphicFrame>
+    </p:spTree>
+    <p:extLst>
+      <p:ext uri="{BB962C8B-B14F-4D97-AF65-F5344CB8AC3E}">
+        <p14:creationId xmlns:p14="http://schemas.microsoft.com/office/powerpoint/2010/main" val="228346317"/>
+      </p:ext>
+    </p:extLst>
+  </p:cSld>
+  <p:clrMapOvr>
+    <a:masterClrMapping/>
+  </p:clrMapOvr>
+  <mc:AlternateContent xmlns:mc="http://schemas.openxmlformats.org/markup-compatibility/2006" xmlns:p159="http://schemas.microsoft.com/office/powerpoint/2015/09/main">
+    <mc:Choice Requires="p159">
+      <p:transition xmlns:p14="http://schemas.microsoft.com/office/powerpoint/2010/main" spd="slow" p14:dur="2000">
+        <p159:morph option="byObject"/>
+      </p:transition>
+    </mc:Choice>
+    <mc:Fallback xmlns="">
+      <p:transition spd="slow">
+        <p:fade/>
+      </p:transition>
+    </mc:Fallback>
+  </mc:AlternateContent>
+</p:sld>
+</file>
+
+<file path=ppt/slides/slide6.xml><?xml version="1.0" encoding="utf-8"?>
+<p:sld xmlns:a="http://schemas.openxmlformats.org/drawingml/2006/main" xmlns:r="http://schemas.openxmlformats.org/officeDocument/2006/relationships" xmlns:p="http://schemas.openxmlformats.org/presentationml/2006/main">
+  <p:cSld>
+    <p:bg>
+      <p:bgPr>
+        <a:solidFill>
+          <a:schemeClr val="bg1"/>
+        </a:solidFill>
+        <a:effectLst/>
+      </p:bgPr>
+    </p:bg>
+    <p:spTree>
+      <p:nvGrpSpPr>
+        <p:cNvPr id="1" name=""/>
+        <p:cNvGrpSpPr/>
+        <p:nvPr/>
+      </p:nvGrpSpPr>
+      <p:grpSpPr>
+        <a:xfrm>
+          <a:off x="0" y="0"/>
+          <a:ext cx="0" cy="0"/>
+          <a:chOff x="0" y="0"/>
+          <a:chExt cx="0" cy="0"/>
+        </a:xfrm>
+      </p:grpSpPr>
+      <p:sp useBgFill="1">
+        <p:nvSpPr>
+          <p:cNvPr id="8" name="Rectangle 7">
+            <a:extLst>
+              <a:ext uri="{FF2B5EF4-FFF2-40B4-BE49-F238E27FC236}">
+                <a16:creationId xmlns:a16="http://schemas.microsoft.com/office/drawing/2014/main" id="{C2554CA6-288E-4202-BC52-2E5A8F0C0AED}"/>
+              </a:ext>
+              <a:ext uri="{C183D7F6-B498-43B3-948B-1728B52AA6E4}">
+                <adec:decorative xmlns:adec="http://schemas.microsoft.com/office/drawing/2017/decorative" val="1"/>
+              </a:ext>
+            </a:extLst>
+          </p:cNvPr>
+          <p:cNvSpPr>
+            <a:spLocks noGrp="1" noRot="1" noChangeAspect="1" noMove="1" noResize="1" noEditPoints="1" noAdjustHandles="1" noChangeArrowheads="1" noChangeShapeType="1" noTextEdit="1"/>
+          </p:cNvSpPr>
+          <p:nvPr>
+            <p:extLst>
+              <p:ext uri="{386F3935-93C4-4BCD-93E2-E3B085C9AB24}">
+                <p16:designElem xmlns:p16="http://schemas.microsoft.com/office/powerpoint/2015/main" val="1"/>
+              </p:ext>
+            </p:extLst>
+          </p:nvPr>
+        </p:nvSpPr>
+        <p:spPr>
+          <a:xfrm>
+            <a:off x="3048" y="0"/>
+            <a:ext cx="12188952" cy="6858000"/>
+          </a:xfrm>
+          <a:prstGeom prst="rect">
+            <a:avLst/>
+          </a:prstGeom>
+          <a:ln>
+            <a:noFill/>
+          </a:ln>
+        </p:spPr>
+        <p:style>
+          <a:lnRef idx="2">
+            <a:schemeClr val="accent1">
+              <a:shade val="50000"/>
+            </a:schemeClr>
+          </a:lnRef>
+          <a:fillRef idx="1">
+            <a:schemeClr val="accent1"/>
+          </a:fillRef>
+          <a:effectRef idx="0">
+            <a:schemeClr val="accent1"/>
+          </a:effectRef>
+          <a:fontRef idx="minor">
+            <a:schemeClr val="lt1"/>
+          </a:fontRef>
+        </p:style>
+        <p:txBody>
+          <a:bodyPr rtlCol="0" anchor="ctr"/>
+          <a:lstStyle/>
+          <a:p>
+            <a:pPr algn="ctr"/>
+            <a:endParaRPr lang="en-US"/>
+          </a:p>
+        </p:txBody>
+      </p:sp>
+      <p:sp>
+        <p:nvSpPr>
+          <p:cNvPr id="10" name="Oval 9">
+            <a:extLst>
+              <a:ext uri="{FF2B5EF4-FFF2-40B4-BE49-F238E27FC236}">
+                <a16:creationId xmlns:a16="http://schemas.microsoft.com/office/drawing/2014/main" id="{B10BB131-AC8E-4A8E-A5D1-36260F720C3B}"/>
+              </a:ext>
+              <a:ext uri="{C183D7F6-B498-43B3-948B-1728B52AA6E4}">
+                <adec:decorative xmlns:adec="http://schemas.microsoft.com/office/drawing/2017/decorative" val="1"/>
+              </a:ext>
+            </a:extLst>
+          </p:cNvPr>
+          <p:cNvSpPr>
+            <a:spLocks noGrp="1" noRot="1" noChangeAspect="1" noMove="1" noResize="1" noEditPoints="1" noAdjustHandles="1" noChangeArrowheads="1" noChangeShapeType="1" noTextEdit="1"/>
+          </p:cNvSpPr>
+          <p:nvPr>
+            <p:extLst>
+              <p:ext uri="{386F3935-93C4-4BCD-93E2-E3B085C9AB24}">
+                <p16:designElem xmlns:p16="http://schemas.microsoft.com/office/powerpoint/2015/main" val="1"/>
+              </p:ext>
+            </p:extLst>
+          </p:nvPr>
+        </p:nvSpPr>
+        <p:spPr>
+          <a:xfrm>
+            <a:off x="489189" y="1119031"/>
+            <a:ext cx="4619938" cy="4619938"/>
+          </a:xfrm>
+          <a:prstGeom prst="ellipse">
+            <a:avLst/>
+          </a:prstGeom>
+          <a:solidFill>
+            <a:schemeClr val="accent2"/>
+          </a:solidFill>
+          <a:ln>
+            <a:noFill/>
+          </a:ln>
+        </p:spPr>
+        <p:style>
+          <a:lnRef idx="2">
+            <a:schemeClr val="accent1">
+              <a:shade val="50000"/>
+            </a:schemeClr>
+          </a:lnRef>
+          <a:fillRef idx="1">
+            <a:schemeClr val="accent1"/>
+          </a:fillRef>
+          <a:effectRef idx="0">
+            <a:schemeClr val="accent1"/>
+          </a:effectRef>
+          <a:fontRef idx="minor">
+            <a:schemeClr val="lt1"/>
+          </a:fontRef>
+        </p:style>
+        <p:txBody>
+          <a:bodyPr rtlCol="0" anchor="ctr"/>
+          <a:lstStyle/>
+          <a:p>
+            <a:pPr algn="ctr"/>
+            <a:endParaRPr lang="en-US"/>
+          </a:p>
+        </p:txBody>
+      </p:sp>
+      <p:sp>
+        <p:nvSpPr>
+          <p:cNvPr id="2" name="标题 1">
+            <a:extLst>
+              <a:ext uri="{FF2B5EF4-FFF2-40B4-BE49-F238E27FC236}">
+                <a16:creationId xmlns:a16="http://schemas.microsoft.com/office/drawing/2014/main" id="{26CAA459-2BCF-1414-0186-120056C85D27}"/>
+              </a:ext>
+            </a:extLst>
+          </p:cNvPr>
+          <p:cNvSpPr>
+            <a:spLocks noGrp="1"/>
+          </p:cNvSpPr>
+          <p:nvPr>
+            <p:ph type="title"/>
+          </p:nvPr>
+        </p:nvSpPr>
+        <p:spPr>
+          <a:xfrm>
+            <a:off x="1171074" y="1396686"/>
+            <a:ext cx="3240506" cy="4064628"/>
+          </a:xfrm>
+        </p:spPr>
+        <p:txBody>
+          <a:bodyPr>
+            <a:normAutofit/>
+          </a:bodyPr>
+          <a:lstStyle/>
+          <a:p>
+            <a:r>
+              <a:rPr lang="en-US" altLang="zh-TW" dirty="0">
+                <a:solidFill>
+                  <a:srgbClr val="FFFFFF"/>
+                </a:solidFill>
+              </a:rPr>
+              <a:t>Overview of Training Activities</a:t>
+            </a:r>
+            <a:br>
+              <a:rPr lang="en-US" altLang="zh-TW" dirty="0">
+                <a:solidFill>
+                  <a:srgbClr val="FFFFFF"/>
+                </a:solidFill>
+              </a:rPr>
+            </a:br>
+            <a:endParaRPr lang="zh-TW" altLang="en-US" dirty="0">
+              <a:solidFill>
+                <a:srgbClr val="FFFFFF"/>
+              </a:solidFill>
+            </a:endParaRPr>
+          </a:p>
+        </p:txBody>
+      </p:sp>
+      <p:sp>
+        <p:nvSpPr>
+          <p:cNvPr id="12" name="Arc 11">
+            <a:extLst>
+              <a:ext uri="{FF2B5EF4-FFF2-40B4-BE49-F238E27FC236}">
+                <a16:creationId xmlns:a16="http://schemas.microsoft.com/office/drawing/2014/main" id="{5B7778FC-632E-4DCA-A7CB-0D7731CCF970}"/>
+              </a:ext>
+              <a:ext uri="{C183D7F6-B498-43B3-948B-1728B52AA6E4}">
+                <adec:decorative xmlns:adec="http://schemas.microsoft.com/office/drawing/2017/decorative" val="1"/>
+              </a:ext>
+            </a:extLst>
+          </p:cNvPr>
+          <p:cNvSpPr>
+            <a:spLocks noGrp="1" noRot="1" noChangeAspect="1" noMove="1" noResize="1" noEditPoints="1" noAdjustHandles="1" noChangeArrowheads="1" noChangeShapeType="1" noTextEdit="1"/>
+          </p:cNvSpPr>
+          <p:nvPr>
+            <p:extLst>
+              <p:ext uri="{386F3935-93C4-4BCD-93E2-E3B085C9AB24}">
+                <p16:designElem xmlns:p16="http://schemas.microsoft.com/office/powerpoint/2015/main" val="1"/>
+              </p:ext>
+            </p:extLst>
+          </p:nvPr>
+        </p:nvSpPr>
+        <p:spPr>
+          <a:xfrm rot="19809111">
+            <a:off x="8683720" y="941148"/>
+            <a:ext cx="2987899" cy="2987899"/>
+          </a:xfrm>
+          <a:prstGeom prst="arc">
+            <a:avLst>
+              <a:gd name="adj1" fmla="val 15817365"/>
+              <a:gd name="adj2" fmla="val 1781380"/>
+            </a:avLst>
+          </a:prstGeom>
+          <a:ln w="127000" cap="rnd">
+            <a:solidFill>
+              <a:schemeClr val="accent4"/>
+            </a:solidFill>
+            <a:prstDash val="dash"/>
+            <a:miter lim="800000"/>
+          </a:ln>
+        </p:spPr>
+        <p:style>
+          <a:lnRef idx="1">
+            <a:schemeClr val="accent1"/>
+          </a:lnRef>
+          <a:fillRef idx="0">
+            <a:schemeClr val="accent1"/>
+          </a:fillRef>
+          <a:effectRef idx="0">
+            <a:schemeClr val="accent1"/>
+          </a:effectRef>
+          <a:fontRef idx="minor">
+            <a:schemeClr val="tx1"/>
+          </a:fontRef>
+        </p:style>
+        <p:txBody>
+          <a:bodyPr rtlCol="0" anchor="ctr"/>
+          <a:lstStyle/>
+          <a:p>
+            <a:pPr marL="0" marR="0" lvl="0" indent="0" algn="ctr" defTabSz="914400" rtl="0" eaLnBrk="1" fontAlgn="auto" latinLnBrk="0" hangingPunct="1">
+              <a:lnSpc>
+                <a:spcPct val="100000"/>
+              </a:lnSpc>
+              <a:spcBef>
+                <a:spcPts val="0"/>
+              </a:spcBef>
+              <a:spcAft>
+                <a:spcPts val="0"/>
+              </a:spcAft>
+              <a:buClrTx/>
+              <a:buSzTx/>
+              <a:buFontTx/>
+              <a:buNone/>
+              <a:tabLst/>
+              <a:defRPr/>
+            </a:pPr>
+            <a:endParaRPr kumimoji="0" lang="en-US" sz="1800" b="0" i="0" u="none" strike="noStrike" kern="1200" cap="none" spc="0" normalizeH="0" baseline="0" noProof="0">
+              <a:ln>
+                <a:noFill/>
+              </a:ln>
+              <a:solidFill>
+                <a:srgbClr val="000000"/>
+              </a:solidFill>
+              <a:effectLst/>
+              <a:uLnTx/>
+              <a:uFillTx/>
+              <a:latin typeface="Calibri" panose="020F0502020204030204"/>
+              <a:ea typeface="+mn-ea"/>
+              <a:cs typeface="+mn-cs"/>
+            </a:endParaRPr>
+          </a:p>
+        </p:txBody>
+      </p:sp>
+      <p:sp>
+        <p:nvSpPr>
+          <p:cNvPr id="14" name="Oval 13">
+            <a:extLst>
+              <a:ext uri="{FF2B5EF4-FFF2-40B4-BE49-F238E27FC236}">
+                <a16:creationId xmlns:a16="http://schemas.microsoft.com/office/drawing/2014/main" id="{FA23A907-97FB-4A8F-880A-DD77401C4296}"/>
+              </a:ext>
+              <a:ext uri="{C183D7F6-B498-43B3-948B-1728B52AA6E4}">
+                <adec:decorative xmlns:adec="http://schemas.microsoft.com/office/drawing/2017/decorative" val="1"/>
+              </a:ext>
+            </a:extLst>
+          </p:cNvPr>
+          <p:cNvSpPr>
+            <a:spLocks noGrp="1" noRot="1" noChangeAspect="1" noMove="1" noResize="1" noEditPoints="1" noAdjustHandles="1" noChangeArrowheads="1" noChangeShapeType="1" noTextEdit="1"/>
+          </p:cNvSpPr>
+          <p:nvPr>
+            <p:extLst>
+              <p:ext uri="{386F3935-93C4-4BCD-93E2-E3B085C9AB24}">
+                <p16:designElem xmlns:p16="http://schemas.microsoft.com/office/powerpoint/2015/main" val="1"/>
+              </p:ext>
+            </p:extLst>
+          </p:nvPr>
+        </p:nvSpPr>
+        <p:spPr>
+          <a:xfrm>
+            <a:off x="910048" y="4780992"/>
+            <a:ext cx="546100" cy="546100"/>
+          </a:xfrm>
+          <a:prstGeom prst="ellipse">
+            <a:avLst/>
+          </a:prstGeom>
+          <a:solidFill>
+            <a:schemeClr val="accent5"/>
+          </a:solidFill>
+          <a:ln>
+            <a:noFill/>
+          </a:ln>
+        </p:spPr>
+        <p:style>
+          <a:lnRef idx="2">
+            <a:schemeClr val="accent1">
+              <a:shade val="50000"/>
+            </a:schemeClr>
+          </a:lnRef>
+          <a:fillRef idx="1">
+            <a:schemeClr val="accent1"/>
+          </a:fillRef>
+          <a:effectRef idx="0">
+            <a:schemeClr val="accent1"/>
+          </a:effectRef>
+          <a:fontRef idx="minor">
+            <a:schemeClr val="lt1"/>
+          </a:fontRef>
+        </p:style>
+        <p:txBody>
+          <a:bodyPr rtlCol="0" anchor="ctr"/>
+          <a:lstStyle/>
+          <a:p>
+            <a:pPr marL="0" marR="0" lvl="0" indent="0" algn="ctr" defTabSz="914400" rtl="0" eaLnBrk="1" fontAlgn="auto" latinLnBrk="0" hangingPunct="1">
+              <a:lnSpc>
+                <a:spcPct val="100000"/>
+              </a:lnSpc>
+              <a:spcBef>
+                <a:spcPts val="0"/>
+              </a:spcBef>
+              <a:spcAft>
+                <a:spcPts val="0"/>
+              </a:spcAft>
+              <a:buClrTx/>
+              <a:buSzTx/>
+              <a:buFontTx/>
+              <a:buNone/>
+              <a:tabLst/>
+              <a:defRPr/>
+            </a:pPr>
+            <a:endParaRPr kumimoji="0" lang="en-US" sz="1800" b="0" i="0" u="none" strike="noStrike" kern="1200" cap="none" spc="0" normalizeH="0" baseline="0" noProof="0">
+              <a:ln>
+                <a:noFill/>
+              </a:ln>
+              <a:solidFill>
+                <a:srgbClr val="FFFFFF"/>
+              </a:solidFill>
+              <a:effectLst/>
+              <a:uLnTx/>
+              <a:uFillTx/>
+              <a:latin typeface="Calibri" panose="020F0502020204030204"/>
+              <a:ea typeface="+mn-ea"/>
+              <a:cs typeface="+mn-cs"/>
+            </a:endParaRPr>
+          </a:p>
+        </p:txBody>
+      </p:sp>
+      <p:sp>
+        <p:nvSpPr>
+          <p:cNvPr id="3" name="内容占位符 2">
+            <a:extLst>
+              <a:ext uri="{FF2B5EF4-FFF2-40B4-BE49-F238E27FC236}">
+                <a16:creationId xmlns:a16="http://schemas.microsoft.com/office/drawing/2014/main" id="{BFDDD51A-C74E-6FAC-753C-07E7666E7B4A}"/>
+              </a:ext>
+            </a:extLst>
+          </p:cNvPr>
+          <p:cNvSpPr>
+            <a:spLocks noGrp="1"/>
+          </p:cNvSpPr>
+          <p:nvPr>
+            <p:ph idx="1"/>
+          </p:nvPr>
+        </p:nvSpPr>
+        <p:spPr>
+          <a:xfrm>
+            <a:off x="5370153" y="1526033"/>
+            <a:ext cx="5536397" cy="3935281"/>
+          </a:xfrm>
+        </p:spPr>
+        <p:txBody>
+          <a:bodyPr>
+            <a:normAutofit/>
+          </a:bodyPr>
+          <a:lstStyle/>
+          <a:p>
+            <a:pPr marL="0" indent="0">
+              <a:buNone/>
+            </a:pPr>
+            <a:r>
+              <a:rPr lang="en-US" altLang="zh-TW" sz="2200"/>
+              <a:t>Network Security Technical Training</a:t>
+            </a:r>
+          </a:p>
+          <a:p>
+            <a:pPr marL="0" indent="0">
+              <a:buNone/>
+            </a:pPr>
+            <a:r>
+              <a:rPr lang="en-US" altLang="zh-TW" sz="2200"/>
+              <a:t>Objective: Technical training for IT staff or professionals</a:t>
+            </a:r>
+          </a:p>
+          <a:p>
+            <a:pPr marL="0" indent="0">
+              <a:buNone/>
+            </a:pPr>
+            <a:r>
+              <a:rPr lang="en-US" altLang="zh-TW" sz="2200"/>
+              <a:t>Emergency Response Drills</a:t>
+            </a:r>
+          </a:p>
+          <a:p>
+            <a:pPr marL="0" indent="0">
+              <a:buNone/>
+            </a:pPr>
+            <a:r>
+              <a:rPr lang="en-US" altLang="zh-TW" sz="2200"/>
+              <a:t>Objective: Enhance employees' ability to respond during emergencies</a:t>
+            </a:r>
+          </a:p>
+          <a:p>
+            <a:pPr marL="0" indent="0">
+              <a:buNone/>
+            </a:pPr>
+            <a:r>
+              <a:rPr lang="en-US" altLang="zh-TW" sz="2200"/>
+              <a:t>Social Engineering Drills</a:t>
+            </a:r>
+          </a:p>
+          <a:p>
+            <a:pPr marL="0" indent="0">
+              <a:buNone/>
+            </a:pPr>
+            <a:r>
+              <a:rPr lang="en-US" altLang="zh-TW" sz="2200"/>
+              <a:t>Objective: Educate employees about recognizing and thwarting phishing emails, deceptive phone calls, etc.</a:t>
+            </a:r>
+            <a:endParaRPr lang="zh-TW" altLang="en-US" sz="2200"/>
+          </a:p>
+        </p:txBody>
+      </p:sp>
+    </p:spTree>
+    <p:extLst>
+      <p:ext uri="{BB962C8B-B14F-4D97-AF65-F5344CB8AC3E}">
+        <p14:creationId xmlns:p14="http://schemas.microsoft.com/office/powerpoint/2010/main" val="2363637303"/>
+      </p:ext>
+    </p:extLst>
+  </p:cSld>
+  <p:clrMapOvr>
+    <a:masterClrMapping/>
+  </p:clrMapOvr>
+  <mc:AlternateContent xmlns:mc="http://schemas.openxmlformats.org/markup-compatibility/2006" xmlns:p159="http://schemas.microsoft.com/office/powerpoint/2015/09/main">
+    <mc:Choice Requires="p159">
+      <p:transition xmlns:p14="http://schemas.microsoft.com/office/powerpoint/2010/main" spd="slow" p14:dur="2000">
+        <p159:morph option="byObject"/>
+      </p:transition>
+    </mc:Choice>
+    <mc:Fallback xmlns="">
+      <p:transition spd="slow">
+        <p:fade/>
+      </p:transition>
+    </mc:Fallback>
+  </mc:AlternateContent>
+</p:sld>
+</file>
+
+<file path=ppt/slides/slide7.xml><?xml version="1.0" encoding="utf-8"?>
+<p:sld xmlns:a="http://schemas.openxmlformats.org/drawingml/2006/main" xmlns:r="http://schemas.openxmlformats.org/officeDocument/2006/relationships" xmlns:p="http://schemas.openxmlformats.org/presentationml/2006/main">
+  <p:cSld>
+    <p:bg>
+      <p:bgPr>
+        <a:solidFill>
+          <a:schemeClr val="bg1"/>
+        </a:solidFill>
+        <a:effectLst/>
+      </p:bgPr>
+    </p:bg>
+    <p:spTree>
+      <p:nvGrpSpPr>
+        <p:cNvPr id="1" name=""/>
+        <p:cNvGrpSpPr/>
+        <p:nvPr/>
+      </p:nvGrpSpPr>
+      <p:grpSpPr>
+        <a:xfrm>
+          <a:off x="0" y="0"/>
+          <a:ext cx="0" cy="0"/>
+          <a:chOff x="0" y="0"/>
+          <a:chExt cx="0" cy="0"/>
+        </a:xfrm>
+      </p:grpSpPr>
+      <p:sp useBgFill="1">
+        <p:nvSpPr>
+          <p:cNvPr id="8" name="Rectangle 7">
+            <a:extLst>
+              <a:ext uri="{FF2B5EF4-FFF2-40B4-BE49-F238E27FC236}">
+                <a16:creationId xmlns:a16="http://schemas.microsoft.com/office/drawing/2014/main" id="{E92FEB64-6EEA-4759-B4A4-BD2C1E660BA8}"/>
+              </a:ext>
+              <a:ext uri="{C183D7F6-B498-43B3-948B-1728B52AA6E4}">
+                <adec:decorative xmlns:adec="http://schemas.microsoft.com/office/drawing/2017/decorative" val="1"/>
+              </a:ext>
+            </a:extLst>
+          </p:cNvPr>
+          <p:cNvSpPr>
+            <a:spLocks noGrp="1" noRot="1" noChangeAspect="1" noMove="1" noResize="1" noEditPoints="1" noAdjustHandles="1" noChangeArrowheads="1" noChangeShapeType="1" noTextEdit="1"/>
+          </p:cNvSpPr>
+          <p:nvPr>
+            <p:extLst>
+              <p:ext uri="{386F3935-93C4-4BCD-93E2-E3B085C9AB24}">
+                <p16:designElem xmlns:p16="http://schemas.microsoft.com/office/powerpoint/2015/main" val="1"/>
+              </p:ext>
+            </p:extLst>
+          </p:nvPr>
+        </p:nvSpPr>
+        <p:spPr>
+          <a:xfrm>
+            <a:off x="3048" y="0"/>
+            <a:ext cx="12188952" cy="6858000"/>
+          </a:xfrm>
+          <a:prstGeom prst="rect">
+            <a:avLst/>
+          </a:prstGeom>
+          <a:ln>
+            <a:noFill/>
+          </a:ln>
+        </p:spPr>
+        <p:style>
+          <a:lnRef idx="2">
+            <a:schemeClr val="accent1">
+              <a:shade val="50000"/>
+            </a:schemeClr>
+          </a:lnRef>
+          <a:fillRef idx="1">
+            <a:schemeClr val="accent1"/>
+          </a:fillRef>
+          <a:effectRef idx="0">
+            <a:schemeClr val="accent1"/>
+          </a:effectRef>
+          <a:fontRef idx="minor">
+            <a:schemeClr val="lt1"/>
+          </a:fontRef>
+        </p:style>
+        <p:txBody>
+          <a:bodyPr rtlCol="0" anchor="ctr"/>
+          <a:lstStyle/>
+          <a:p>
+            <a:pPr algn="ctr"/>
+            <a:endParaRPr lang="en-US"/>
+          </a:p>
+        </p:txBody>
+      </p:sp>
+      <p:sp>
+        <p:nvSpPr>
+          <p:cNvPr id="10" name="Oval 9">
+            <a:extLst>
+              <a:ext uri="{FF2B5EF4-FFF2-40B4-BE49-F238E27FC236}">
+                <a16:creationId xmlns:a16="http://schemas.microsoft.com/office/drawing/2014/main" id="{B10BB131-AC8E-4A8E-A5D1-36260F720C3B}"/>
+              </a:ext>
+              <a:ext uri="{C183D7F6-B498-43B3-948B-1728B52AA6E4}">
+                <adec:decorative xmlns:adec="http://schemas.microsoft.com/office/drawing/2017/decorative" val="1"/>
+              </a:ext>
+            </a:extLst>
+          </p:cNvPr>
+          <p:cNvSpPr>
+            <a:spLocks noGrp="1" noRot="1" noChangeAspect="1" noMove="1" noResize="1" noEditPoints="1" noAdjustHandles="1" noChangeArrowheads="1" noChangeShapeType="1" noTextEdit="1"/>
+          </p:cNvSpPr>
+          <p:nvPr>
+            <p:extLst>
+              <p:ext uri="{386F3935-93C4-4BCD-93E2-E3B085C9AB24}">
+                <p16:designElem xmlns:p16="http://schemas.microsoft.com/office/powerpoint/2015/main" val="1"/>
+              </p:ext>
+            </p:extLst>
+          </p:nvPr>
+        </p:nvSpPr>
+        <p:spPr>
+          <a:xfrm>
+            <a:off x="707393" y="847600"/>
+            <a:ext cx="4619938" cy="4619938"/>
+          </a:xfrm>
+          <a:prstGeom prst="ellipse">
+            <a:avLst/>
+          </a:prstGeom>
+          <a:solidFill>
+            <a:schemeClr val="accent2"/>
+          </a:solidFill>
+          <a:ln>
+            <a:noFill/>
+          </a:ln>
+        </p:spPr>
+        <p:style>
+          <a:lnRef idx="2">
+            <a:schemeClr val="accent1">
+              <a:shade val="50000"/>
+            </a:schemeClr>
+          </a:lnRef>
+          <a:fillRef idx="1">
+            <a:schemeClr val="accent1"/>
+          </a:fillRef>
+          <a:effectRef idx="0">
+            <a:schemeClr val="accent1"/>
+          </a:effectRef>
+          <a:fontRef idx="minor">
+            <a:schemeClr val="lt1"/>
+          </a:fontRef>
+        </p:style>
+        <p:txBody>
+          <a:bodyPr rtlCol="0" anchor="ctr"/>
+          <a:lstStyle/>
+          <a:p>
+            <a:pPr algn="ctr"/>
+            <a:endParaRPr lang="en-US"/>
+          </a:p>
+        </p:txBody>
+      </p:sp>
+      <p:sp>
+        <p:nvSpPr>
+          <p:cNvPr id="2" name="标题 1">
+            <a:extLst>
+              <a:ext uri="{FF2B5EF4-FFF2-40B4-BE49-F238E27FC236}">
+                <a16:creationId xmlns:a16="http://schemas.microsoft.com/office/drawing/2014/main" id="{F4E645A9-2E6C-9239-3499-3DD3A37DA0DB}"/>
+              </a:ext>
+            </a:extLst>
+          </p:cNvPr>
+          <p:cNvSpPr>
+            <a:spLocks noGrp="1"/>
+          </p:cNvSpPr>
+          <p:nvPr>
+            <p:ph type="title"/>
+          </p:nvPr>
+        </p:nvSpPr>
+        <p:spPr>
+          <a:xfrm>
+            <a:off x="1389278" y="1233241"/>
+            <a:ext cx="3240506" cy="4064628"/>
+          </a:xfrm>
+        </p:spPr>
+        <p:txBody>
+          <a:bodyPr>
+            <a:normAutofit/>
+          </a:bodyPr>
+          <a:lstStyle/>
+          <a:p>
+            <a:r>
+              <a:rPr lang="en-US" altLang="zh-TW" sz="4100">
+                <a:solidFill>
+                  <a:srgbClr val="FFFFFF"/>
+                </a:solidFill>
+              </a:rPr>
+              <a:t>Cybersecurity Matter 1 - Denial of Service (DoS) Attack</a:t>
+            </a:r>
+            <a:endParaRPr lang="zh-TW" altLang="en-US" sz="4100">
+              <a:solidFill>
+                <a:srgbClr val="FFFFFF"/>
+              </a:solidFill>
+            </a:endParaRPr>
+          </a:p>
+        </p:txBody>
+      </p:sp>
+      <p:sp>
+        <p:nvSpPr>
+          <p:cNvPr id="12" name="Freeform: Shape 11">
+            <a:extLst>
+              <a:ext uri="{FF2B5EF4-FFF2-40B4-BE49-F238E27FC236}">
+                <a16:creationId xmlns:a16="http://schemas.microsoft.com/office/drawing/2014/main" id="{14847E93-7DC1-4D4B-8829-B19AA7137C50}"/>
+              </a:ext>
+              <a:ext uri="{C183D7F6-B498-43B3-948B-1728B52AA6E4}">
+                <adec:decorative xmlns:adec="http://schemas.microsoft.com/office/drawing/2017/decorative" val="1"/>
+              </a:ext>
+            </a:extLst>
+          </p:cNvPr>
+          <p:cNvSpPr>
+            <a:spLocks noGrp="1" noRot="1" noChangeAspect="1" noMove="1" noResize="1" noEditPoints="1" noAdjustHandles="1" noChangeArrowheads="1" noChangeShapeType="1" noTextEdit="1"/>
+          </p:cNvSpPr>
+          <p:nvPr>
+            <p:extLst>
+              <p:ext uri="{386F3935-93C4-4BCD-93E2-E3B085C9AB24}">
+                <p16:designElem xmlns:p16="http://schemas.microsoft.com/office/powerpoint/2015/main" val="1"/>
+              </p:ext>
+            </p:extLst>
+          </p:nvPr>
+        </p:nvSpPr>
+        <p:spPr>
+          <a:xfrm flipH="1">
+            <a:off x="530529" y="0"/>
+            <a:ext cx="1155142" cy="591009"/>
+          </a:xfrm>
+          <a:custGeom>
+            <a:avLst/>
+            <a:gdLst>
+              <a:gd name="connsiteX0" fmla="*/ 1355 w 1155142"/>
+              <a:gd name="connsiteY0" fmla="*/ 0 h 591009"/>
+              <a:gd name="connsiteX1" fmla="*/ 1153787 w 1155142"/>
+              <a:gd name="connsiteY1" fmla="*/ 0 h 591009"/>
+              <a:gd name="connsiteX2" fmla="*/ 1155142 w 1155142"/>
+              <a:gd name="connsiteY2" fmla="*/ 13438 h 591009"/>
+              <a:gd name="connsiteX3" fmla="*/ 577571 w 1155142"/>
+              <a:gd name="connsiteY3" fmla="*/ 591009 h 591009"/>
+              <a:gd name="connsiteX4" fmla="*/ 0 w 1155142"/>
+              <a:gd name="connsiteY4" fmla="*/ 13438 h 591009"/>
+            </a:gdLst>
+            <a:ahLst/>
+            <a:cxnLst>
+              <a:cxn ang="0">
+                <a:pos x="connsiteX0" y="connsiteY0"/>
+              </a:cxn>
+              <a:cxn ang="0">
+                <a:pos x="connsiteX1" y="connsiteY1"/>
+              </a:cxn>
+              <a:cxn ang="0">
+                <a:pos x="connsiteX2" y="connsiteY2"/>
+              </a:cxn>
+              <a:cxn ang="0">
+                <a:pos x="connsiteX3" y="connsiteY3"/>
+              </a:cxn>
+              <a:cxn ang="0">
+                <a:pos x="connsiteX4" y="connsiteY4"/>
+              </a:cxn>
+            </a:cxnLst>
+            <a:rect l="l" t="t" r="r" b="b"/>
+            <a:pathLst>
+              <a:path w="1155142" h="591009">
+                <a:moveTo>
+                  <a:pt x="1355" y="0"/>
+                </a:moveTo>
+                <a:lnTo>
+                  <a:pt x="1153787" y="0"/>
+                </a:lnTo>
+                <a:lnTo>
+                  <a:pt x="1155142" y="13438"/>
+                </a:lnTo>
+                <a:cubicBezTo>
+                  <a:pt x="1155142" y="332422"/>
+                  <a:pt x="896555" y="591009"/>
+                  <a:pt x="577571" y="591009"/>
+                </a:cubicBezTo>
+                <a:cubicBezTo>
+                  <a:pt x="258587" y="591009"/>
+                  <a:pt x="0" y="332422"/>
+                  <a:pt x="0" y="13438"/>
+                </a:cubicBezTo>
+                <a:close/>
+              </a:path>
+            </a:pathLst>
+          </a:custGeom>
+          <a:solidFill>
+            <a:schemeClr val="accent5"/>
+          </a:solidFill>
+          <a:ln>
+            <a:noFill/>
+          </a:ln>
+        </p:spPr>
+        <p:style>
+          <a:lnRef idx="2">
+            <a:schemeClr val="accent1">
+              <a:shade val="50000"/>
+            </a:schemeClr>
+          </a:lnRef>
+          <a:fillRef idx="1">
+            <a:schemeClr val="accent1"/>
+          </a:fillRef>
+          <a:effectRef idx="0">
+            <a:schemeClr val="accent1"/>
+          </a:effectRef>
+          <a:fontRef idx="minor">
+            <a:schemeClr val="lt1"/>
+          </a:fontRef>
+        </p:style>
+        <p:txBody>
+          <a:bodyPr wrap="square" rtlCol="0" anchor="ctr">
+            <a:noAutofit/>
+          </a:bodyPr>
+          <a:lstStyle/>
+          <a:p>
+            <a:pPr algn="ctr"/>
+            <a:endParaRPr lang="en-US"/>
+          </a:p>
+        </p:txBody>
+      </p:sp>
+      <p:sp>
+        <p:nvSpPr>
+          <p:cNvPr id="14" name="Freeform: Shape 13">
+            <a:extLst>
+              <a:ext uri="{FF2B5EF4-FFF2-40B4-BE49-F238E27FC236}">
+                <a16:creationId xmlns:a16="http://schemas.microsoft.com/office/drawing/2014/main" id="{5566D6E1-03A1-4D73-A4E0-35D74D568A04}"/>
+              </a:ext>
+              <a:ext uri="{C183D7F6-B498-43B3-948B-1728B52AA6E4}">
+                <adec:decorative xmlns:adec="http://schemas.microsoft.com/office/drawing/2017/decorative" val="1"/>
+              </a:ext>
+            </a:extLst>
+          </p:cNvPr>
+          <p:cNvSpPr>
+            <a:spLocks noGrp="1" noRot="1" noChangeAspect="1" noMove="1" noResize="1" noEditPoints="1" noAdjustHandles="1" noChangeArrowheads="1" noChangeShapeType="1" noTextEdit="1"/>
+          </p:cNvSpPr>
+          <p:nvPr>
+            <p:extLst>
+              <p:ext uri="{386F3935-93C4-4BCD-93E2-E3B085C9AB24}">
+                <p16:designElem xmlns:p16="http://schemas.microsoft.com/office/powerpoint/2015/main" val="1"/>
+              </p:ext>
+            </p:extLst>
+          </p:nvPr>
+        </p:nvSpPr>
+        <p:spPr>
+          <a:xfrm flipH="1">
+            <a:off x="3961511" y="-1"/>
+            <a:ext cx="1737401" cy="959536"/>
+          </a:xfrm>
+          <a:custGeom>
+            <a:avLst/>
+            <a:gdLst>
+              <a:gd name="connsiteX0" fmla="*/ 0 w 1737401"/>
+              <a:gd name="connsiteY0" fmla="*/ 0 h 959536"/>
+              <a:gd name="connsiteX1" fmla="*/ 123825 w 1737401"/>
+              <a:gd name="connsiteY1" fmla="*/ 0 h 959536"/>
+              <a:gd name="connsiteX2" fmla="*/ 123825 w 1737401"/>
+              <a:gd name="connsiteY2" fmla="*/ 790277 h 959536"/>
+              <a:gd name="connsiteX3" fmla="*/ 1490095 w 1737401"/>
+              <a:gd name="connsiteY3" fmla="*/ 0 h 959536"/>
+              <a:gd name="connsiteX4" fmla="*/ 1737401 w 1737401"/>
+              <a:gd name="connsiteY4" fmla="*/ 0 h 959536"/>
+              <a:gd name="connsiteX5" fmla="*/ 92869 w 1737401"/>
+              <a:gd name="connsiteY5" fmla="*/ 951249 h 959536"/>
+              <a:gd name="connsiteX6" fmla="*/ 61913 w 1737401"/>
+              <a:gd name="connsiteY6" fmla="*/ 959536 h 959536"/>
+              <a:gd name="connsiteX7" fmla="*/ 0 w 1737401"/>
+              <a:gd name="connsiteY7" fmla="*/ 897624 h 959536"/>
+            </a:gdLst>
+            <a:ahLst/>
+            <a:cxnLst>
+              <a:cxn ang="0">
+                <a:pos x="connsiteX0" y="connsiteY0"/>
+              </a:cxn>
+              <a:cxn ang="0">
+                <a:pos x="connsiteX1" y="connsiteY1"/>
+              </a:cxn>
+              <a:cxn ang="0">
+                <a:pos x="connsiteX2" y="connsiteY2"/>
+              </a:cxn>
+              <a:cxn ang="0">
+                <a:pos x="connsiteX3" y="connsiteY3"/>
+              </a:cxn>
+              <a:cxn ang="0">
+                <a:pos x="connsiteX4" y="connsiteY4"/>
+              </a:cxn>
+              <a:cxn ang="0">
+                <a:pos x="connsiteX5" y="connsiteY5"/>
+              </a:cxn>
+              <a:cxn ang="0">
+                <a:pos x="connsiteX6" y="connsiteY6"/>
+              </a:cxn>
+              <a:cxn ang="0">
+                <a:pos x="connsiteX7" y="connsiteY7"/>
+              </a:cxn>
+            </a:cxnLst>
+            <a:rect l="l" t="t" r="r" b="b"/>
+            <a:pathLst>
+              <a:path w="1737401" h="959536">
+                <a:moveTo>
+                  <a:pt x="0" y="0"/>
+                </a:moveTo>
+                <a:lnTo>
+                  <a:pt x="123825" y="0"/>
+                </a:lnTo>
+                <a:lnTo>
+                  <a:pt x="123825" y="790277"/>
+                </a:lnTo>
+                <a:lnTo>
+                  <a:pt x="1490095" y="0"/>
+                </a:lnTo>
+                <a:lnTo>
+                  <a:pt x="1737401" y="0"/>
+                </a:lnTo>
+                <a:lnTo>
+                  <a:pt x="92869" y="951249"/>
+                </a:lnTo>
+                <a:cubicBezTo>
+                  <a:pt x="83458" y="956688"/>
+                  <a:pt x="72780" y="959546"/>
+                  <a:pt x="61913" y="959536"/>
+                </a:cubicBezTo>
+                <a:cubicBezTo>
+                  <a:pt x="27719" y="959536"/>
+                  <a:pt x="0" y="931818"/>
+                  <a:pt x="0" y="897624"/>
+                </a:cubicBezTo>
+                <a:close/>
+              </a:path>
+            </a:pathLst>
+          </a:custGeom>
+          <a:solidFill>
+            <a:schemeClr val="accent6"/>
+          </a:solidFill>
+          <a:ln w="9525" cap="flat">
+            <a:noFill/>
+            <a:prstDash val="solid"/>
+            <a:miter/>
+          </a:ln>
+        </p:spPr>
+        <p:txBody>
+          <a:bodyPr rtlCol="0" anchor="ctr"/>
+          <a:lstStyle/>
+          <a:p>
+            <a:endParaRPr lang="en-US"/>
+          </a:p>
+        </p:txBody>
+      </p:sp>
+      <p:sp>
+        <p:nvSpPr>
+          <p:cNvPr id="16" name="Freeform: Shape 15">
+            <a:extLst>
+              <a:ext uri="{FF2B5EF4-FFF2-40B4-BE49-F238E27FC236}">
+                <a16:creationId xmlns:a16="http://schemas.microsoft.com/office/drawing/2014/main" id="{9F835A99-04AC-494A-A572-AFE8413CC938}"/>
+              </a:ext>
+              <a:ext uri="{C183D7F6-B498-43B3-948B-1728B52AA6E4}">
+                <adec:decorative xmlns:adec="http://schemas.microsoft.com/office/drawing/2017/decorative" val="1"/>
+              </a:ext>
+            </a:extLst>
+          </p:cNvPr>
+          <p:cNvSpPr>
+            <a:spLocks noGrp="1" noRot="1" noChangeAspect="1" noMove="1" noResize="1" noEditPoints="1" noAdjustHandles="1" noChangeArrowheads="1" noChangeShapeType="1" noTextEdit="1"/>
+          </p:cNvSpPr>
+          <p:nvPr>
+            <p:extLst>
+              <p:ext uri="{386F3935-93C4-4BCD-93E2-E3B085C9AB24}">
+                <p16:designElem xmlns:p16="http://schemas.microsoft.com/office/powerpoint/2015/main" val="1"/>
+              </p:ext>
+            </p:extLst>
+          </p:nvPr>
+        </p:nvSpPr>
+        <p:spPr>
+          <a:xfrm flipH="1">
+            <a:off x="0" y="2936831"/>
+            <a:ext cx="159741" cy="552996"/>
+          </a:xfrm>
+          <a:custGeom>
+            <a:avLst/>
+            <a:gdLst>
+              <a:gd name="connsiteX0" fmla="*/ 159741 w 159741"/>
+              <a:gd name="connsiteY0" fmla="*/ 0 h 552996"/>
+              <a:gd name="connsiteX1" fmla="*/ 159741 w 159741"/>
+              <a:gd name="connsiteY1" fmla="*/ 552996 h 552996"/>
+              <a:gd name="connsiteX2" fmla="*/ 141849 w 159741"/>
+              <a:gd name="connsiteY2" fmla="*/ 543285 h 552996"/>
+              <a:gd name="connsiteX3" fmla="*/ 0 w 159741"/>
+              <a:gd name="connsiteY3" fmla="*/ 276498 h 552996"/>
+              <a:gd name="connsiteX4" fmla="*/ 141849 w 159741"/>
+              <a:gd name="connsiteY4" fmla="*/ 9711 h 552996"/>
+            </a:gdLst>
+            <a:ahLst/>
+            <a:cxnLst>
+              <a:cxn ang="0">
+                <a:pos x="connsiteX0" y="connsiteY0"/>
+              </a:cxn>
+              <a:cxn ang="0">
+                <a:pos x="connsiteX1" y="connsiteY1"/>
+              </a:cxn>
+              <a:cxn ang="0">
+                <a:pos x="connsiteX2" y="connsiteY2"/>
+              </a:cxn>
+              <a:cxn ang="0">
+                <a:pos x="connsiteX3" y="connsiteY3"/>
+              </a:cxn>
+              <a:cxn ang="0">
+                <a:pos x="connsiteX4" y="connsiteY4"/>
+              </a:cxn>
+            </a:cxnLst>
+            <a:rect l="l" t="t" r="r" b="b"/>
+            <a:pathLst>
+              <a:path w="159741" h="552996">
+                <a:moveTo>
+                  <a:pt x="159741" y="0"/>
+                </a:moveTo>
+                <a:lnTo>
+                  <a:pt x="159741" y="552996"/>
+                </a:lnTo>
+                <a:lnTo>
+                  <a:pt x="141849" y="543285"/>
+                </a:lnTo>
+                <a:cubicBezTo>
+                  <a:pt x="56268" y="485467"/>
+                  <a:pt x="0" y="387554"/>
+                  <a:pt x="0" y="276498"/>
+                </a:cubicBezTo>
+                <a:cubicBezTo>
+                  <a:pt x="0" y="165443"/>
+                  <a:pt x="56268" y="67529"/>
+                  <a:pt x="141849" y="9711"/>
+                </a:cubicBezTo>
+                <a:close/>
+              </a:path>
+            </a:pathLst>
+          </a:custGeom>
+          <a:solidFill>
+            <a:schemeClr val="accent4"/>
+          </a:solidFill>
+          <a:ln w="127000">
+            <a:noFill/>
+          </a:ln>
+        </p:spPr>
+        <p:style>
+          <a:lnRef idx="2">
+            <a:schemeClr val="accent1">
+              <a:shade val="50000"/>
+            </a:schemeClr>
+          </a:lnRef>
+          <a:fillRef idx="1">
+            <a:schemeClr val="accent1"/>
+          </a:fillRef>
+          <a:effectRef idx="0">
+            <a:schemeClr val="accent1"/>
+          </a:effectRef>
+          <a:fontRef idx="minor">
+            <a:schemeClr val="lt1"/>
+          </a:fontRef>
+        </p:style>
+        <p:txBody>
+          <a:bodyPr wrap="square" rtlCol="0" anchor="ctr">
+            <a:noAutofit/>
+          </a:bodyPr>
+          <a:lstStyle/>
+          <a:p>
+            <a:pPr algn="ctr"/>
+            <a:endParaRPr lang="en-US"/>
+          </a:p>
+        </p:txBody>
+      </p:sp>
+      <p:sp>
+        <p:nvSpPr>
+          <p:cNvPr id="3" name="内容占位符 2">
+            <a:extLst>
+              <a:ext uri="{FF2B5EF4-FFF2-40B4-BE49-F238E27FC236}">
+                <a16:creationId xmlns:a16="http://schemas.microsoft.com/office/drawing/2014/main" id="{1F0F6A62-1180-E05D-8136-713C4AFC5120}"/>
+              </a:ext>
+            </a:extLst>
+          </p:cNvPr>
+          <p:cNvSpPr>
+            <a:spLocks noGrp="1"/>
+          </p:cNvSpPr>
+          <p:nvPr>
+            <p:ph idx="1"/>
+          </p:nvPr>
+        </p:nvSpPr>
+        <p:spPr>
+          <a:xfrm>
+            <a:off x="6096000" y="820880"/>
+            <a:ext cx="5257799" cy="4889350"/>
+          </a:xfrm>
+        </p:spPr>
+        <p:txBody>
+          <a:bodyPr anchor="t">
+            <a:normAutofit/>
+          </a:bodyPr>
+          <a:lstStyle/>
+          <a:p>
+            <a:r>
+              <a:rPr lang="en-US" altLang="zh-TW" sz="2000" dirty="0"/>
+              <a:t>Definition: DoS attacks aim to make target computer or network resources unavailable.</a:t>
+            </a:r>
+          </a:p>
+          <a:p>
+            <a:r>
+              <a:rPr lang="en-US" altLang="zh-TW" sz="2000" dirty="0"/>
+              <a:t>Common Types:</a:t>
+            </a:r>
+          </a:p>
+          <a:p>
+            <a:r>
+              <a:rPr lang="en-US" altLang="zh-TW" sz="2000" dirty="0"/>
+              <a:t>Flood Attacks</a:t>
+            </a:r>
+          </a:p>
+          <a:p>
+            <a:r>
+              <a:rPr lang="en-US" altLang="zh-TW" sz="2000" dirty="0"/>
+              <a:t>Distributed Denial of Service (DDoS) Attacks</a:t>
+            </a:r>
+          </a:p>
+          <a:p>
+            <a:r>
+              <a:rPr lang="en-US" altLang="zh-TW" sz="2000" dirty="0"/>
+              <a:t>Preventive Measures:</a:t>
+            </a:r>
+          </a:p>
+          <a:p>
+            <a:r>
+              <a:rPr lang="en-US" altLang="zh-TW" sz="2000" dirty="0"/>
+              <a:t>Deploy firewalls and intrusion detection systems</a:t>
+            </a:r>
+          </a:p>
+          <a:p>
+            <a:r>
+              <a:rPr lang="en-US" altLang="zh-TW" sz="2000" dirty="0"/>
+              <a:t>Implement traffic monitoring and limitation</a:t>
+            </a:r>
+            <a:endParaRPr lang="zh-TW" altLang="en-US" sz="2000" dirty="0"/>
+          </a:p>
+        </p:txBody>
+      </p:sp>
+      <p:sp>
+        <p:nvSpPr>
+          <p:cNvPr id="18" name="Freeform: Shape 17">
+            <a:extLst>
+              <a:ext uri="{FF2B5EF4-FFF2-40B4-BE49-F238E27FC236}">
+                <a16:creationId xmlns:a16="http://schemas.microsoft.com/office/drawing/2014/main" id="{7B786209-1B0B-4CA9-9BDD-F7327066A84D}"/>
+              </a:ext>
+              <a:ext uri="{C183D7F6-B498-43B3-948B-1728B52AA6E4}">
+                <adec:decorative xmlns:adec="http://schemas.microsoft.com/office/drawing/2017/decorative" val="1"/>
+              </a:ext>
+            </a:extLst>
+          </p:cNvPr>
+          <p:cNvSpPr>
+            <a:spLocks noGrp="1" noRot="1" noChangeAspect="1" noMove="1" noResize="1" noEditPoints="1" noAdjustHandles="1" noChangeArrowheads="1" noChangeShapeType="1" noTextEdit="1"/>
+          </p:cNvSpPr>
+          <p:nvPr>
+            <p:extLst>
+              <p:ext uri="{386F3935-93C4-4BCD-93E2-E3B085C9AB24}">
+                <p16:designElem xmlns:p16="http://schemas.microsoft.com/office/powerpoint/2015/main" val="1"/>
+              </p:ext>
+            </p:extLst>
+          </p:nvPr>
+        </p:nvSpPr>
+        <p:spPr>
+          <a:xfrm flipH="1">
+            <a:off x="0" y="5835649"/>
+            <a:ext cx="1548180" cy="1022351"/>
+          </a:xfrm>
+          <a:custGeom>
+            <a:avLst/>
+            <a:gdLst>
+              <a:gd name="connsiteX0" fmla="*/ 61913 w 1548180"/>
+              <a:gd name="connsiteY0" fmla="*/ 0 h 1022351"/>
+              <a:gd name="connsiteX1" fmla="*/ 1548180 w 1548180"/>
+              <a:gd name="connsiteY1" fmla="*/ 0 h 1022351"/>
+              <a:gd name="connsiteX2" fmla="*/ 1548180 w 1548180"/>
+              <a:gd name="connsiteY2" fmla="*/ 123825 h 1022351"/>
+              <a:gd name="connsiteX3" fmla="*/ 123825 w 1548180"/>
+              <a:gd name="connsiteY3" fmla="*/ 123825 h 1022351"/>
+              <a:gd name="connsiteX4" fmla="*/ 123825 w 1548180"/>
+              <a:gd name="connsiteY4" fmla="*/ 1022351 h 1022351"/>
+              <a:gd name="connsiteX5" fmla="*/ 0 w 1548180"/>
+              <a:gd name="connsiteY5" fmla="*/ 1022351 h 1022351"/>
+              <a:gd name="connsiteX6" fmla="*/ 0 w 1548180"/>
+              <a:gd name="connsiteY6" fmla="*/ 61913 h 1022351"/>
+              <a:gd name="connsiteX7" fmla="*/ 61913 w 1548180"/>
+              <a:gd name="connsiteY7" fmla="*/ 0 h 1022351"/>
+            </a:gdLst>
+            <a:ahLst/>
+            <a:cxnLst>
+              <a:cxn ang="0">
+                <a:pos x="connsiteX0" y="connsiteY0"/>
+              </a:cxn>
+              <a:cxn ang="0">
+                <a:pos x="connsiteX1" y="connsiteY1"/>
+              </a:cxn>
+              <a:cxn ang="0">
+                <a:pos x="connsiteX2" y="connsiteY2"/>
+              </a:cxn>
+              <a:cxn ang="0">
+                <a:pos x="connsiteX3" y="connsiteY3"/>
+              </a:cxn>
+              <a:cxn ang="0">
+                <a:pos x="connsiteX4" y="connsiteY4"/>
+              </a:cxn>
+              <a:cxn ang="0">
+                <a:pos x="connsiteX5" y="connsiteY5"/>
+              </a:cxn>
+              <a:cxn ang="0">
+                <a:pos x="connsiteX6" y="connsiteY6"/>
+              </a:cxn>
+              <a:cxn ang="0">
+                <a:pos x="connsiteX7" y="connsiteY7"/>
+              </a:cxn>
+            </a:cxnLst>
+            <a:rect l="l" t="t" r="r" b="b"/>
+            <a:pathLst>
+              <a:path w="1548180" h="1022351">
+                <a:moveTo>
+                  <a:pt x="61913" y="0"/>
+                </a:moveTo>
+                <a:lnTo>
+                  <a:pt x="1548180" y="0"/>
+                </a:lnTo>
+                <a:lnTo>
+                  <a:pt x="1548180" y="123825"/>
+                </a:lnTo>
+                <a:lnTo>
+                  <a:pt x="123825" y="123825"/>
+                </a:lnTo>
+                <a:lnTo>
+                  <a:pt x="123825" y="1022351"/>
+                </a:lnTo>
+                <a:lnTo>
+                  <a:pt x="0" y="1022351"/>
+                </a:lnTo>
+                <a:lnTo>
+                  <a:pt x="0" y="61913"/>
+                </a:lnTo>
+                <a:cubicBezTo>
+                  <a:pt x="0" y="27719"/>
+                  <a:pt x="27719" y="0"/>
+                  <a:pt x="61913" y="0"/>
+                </a:cubicBezTo>
+                <a:close/>
+              </a:path>
+            </a:pathLst>
+          </a:custGeom>
+          <a:solidFill>
+            <a:schemeClr val="accent6"/>
+          </a:solidFill>
+          <a:ln w="9525" cap="flat">
+            <a:noFill/>
+            <a:prstDash val="solid"/>
+            <a:miter/>
+          </a:ln>
+        </p:spPr>
+        <p:txBody>
+          <a:bodyPr rtlCol="0" anchor="ctr"/>
+          <a:lstStyle/>
+          <a:p>
+            <a:endParaRPr lang="en-US"/>
+          </a:p>
+        </p:txBody>
+      </p:sp>
+      <p:sp>
+        <p:nvSpPr>
+          <p:cNvPr id="20" name="Freeform: Shape 19">
+            <a:extLst>
+              <a:ext uri="{FF2B5EF4-FFF2-40B4-BE49-F238E27FC236}">
+                <a16:creationId xmlns:a16="http://schemas.microsoft.com/office/drawing/2014/main" id="{2D2964BB-484D-45AE-AD66-D407D0629652}"/>
+              </a:ext>
+              <a:ext uri="{C183D7F6-B498-43B3-948B-1728B52AA6E4}">
+                <adec:decorative xmlns:adec="http://schemas.microsoft.com/office/drawing/2017/decorative" val="1"/>
+              </a:ext>
+            </a:extLst>
+          </p:cNvPr>
+          <p:cNvSpPr>
+            <a:spLocks noGrp="1" noRot="1" noChangeAspect="1" noMove="1" noResize="1" noEditPoints="1" noAdjustHandles="1" noChangeArrowheads="1" noChangeShapeType="1" noTextEdit="1"/>
+          </p:cNvSpPr>
+          <p:nvPr>
+            <p:extLst>
+              <p:ext uri="{386F3935-93C4-4BCD-93E2-E3B085C9AB24}">
+                <p16:designElem xmlns:p16="http://schemas.microsoft.com/office/powerpoint/2015/main" val="1"/>
+              </p:ext>
+            </p:extLst>
+          </p:nvPr>
+        </p:nvSpPr>
+        <p:spPr>
+          <a:xfrm flipH="1">
+            <a:off x="3405056" y="5717905"/>
+            <a:ext cx="1771609" cy="1140095"/>
+          </a:xfrm>
+          <a:custGeom>
+            <a:avLst/>
+            <a:gdLst>
+              <a:gd name="connsiteX0" fmla="*/ 1561721 w 1771609"/>
+              <a:gd name="connsiteY0" fmla="*/ 763041 h 1140095"/>
+              <a:gd name="connsiteX1" fmla="*/ 1623024 w 1771609"/>
+              <a:gd name="connsiteY1" fmla="*/ 792810 h 1140095"/>
+              <a:gd name="connsiteX2" fmla="*/ 1711735 w 1771609"/>
+              <a:gd name="connsiteY2" fmla="*/ 970132 h 1140095"/>
+              <a:gd name="connsiteX3" fmla="*/ 1771609 w 1771609"/>
+              <a:gd name="connsiteY3" fmla="*/ 1140095 h 1140095"/>
+              <a:gd name="connsiteX4" fmla="*/ 1637225 w 1771609"/>
+              <a:gd name="connsiteY4" fmla="*/ 1140095 h 1140095"/>
+              <a:gd name="connsiteX5" fmla="*/ 1594820 w 1771609"/>
+              <a:gd name="connsiteY5" fmla="*/ 1019711 h 1140095"/>
+              <a:gd name="connsiteX6" fmla="*/ 1513200 w 1771609"/>
+              <a:gd name="connsiteY6" fmla="*/ 856627 h 1140095"/>
+              <a:gd name="connsiteX7" fmla="*/ 1538499 w 1771609"/>
+              <a:gd name="connsiteY7" fmla="*/ 770415 h 1140095"/>
+              <a:gd name="connsiteX8" fmla="*/ 1561721 w 1771609"/>
+              <a:gd name="connsiteY8" fmla="*/ 763041 h 1140095"/>
+              <a:gd name="connsiteX9" fmla="*/ 933455 w 1771609"/>
+              <a:gd name="connsiteY9" fmla="*/ 161309 h 1140095"/>
+              <a:gd name="connsiteX10" fmla="*/ 957797 w 1771609"/>
+              <a:gd name="connsiteY10" fmla="*/ 167970 h 1140095"/>
+              <a:gd name="connsiteX11" fmla="*/ 1286982 w 1771609"/>
+              <a:gd name="connsiteY11" fmla="*/ 387616 h 1140095"/>
+              <a:gd name="connsiteX12" fmla="*/ 1293725 w 1771609"/>
+              <a:gd name="connsiteY12" fmla="*/ 477075 h 1140095"/>
+              <a:gd name="connsiteX13" fmla="*/ 1245453 w 1771609"/>
+              <a:gd name="connsiteY13" fmla="*/ 499154 h 1140095"/>
+              <a:gd name="connsiteX14" fmla="*/ 1245167 w 1771609"/>
+              <a:gd name="connsiteY14" fmla="*/ 499154 h 1140095"/>
+              <a:gd name="connsiteX15" fmla="*/ 1203638 w 1771609"/>
+              <a:gd name="connsiteY15" fmla="*/ 484104 h 1140095"/>
+              <a:gd name="connsiteX16" fmla="*/ 900647 w 1771609"/>
+              <a:gd name="connsiteY16" fmla="*/ 281508 h 1140095"/>
+              <a:gd name="connsiteX17" fmla="*/ 872454 w 1771609"/>
+              <a:gd name="connsiteY17" fmla="*/ 196164 h 1140095"/>
+              <a:gd name="connsiteX18" fmla="*/ 933455 w 1771609"/>
+              <a:gd name="connsiteY18" fmla="*/ 161309 h 1140095"/>
+              <a:gd name="connsiteX19" fmla="*/ 256260 w 1771609"/>
+              <a:gd name="connsiteY19" fmla="*/ 29 h 1140095"/>
+              <a:gd name="connsiteX20" fmla="*/ 454020 w 1771609"/>
+              <a:gd name="connsiteY20" fmla="*/ 13474 h 1140095"/>
+              <a:gd name="connsiteX21" fmla="*/ 509236 w 1771609"/>
+              <a:gd name="connsiteY21" fmla="*/ 84182 h 1140095"/>
+              <a:gd name="connsiteX22" fmla="*/ 445829 w 1771609"/>
+              <a:gd name="connsiteY22" fmla="*/ 139871 h 1140095"/>
+              <a:gd name="connsiteX23" fmla="*/ 437447 w 1771609"/>
+              <a:gd name="connsiteY23" fmla="*/ 139395 h 1140095"/>
+              <a:gd name="connsiteX24" fmla="*/ 73211 w 1771609"/>
+              <a:gd name="connsiteY24" fmla="*/ 137204 h 1140095"/>
+              <a:gd name="connsiteX25" fmla="*/ 749 w 1771609"/>
+              <a:gd name="connsiteY25" fmla="*/ 84082 h 1140095"/>
+              <a:gd name="connsiteX26" fmla="*/ 53871 w 1771609"/>
+              <a:gd name="connsiteY26" fmla="*/ 11621 h 1140095"/>
+              <a:gd name="connsiteX27" fmla="*/ 58352 w 1771609"/>
+              <a:gd name="connsiteY27" fmla="*/ 11093 h 1140095"/>
+              <a:gd name="connsiteX28" fmla="*/ 256260 w 1771609"/>
+              <a:gd name="connsiteY28" fmla="*/ 29 h 1140095"/>
+            </a:gdLst>
+            <a:ahLst/>
+            <a:cxnLst>
+              <a:cxn ang="0">
+                <a:pos x="connsiteX0" y="connsiteY0"/>
+              </a:cxn>
+              <a:cxn ang="0">
+                <a:pos x="connsiteX1" y="connsiteY1"/>
+              </a:cxn>
+              <a:cxn ang="0">
+                <a:pos x="connsiteX2" y="connsiteY2"/>
+              </a:cxn>
+              <a:cxn ang="0">
+                <a:pos x="connsiteX3" y="connsiteY3"/>
+              </a:cxn>
+              <a:cxn ang="0">
+                <a:pos x="connsiteX4" y="connsiteY4"/>
+              </a:cxn>
+              <a:cxn ang="0">
+                <a:pos x="connsiteX5" y="connsiteY5"/>
+              </a:cxn>
+              <a:cxn ang="0">
+                <a:pos x="connsiteX6" y="connsiteY6"/>
+              </a:cxn>
+              <a:cxn ang="0">
+                <a:pos x="connsiteX7" y="connsiteY7"/>
+              </a:cxn>
+              <a:cxn ang="0">
+                <a:pos x="connsiteX8" y="connsiteY8"/>
+              </a:cxn>
+              <a:cxn ang="0">
+                <a:pos x="connsiteX9" y="connsiteY9"/>
+              </a:cxn>
+              <a:cxn ang="0">
+                <a:pos x="connsiteX10" y="connsiteY10"/>
+              </a:cxn>
+              <a:cxn ang="0">
+                <a:pos x="connsiteX11" y="connsiteY11"/>
+              </a:cxn>
+              <a:cxn ang="0">
+                <a:pos x="connsiteX12" y="connsiteY12"/>
+              </a:cxn>
+              <a:cxn ang="0">
+                <a:pos x="connsiteX13" y="connsiteY13"/>
+              </a:cxn>
+              <a:cxn ang="0">
+                <a:pos x="connsiteX14" y="connsiteY14"/>
+              </a:cxn>
+              <a:cxn ang="0">
+                <a:pos x="connsiteX15" y="connsiteY15"/>
+              </a:cxn>
+              <a:cxn ang="0">
+                <a:pos x="connsiteX16" y="connsiteY16"/>
+              </a:cxn>
+              <a:cxn ang="0">
+                <a:pos x="connsiteX17" y="connsiteY17"/>
+              </a:cxn>
+              <a:cxn ang="0">
+                <a:pos x="connsiteX18" y="connsiteY18"/>
+              </a:cxn>
+              <a:cxn ang="0">
+                <a:pos x="connsiteX19" y="connsiteY19"/>
+              </a:cxn>
+              <a:cxn ang="0">
+                <a:pos x="connsiteX20" y="connsiteY20"/>
+              </a:cxn>
+              <a:cxn ang="0">
+                <a:pos x="connsiteX21" y="connsiteY21"/>
+              </a:cxn>
+              <a:cxn ang="0">
+                <a:pos x="connsiteX22" y="connsiteY22"/>
+              </a:cxn>
+              <a:cxn ang="0">
+                <a:pos x="connsiteX23" y="connsiteY23"/>
+              </a:cxn>
+              <a:cxn ang="0">
+                <a:pos x="connsiteX24" y="connsiteY24"/>
+              </a:cxn>
+              <a:cxn ang="0">
+                <a:pos x="connsiteX25" y="connsiteY25"/>
+              </a:cxn>
+              <a:cxn ang="0">
+                <a:pos x="connsiteX26" y="connsiteY26"/>
+              </a:cxn>
+              <a:cxn ang="0">
+                <a:pos x="connsiteX27" y="connsiteY27"/>
+              </a:cxn>
+              <a:cxn ang="0">
+                <a:pos x="connsiteX28" y="connsiteY28"/>
+              </a:cxn>
+            </a:cxnLst>
+            <a:rect l="l" t="t" r="r" b="b"/>
+            <a:pathLst>
+              <a:path w="1771609" h="1140095">
+                <a:moveTo>
+                  <a:pt x="1561721" y="763041"/>
+                </a:moveTo>
+                <a:cubicBezTo>
+                  <a:pt x="1585506" y="760324"/>
+                  <a:pt x="1609722" y="771249"/>
+                  <a:pt x="1623024" y="792810"/>
+                </a:cubicBezTo>
+                <a:cubicBezTo>
+                  <a:pt x="1656300" y="850065"/>
+                  <a:pt x="1685920" y="909291"/>
+                  <a:pt x="1711735" y="970132"/>
+                </a:cubicBezTo>
+                <a:lnTo>
+                  <a:pt x="1771609" y="1140095"/>
+                </a:lnTo>
+                <a:lnTo>
+                  <a:pt x="1637225" y="1140095"/>
+                </a:lnTo>
+                <a:lnTo>
+                  <a:pt x="1594820" y="1019711"/>
+                </a:lnTo>
+                <a:cubicBezTo>
+                  <a:pt x="1571072" y="963753"/>
+                  <a:pt x="1543818" y="909282"/>
+                  <a:pt x="1513200" y="856627"/>
+                </a:cubicBezTo>
+                <a:cubicBezTo>
+                  <a:pt x="1496379" y="825834"/>
+                  <a:pt x="1507704" y="787236"/>
+                  <a:pt x="1538499" y="770415"/>
+                </a:cubicBezTo>
+                <a:cubicBezTo>
+                  <a:pt x="1545912" y="766367"/>
+                  <a:pt x="1553792" y="763946"/>
+                  <a:pt x="1561721" y="763041"/>
+                </a:cubicBezTo>
+                <a:close/>
+                <a:moveTo>
+                  <a:pt x="933455" y="161309"/>
+                </a:moveTo>
+                <a:cubicBezTo>
+                  <a:pt x="941693" y="161855"/>
+                  <a:pt x="949959" y="164025"/>
+                  <a:pt x="957797" y="167970"/>
+                </a:cubicBezTo>
+                <a:cubicBezTo>
+                  <a:pt x="1076184" y="227289"/>
+                  <a:pt x="1186759" y="301068"/>
+                  <a:pt x="1286982" y="387616"/>
+                </a:cubicBezTo>
+                <a:cubicBezTo>
+                  <a:pt x="1313547" y="410457"/>
+                  <a:pt x="1316566" y="450510"/>
+                  <a:pt x="1293725" y="477075"/>
+                </a:cubicBezTo>
+                <a:cubicBezTo>
+                  <a:pt x="1281638" y="491137"/>
+                  <a:pt x="1263998" y="499204"/>
+                  <a:pt x="1245453" y="499154"/>
+                </a:cubicBezTo>
+                <a:lnTo>
+                  <a:pt x="1245167" y="499154"/>
+                </a:lnTo>
+                <a:cubicBezTo>
+                  <a:pt x="1229965" y="499301"/>
+                  <a:pt x="1215220" y="493956"/>
+                  <a:pt x="1203638" y="484104"/>
+                </a:cubicBezTo>
+                <a:cubicBezTo>
+                  <a:pt x="1111407" y="404300"/>
+                  <a:pt x="1009633" y="336248"/>
+                  <a:pt x="900647" y="281508"/>
+                </a:cubicBezTo>
+                <a:cubicBezTo>
+                  <a:pt x="869295" y="265726"/>
+                  <a:pt x="856672" y="227516"/>
+                  <a:pt x="872454" y="196164"/>
+                </a:cubicBezTo>
+                <a:cubicBezTo>
+                  <a:pt x="884290" y="172650"/>
+                  <a:pt x="908742" y="159670"/>
+                  <a:pt x="933455" y="161309"/>
+                </a:cubicBezTo>
+                <a:close/>
+                <a:moveTo>
+                  <a:pt x="256260" y="29"/>
+                </a:moveTo>
+                <a:cubicBezTo>
+                  <a:pt x="322331" y="427"/>
+                  <a:pt x="388378" y="4909"/>
+                  <a:pt x="454020" y="13474"/>
+                </a:cubicBezTo>
+                <a:cubicBezTo>
+                  <a:pt x="488793" y="17752"/>
+                  <a:pt x="513514" y="49409"/>
+                  <a:pt x="509236" y="84182"/>
+                </a:cubicBezTo>
+                <a:cubicBezTo>
+                  <a:pt x="505303" y="116151"/>
+                  <a:pt x="478038" y="140098"/>
+                  <a:pt x="445829" y="139871"/>
+                </a:cubicBezTo>
+                <a:cubicBezTo>
+                  <a:pt x="443027" y="139899"/>
+                  <a:pt x="440227" y="139740"/>
+                  <a:pt x="437447" y="139395"/>
+                </a:cubicBezTo>
+                <a:cubicBezTo>
+                  <a:pt x="316592" y="123615"/>
+                  <a:pt x="194247" y="122878"/>
+                  <a:pt x="73211" y="137204"/>
+                </a:cubicBezTo>
+                <a:cubicBezTo>
+                  <a:pt x="38532" y="142545"/>
+                  <a:pt x="6090" y="118762"/>
+                  <a:pt x="749" y="84082"/>
+                </a:cubicBezTo>
+                <a:cubicBezTo>
+                  <a:pt x="-4591" y="49403"/>
+                  <a:pt x="19192" y="16961"/>
+                  <a:pt x="53871" y="11621"/>
+                </a:cubicBezTo>
+                <a:cubicBezTo>
+                  <a:pt x="55358" y="11392"/>
+                  <a:pt x="56852" y="11216"/>
+                  <a:pt x="58352" y="11093"/>
+                </a:cubicBezTo>
+                <a:cubicBezTo>
+                  <a:pt x="124093" y="3319"/>
+                  <a:pt x="190189" y="-369"/>
+                  <a:pt x="256260" y="29"/>
+                </a:cubicBezTo>
+                <a:close/>
+              </a:path>
+            </a:pathLst>
+          </a:custGeom>
+          <a:solidFill>
+            <a:schemeClr val="accent4"/>
+          </a:solidFill>
+          <a:ln w="9525" cap="flat">
+            <a:noFill/>
+            <a:prstDash val="solid"/>
+            <a:miter/>
+          </a:ln>
+        </p:spPr>
+        <p:txBody>
+          <a:bodyPr rtlCol="0" anchor="ctr"/>
+          <a:lstStyle/>
+          <a:p>
+            <a:endParaRPr lang="en-US"/>
+          </a:p>
+        </p:txBody>
+      </p:sp>
+      <p:sp>
+        <p:nvSpPr>
+          <p:cNvPr id="22" name="Freeform: Shape 21">
+            <a:extLst>
+              <a:ext uri="{FF2B5EF4-FFF2-40B4-BE49-F238E27FC236}">
+                <a16:creationId xmlns:a16="http://schemas.microsoft.com/office/drawing/2014/main" id="{6691AC69-A76E-4DAB-B565-468B6B87ACF3}"/>
+              </a:ext>
+              <a:ext uri="{C183D7F6-B498-43B3-948B-1728B52AA6E4}">
+                <adec:decorative xmlns:adec="http://schemas.microsoft.com/office/drawing/2017/decorative" val="1"/>
+              </a:ext>
+            </a:extLst>
+          </p:cNvPr>
+          <p:cNvSpPr>
+            <a:spLocks noGrp="1" noRot="1" noChangeAspect="1" noMove="1" noResize="1" noEditPoints="1" noAdjustHandles="1" noChangeArrowheads="1" noChangeShapeType="1" noTextEdit="1"/>
+          </p:cNvSpPr>
+          <p:nvPr>
+            <p:extLst>
+              <p:ext uri="{386F3935-93C4-4BCD-93E2-E3B085C9AB24}">
+                <p16:designElem xmlns:p16="http://schemas.microsoft.com/office/powerpoint/2015/main" val="1"/>
+              </p:ext>
+            </p:extLst>
+          </p:nvPr>
+        </p:nvSpPr>
+        <p:spPr>
+          <a:xfrm flipH="1">
+            <a:off x="4132972" y="6258755"/>
+            <a:ext cx="1565940" cy="599245"/>
+          </a:xfrm>
+          <a:custGeom>
+            <a:avLst/>
+            <a:gdLst>
+              <a:gd name="connsiteX0" fmla="*/ 782970 w 1565940"/>
+              <a:gd name="connsiteY0" fmla="*/ 0 h 599245"/>
+              <a:gd name="connsiteX1" fmla="*/ 1528042 w 1565940"/>
+              <a:gd name="connsiteY1" fmla="*/ 480469 h 599245"/>
+              <a:gd name="connsiteX2" fmla="*/ 1565940 w 1565940"/>
+              <a:gd name="connsiteY2" fmla="*/ 599245 h 599245"/>
+              <a:gd name="connsiteX3" fmla="*/ 0 w 1565940"/>
+              <a:gd name="connsiteY3" fmla="*/ 599245 h 599245"/>
+              <a:gd name="connsiteX4" fmla="*/ 37898 w 1565940"/>
+              <a:gd name="connsiteY4" fmla="*/ 480469 h 599245"/>
+              <a:gd name="connsiteX5" fmla="*/ 782970 w 1565940"/>
+              <a:gd name="connsiteY5" fmla="*/ 0 h 599245"/>
+            </a:gdLst>
+            <a:ahLst/>
+            <a:cxnLst>
+              <a:cxn ang="0">
+                <a:pos x="connsiteX0" y="connsiteY0"/>
+              </a:cxn>
+              <a:cxn ang="0">
+                <a:pos x="connsiteX1" y="connsiteY1"/>
+              </a:cxn>
+              <a:cxn ang="0">
+                <a:pos x="connsiteX2" y="connsiteY2"/>
+              </a:cxn>
+              <a:cxn ang="0">
+                <a:pos x="connsiteX3" y="connsiteY3"/>
+              </a:cxn>
+              <a:cxn ang="0">
+                <a:pos x="connsiteX4" y="connsiteY4"/>
+              </a:cxn>
+              <a:cxn ang="0">
+                <a:pos x="connsiteX5" y="connsiteY5"/>
+              </a:cxn>
+            </a:cxnLst>
+            <a:rect l="l" t="t" r="r" b="b"/>
+            <a:pathLst>
+              <a:path w="1565940" h="599245">
+                <a:moveTo>
+                  <a:pt x="782970" y="0"/>
+                </a:moveTo>
+                <a:cubicBezTo>
+                  <a:pt x="1117910" y="0"/>
+                  <a:pt x="1405287" y="198118"/>
+                  <a:pt x="1528042" y="480469"/>
+                </a:cubicBezTo>
+                <a:lnTo>
+                  <a:pt x="1565940" y="599245"/>
+                </a:lnTo>
+                <a:lnTo>
+                  <a:pt x="0" y="599245"/>
+                </a:lnTo>
+                <a:lnTo>
+                  <a:pt x="37898" y="480469"/>
+                </a:lnTo>
+                <a:cubicBezTo>
+                  <a:pt x="160653" y="198118"/>
+                  <a:pt x="448030" y="0"/>
+                  <a:pt x="782970" y="0"/>
+                </a:cubicBezTo>
+                <a:close/>
+              </a:path>
+            </a:pathLst>
+          </a:custGeom>
+          <a:solidFill>
+            <a:schemeClr val="accent2"/>
+          </a:solidFill>
+          <a:ln>
+            <a:noFill/>
+          </a:ln>
+        </p:spPr>
+        <p:style>
+          <a:lnRef idx="2">
+            <a:schemeClr val="accent1">
+              <a:shade val="50000"/>
+            </a:schemeClr>
+          </a:lnRef>
+          <a:fillRef idx="1">
+            <a:schemeClr val="accent1"/>
+          </a:fillRef>
+          <a:effectRef idx="0">
+            <a:schemeClr val="accent1"/>
+          </a:effectRef>
+          <a:fontRef idx="minor">
+            <a:schemeClr val="lt1"/>
+          </a:fontRef>
+        </p:style>
+        <p:txBody>
+          <a:bodyPr wrap="square" rtlCol="0" anchor="ctr">
+            <a:noAutofit/>
+          </a:bodyPr>
+          <a:lstStyle/>
+          <a:p>
+            <a:pPr algn="ctr"/>
+            <a:endParaRPr lang="en-US" dirty="0"/>
+          </a:p>
+        </p:txBody>
+      </p:sp>
+    </p:spTree>
+    <p:extLst>
+      <p:ext uri="{BB962C8B-B14F-4D97-AF65-F5344CB8AC3E}">
+        <p14:creationId xmlns:p14="http://schemas.microsoft.com/office/powerpoint/2010/main" val="1821353315"/>
+      </p:ext>
+    </p:extLst>
+  </p:cSld>
+  <p:clrMapOvr>
+    <a:masterClrMapping/>
+  </p:clrMapOvr>
+  <mc:AlternateContent xmlns:mc="http://schemas.openxmlformats.org/markup-compatibility/2006" xmlns:p159="http://schemas.microsoft.com/office/powerpoint/2015/09/main">
+    <mc:Choice Requires="p159">
+      <p:transition xmlns:p14="http://schemas.microsoft.com/office/powerpoint/2010/main" spd="slow" p14:dur="2000">
+        <p159:morph option="byObject"/>
+      </p:transition>
+    </mc:Choice>
+    <mc:Fallback xmlns="">
+      <p:transition spd="slow">
+        <p:fade/>
+      </p:transition>
+    </mc:Fallback>
+  </mc:AlternateContent>
+</p:sld>
+</file>
+
+<file path=ppt/slides/slide8.xml><?xml version="1.0" encoding="utf-8"?>
+<p:sld xmlns:a="http://schemas.openxmlformats.org/drawingml/2006/main" xmlns:r="http://schemas.openxmlformats.org/officeDocument/2006/relationships" xmlns:p="http://schemas.openxmlformats.org/presentationml/2006/main">
+  <p:cSld>
+    <p:bg>
+      <p:bgPr>
+        <a:solidFill>
+          <a:schemeClr val="bg1"/>
+        </a:solidFill>
+        <a:effectLst/>
+      </p:bgPr>
+    </p:bg>
+    <p:spTree>
+      <p:nvGrpSpPr>
+        <p:cNvPr id="1" name=""/>
+        <p:cNvGrpSpPr/>
+        <p:nvPr/>
+      </p:nvGrpSpPr>
+      <p:grpSpPr>
+        <a:xfrm>
+          <a:off x="0" y="0"/>
+          <a:ext cx="0" cy="0"/>
+          <a:chOff x="0" y="0"/>
+          <a:chExt cx="0" cy="0"/>
+        </a:xfrm>
+      </p:grpSpPr>
+      <p:sp>
+        <p:nvSpPr>
+          <p:cNvPr id="19" name="Rectangle 9">
+            <a:extLst>
+              <a:ext uri="{FF2B5EF4-FFF2-40B4-BE49-F238E27FC236}">
+                <a16:creationId xmlns:a16="http://schemas.microsoft.com/office/drawing/2014/main" id="{4C608BEB-860E-4094-8511-78603564A75E}"/>
+              </a:ext>
+              <a:ext uri="{C183D7F6-B498-43B3-948B-1728B52AA6E4}">
+                <adec:decorative xmlns:adec="http://schemas.microsoft.com/office/drawing/2017/decorative" val="1"/>
+              </a:ext>
+            </a:extLst>
+          </p:cNvPr>
+          <p:cNvSpPr>
+            <a:spLocks noGrp="1" noRot="1" noChangeAspect="1" noMove="1" noResize="1" noEditPoints="1" noAdjustHandles="1" noChangeArrowheads="1" noChangeShapeType="1" noTextEdit="1"/>
+          </p:cNvSpPr>
+          <p:nvPr>
+            <p:extLst>
+              <p:ext uri="{386F3935-93C4-4BCD-93E2-E3B085C9AB24}">
+                <p16:designElem xmlns:p16="http://schemas.microsoft.com/office/powerpoint/2015/main" val="1"/>
+              </p:ext>
+            </p:extLst>
+          </p:nvPr>
+        </p:nvSpPr>
+        <p:spPr>
+          <a:xfrm>
+            <a:off x="0" y="0"/>
+            <a:ext cx="4059050" cy="6858000"/>
+          </a:xfrm>
+          <a:prstGeom prst="rect">
+            <a:avLst/>
+          </a:prstGeom>
+          <a:solidFill>
+            <a:srgbClr val="404040"/>
+          </a:solidFill>
+          <a:ln>
+            <a:noFill/>
+          </a:ln>
+        </p:spPr>
+        <p:style>
+          <a:lnRef idx="2">
+            <a:schemeClr val="accent1">
+              <a:shade val="50000"/>
+            </a:schemeClr>
+          </a:lnRef>
+          <a:fillRef idx="1">
+            <a:schemeClr val="accent1"/>
+          </a:fillRef>
+          <a:effectRef idx="0">
+            <a:schemeClr val="accent1"/>
+          </a:effectRef>
+          <a:fontRef idx="minor">
+            <a:schemeClr val="lt1"/>
+          </a:fontRef>
+        </p:style>
+        <p:txBody>
+          <a:bodyPr rtlCol="0" anchor="ctr"/>
+          <a:lstStyle/>
+          <a:p>
+            <a:pPr marL="0" marR="0" lvl="0" indent="0" algn="ctr" defTabSz="914400" rtl="0" eaLnBrk="1" fontAlgn="auto" latinLnBrk="0" hangingPunct="1">
+              <a:lnSpc>
+                <a:spcPct val="100000"/>
+              </a:lnSpc>
+              <a:spcBef>
+                <a:spcPts val="0"/>
+              </a:spcBef>
+              <a:spcAft>
+                <a:spcPts val="0"/>
+              </a:spcAft>
+              <a:buClrTx/>
+              <a:buSzTx/>
+              <a:buFontTx/>
+              <a:buNone/>
+              <a:tabLst/>
+              <a:defRPr/>
+            </a:pPr>
+            <a:endParaRPr kumimoji="0" lang="en-US" sz="1800" b="0" i="0" u="none" strike="noStrike" kern="1200" cap="none" spc="0" normalizeH="0" baseline="0" noProof="0">
+              <a:ln>
+                <a:noFill/>
+              </a:ln>
+              <a:solidFill>
+                <a:prstClr val="white"/>
+              </a:solidFill>
+              <a:effectLst/>
+              <a:uLnTx/>
+              <a:uFillTx/>
+              <a:latin typeface="Calibri" panose="020F0502020204030204"/>
+              <a:ea typeface="+mn-ea"/>
+              <a:cs typeface="+mn-cs"/>
+            </a:endParaRPr>
+          </a:p>
+        </p:txBody>
+      </p:sp>
+      <p:sp>
+        <p:nvSpPr>
+          <p:cNvPr id="2" name="标题 1">
+            <a:extLst>
+              <a:ext uri="{FF2B5EF4-FFF2-40B4-BE49-F238E27FC236}">
+                <a16:creationId xmlns:a16="http://schemas.microsoft.com/office/drawing/2014/main" id="{E1AFC15B-AA0A-73DB-D989-2BA133EBB770}"/>
+              </a:ext>
+            </a:extLst>
+          </p:cNvPr>
+          <p:cNvSpPr>
+            <a:spLocks noGrp="1"/>
+          </p:cNvSpPr>
+          <p:nvPr>
+            <p:ph type="title"/>
+          </p:nvPr>
+        </p:nvSpPr>
+        <p:spPr>
+          <a:xfrm>
+            <a:off x="838200" y="1412488"/>
+            <a:ext cx="2899189" cy="4363844"/>
+          </a:xfrm>
+        </p:spPr>
+        <p:txBody>
+          <a:bodyPr vert="horz" lIns="91440" tIns="45720" rIns="91440" bIns="45720" rtlCol="0" anchor="t">
+            <a:normAutofit/>
+          </a:bodyPr>
+          <a:lstStyle/>
+          <a:p>
+            <a:r>
+              <a:rPr lang="en-US" altLang="zh-TW" sz="4000" kern="1200">
+                <a:solidFill>
+                  <a:srgbClr val="FFFFFF"/>
+                </a:solidFill>
+                <a:latin typeface="+mj-lt"/>
+                <a:ea typeface="+mj-ea"/>
+                <a:cs typeface="+mj-cs"/>
+              </a:rPr>
+              <a:t>Phishing Attack</a:t>
+            </a:r>
+          </a:p>
+        </p:txBody>
+      </p:sp>
+      <p:sp>
+        <p:nvSpPr>
+          <p:cNvPr id="3" name="内容占位符 2">
+            <a:extLst>
+              <a:ext uri="{FF2B5EF4-FFF2-40B4-BE49-F238E27FC236}">
+                <a16:creationId xmlns:a16="http://schemas.microsoft.com/office/drawing/2014/main" id="{2616CD56-7733-1F63-8E4E-67313F8CC9A6}"/>
+              </a:ext>
+            </a:extLst>
+          </p:cNvPr>
+          <p:cNvSpPr>
+            <a:spLocks noGrp="1"/>
+          </p:cNvSpPr>
+          <p:nvPr>
+            <p:ph idx="1"/>
+          </p:nvPr>
+        </p:nvSpPr>
+        <p:spPr>
+          <a:xfrm>
+            <a:off x="4380855" y="1412489"/>
+            <a:ext cx="3427283" cy="4363844"/>
+          </a:xfrm>
+        </p:spPr>
+        <p:txBody>
+          <a:bodyPr vert="horz" lIns="91440" tIns="45720" rIns="91440" bIns="45720" rtlCol="0">
+            <a:normAutofit/>
+          </a:bodyPr>
+          <a:lstStyle/>
+          <a:p>
+            <a:pPr marL="0"/>
+            <a:r>
+              <a:rPr lang="en-US" altLang="zh-TW" sz="2000" dirty="0"/>
+              <a:t>Definition: </a:t>
+            </a:r>
+          </a:p>
+          <a:p>
+            <a:pPr marL="0"/>
+            <a:r>
+              <a:rPr lang="en-US" altLang="zh-TW" sz="2000" dirty="0"/>
+              <a:t>Phishing attacks involve disguising as legitimate emails or websites to obtain sensitive information.</a:t>
+            </a:r>
+          </a:p>
+        </p:txBody>
+      </p:sp>
+      <p:cxnSp>
+        <p:nvCxnSpPr>
+          <p:cNvPr id="20" name="Straight Connector 11">
+            <a:extLst>
+              <a:ext uri="{FF2B5EF4-FFF2-40B4-BE49-F238E27FC236}">
+                <a16:creationId xmlns:a16="http://schemas.microsoft.com/office/drawing/2014/main" id="{1F16A8D4-FE87-4604-88B2-394B5D1EB437}"/>
+              </a:ext>
+              <a:ext uri="{C183D7F6-B498-43B3-948B-1728B52AA6E4}">
+                <adec:decorative xmlns:adec="http://schemas.microsoft.com/office/drawing/2017/decorative" val="1"/>
+              </a:ext>
+            </a:extLst>
+          </p:cNvPr>
+          <p:cNvCxnSpPr>
+            <a:cxnSpLocks noGrp="1" noRot="1" noChangeAspect="1" noMove="1" noResize="1" noEditPoints="1" noAdjustHandles="1" noChangeArrowheads="1" noChangeShapeType="1"/>
+          </p:cNvCxnSpPr>
+          <p:nvPr>
+            <p:extLst>
+              <p:ext uri="{386F3935-93C4-4BCD-93E2-E3B085C9AB24}">
+                <p16:designElem xmlns:p16="http://schemas.microsoft.com/office/powerpoint/2015/main" val="1"/>
+              </p:ext>
+            </p:extLst>
+          </p:nvPr>
+        </p:nvCxnSpPr>
+        <p:spPr>
+          <a:xfrm>
+            <a:off x="8129871" y="1412488"/>
+            <a:ext cx="0" cy="3657600"/>
+          </a:xfrm>
+          <a:prstGeom prst="line">
+            <a:avLst/>
+          </a:prstGeom>
+          <a:ln w="12700">
+            <a:solidFill>
+              <a:schemeClr val="tx1">
+                <a:lumMod val="50000"/>
+                <a:lumOff val="50000"/>
+              </a:schemeClr>
+            </a:solidFill>
+          </a:ln>
+        </p:spPr>
+        <p:style>
+          <a:lnRef idx="1">
+            <a:schemeClr val="accent1"/>
+          </a:lnRef>
+          <a:fillRef idx="0">
+            <a:schemeClr val="accent1"/>
+          </a:fillRef>
+          <a:effectRef idx="0">
+            <a:schemeClr val="accent1"/>
+          </a:effectRef>
+          <a:fontRef idx="minor">
+            <a:schemeClr val="tx1"/>
+          </a:fontRef>
+        </p:style>
+      </p:cxnSp>
+      <p:sp>
+        <p:nvSpPr>
+          <p:cNvPr id="4" name="文本框 3">
+            <a:extLst>
+              <a:ext uri="{FF2B5EF4-FFF2-40B4-BE49-F238E27FC236}">
+                <a16:creationId xmlns:a16="http://schemas.microsoft.com/office/drawing/2014/main" id="{08640CD8-D28F-B24A-F77C-C24EF263127A}"/>
+              </a:ext>
+            </a:extLst>
+          </p:cNvPr>
+          <p:cNvSpPr txBox="1"/>
+          <p:nvPr/>
+        </p:nvSpPr>
+        <p:spPr>
+          <a:xfrm>
+            <a:off x="8451604" y="1412489"/>
+            <a:ext cx="3197701" cy="4363844"/>
+          </a:xfrm>
+          <a:prstGeom prst="rect">
+            <a:avLst/>
+          </a:prstGeom>
+        </p:spPr>
+        <p:txBody>
+          <a:bodyPr vert="horz" lIns="91440" tIns="45720" rIns="91440" bIns="45720" rtlCol="0">
+            <a:normAutofit/>
+          </a:bodyPr>
+          <a:lstStyle/>
+          <a:p>
+            <a:pPr indent="-228600">
+              <a:lnSpc>
+                <a:spcPct val="90000"/>
+              </a:lnSpc>
+              <a:spcAft>
+                <a:spcPts val="600"/>
+              </a:spcAft>
+              <a:buFont typeface="Arial" panose="020B0604020202020204" pitchFamily="34" charset="0"/>
+              <a:buChar char="•"/>
+            </a:pPr>
+            <a:r>
+              <a:rPr lang="en-US" altLang="zh-TW" sz="2000" dirty="0"/>
+              <a:t>Preventive Measures:</a:t>
+            </a:r>
+          </a:p>
+          <a:p>
+            <a:pPr indent="-228600">
+              <a:lnSpc>
+                <a:spcPct val="90000"/>
+              </a:lnSpc>
+              <a:spcAft>
+                <a:spcPts val="600"/>
+              </a:spcAft>
+              <a:buFont typeface="Arial" panose="020B0604020202020204" pitchFamily="34" charset="0"/>
+              <a:buChar char="•"/>
+            </a:pPr>
+            <a:r>
+              <a:rPr lang="en-US" altLang="zh-TW" sz="2000" dirty="0"/>
+              <a:t>Use email filters</a:t>
+            </a:r>
+          </a:p>
+          <a:p>
+            <a:pPr indent="-228600">
+              <a:lnSpc>
+                <a:spcPct val="90000"/>
+              </a:lnSpc>
+              <a:spcAft>
+                <a:spcPts val="600"/>
+              </a:spcAft>
+              <a:buFont typeface="Arial" panose="020B0604020202020204" pitchFamily="34" charset="0"/>
+              <a:buChar char="•"/>
+            </a:pPr>
+            <a:r>
+              <a:rPr lang="en-US" altLang="zh-TW" sz="2000" dirty="0"/>
+              <a:t>Enhance employees' security awareness and vigilance</a:t>
+            </a:r>
+          </a:p>
+          <a:p>
+            <a:pPr indent="-228600">
+              <a:lnSpc>
+                <a:spcPct val="90000"/>
+              </a:lnSpc>
+              <a:spcAft>
+                <a:spcPts val="600"/>
+              </a:spcAft>
+              <a:buFont typeface="Arial" panose="020B0604020202020204" pitchFamily="34" charset="0"/>
+              <a:buChar char="•"/>
+            </a:pPr>
+            <a:r>
+              <a:rPr lang="en-US" altLang="zh-TW" sz="2000" dirty="0"/>
+              <a:t>Common Characteristics:</a:t>
+            </a:r>
+          </a:p>
+          <a:p>
+            <a:pPr indent="-228600">
+              <a:lnSpc>
+                <a:spcPct val="90000"/>
+              </a:lnSpc>
+              <a:spcAft>
+                <a:spcPts val="600"/>
+              </a:spcAft>
+              <a:buFont typeface="Arial" panose="020B0604020202020204" pitchFamily="34" charset="0"/>
+              <a:buChar char="•"/>
+            </a:pPr>
+            <a:r>
+              <a:rPr lang="en-US" altLang="zh-TW" sz="2000" dirty="0"/>
+              <a:t>Urgent requests</a:t>
+            </a:r>
+          </a:p>
+          <a:p>
+            <a:pPr indent="-228600">
+              <a:lnSpc>
+                <a:spcPct val="90000"/>
+              </a:lnSpc>
+              <a:spcAft>
+                <a:spcPts val="600"/>
+              </a:spcAft>
+              <a:buFont typeface="Arial" panose="020B0604020202020204" pitchFamily="34" charset="0"/>
+              <a:buChar char="•"/>
+            </a:pPr>
+            <a:r>
+              <a:rPr lang="en-US" altLang="zh-TW" sz="2000" dirty="0"/>
+              <a:t>Illogical links or attachments</a:t>
+            </a:r>
+          </a:p>
+        </p:txBody>
+      </p:sp>
+      <p:sp>
+        <p:nvSpPr>
+          <p:cNvPr id="5" name="文本框 4">
+            <a:extLst>
+              <a:ext uri="{FF2B5EF4-FFF2-40B4-BE49-F238E27FC236}">
+                <a16:creationId xmlns:a16="http://schemas.microsoft.com/office/drawing/2014/main" id="{FF38BA00-4A28-E322-4EEF-A495FECF6331}"/>
+              </a:ext>
+            </a:extLst>
+          </p:cNvPr>
+          <p:cNvSpPr txBox="1"/>
+          <p:nvPr/>
+        </p:nvSpPr>
+        <p:spPr>
+          <a:xfrm>
+            <a:off x="5638800" y="2971800"/>
+            <a:ext cx="914400" cy="914400"/>
+          </a:xfrm>
+          <a:prstGeom prst="rect">
+            <a:avLst/>
+          </a:prstGeom>
+          <a:noFill/>
+        </p:spPr>
+        <p:txBody>
+          <a:bodyPr wrap="square" rtlCol="0">
+            <a:spAutoFit/>
+          </a:bodyPr>
+          <a:lstStyle/>
+          <a:p>
+            <a:endParaRPr lang="zh-TW" altLang="en-US" dirty="0"/>
+          </a:p>
+        </p:txBody>
+      </p:sp>
+    </p:spTree>
+    <p:extLst>
+      <p:ext uri="{BB962C8B-B14F-4D97-AF65-F5344CB8AC3E}">
+        <p14:creationId xmlns:p14="http://schemas.microsoft.com/office/powerpoint/2010/main" val="3538911571"/>
+      </p:ext>
+    </p:extLst>
+  </p:cSld>
+  <p:clrMapOvr>
+    <a:masterClrMapping/>
+  </p:clrMapOvr>
+  <mc:AlternateContent xmlns:mc="http://schemas.openxmlformats.org/markup-compatibility/2006" xmlns:p159="http://schemas.microsoft.com/office/powerpoint/2015/09/main">
+    <mc:Choice Requires="p159">
+      <p:transition xmlns:p14="http://schemas.microsoft.com/office/powerpoint/2010/main" spd="slow" p14:dur="2000">
+        <p159:morph option="byObject"/>
+      </p:transition>
+    </mc:Choice>
+    <mc:Fallback xmlns="">
+      <p:transition spd="slow">
+        <p:fade/>
+      </p:transition>
+    </mc:Fallback>
+  </mc:AlternateContent>
+</p:sld>
+</file>
+
+<file path=ppt/slides/slide9.xml><?xml version="1.0" encoding="utf-8"?>
 <p:sld xmlns:a="http://schemas.openxmlformats.org/drawingml/2006/main" xmlns:r="http://schemas.openxmlformats.org/officeDocument/2006/relationships" xmlns:p="http://schemas.openxmlformats.org/presentationml/2006/main">
   <p:cSld>
     <p:bg>
@@ -11129,4067 +14904,6 @@
     <p:extLst>
       <p:ext uri="{BB962C8B-B14F-4D97-AF65-F5344CB8AC3E}">
         <p14:creationId xmlns:p14="http://schemas.microsoft.com/office/powerpoint/2010/main" val="2760805546"/>
-      </p:ext>
-    </p:extLst>
-  </p:cSld>
-  <p:clrMapOvr>
-    <a:masterClrMapping/>
-  </p:clrMapOvr>
-  <mc:AlternateContent xmlns:mc="http://schemas.openxmlformats.org/markup-compatibility/2006" xmlns:p159="http://schemas.microsoft.com/office/powerpoint/2015/09/main">
-    <mc:Choice Requires="p159">
-      <p:transition xmlns:p14="http://schemas.microsoft.com/office/powerpoint/2010/main" spd="slow" p14:dur="2000">
-        <p159:morph option="byObject"/>
-      </p:transition>
-    </mc:Choice>
-    <mc:Fallback xmlns="">
-      <p:transition spd="slow">
-        <p:fade/>
-      </p:transition>
-    </mc:Fallback>
-  </mc:AlternateContent>
-</p:sld>
-</file>
-
-<file path=ppt/slides/slide2.xml><?xml version="1.0" encoding="utf-8"?>
-<p:sld xmlns:a="http://schemas.openxmlformats.org/drawingml/2006/main" xmlns:r="http://schemas.openxmlformats.org/officeDocument/2006/relationships" xmlns:p="http://schemas.openxmlformats.org/presentationml/2006/main">
-  <p:cSld>
-    <p:bg>
-      <p:bgPr>
-        <a:solidFill>
-          <a:schemeClr val="bg1"/>
-        </a:solidFill>
-        <a:effectLst/>
-      </p:bgPr>
-    </p:bg>
-    <p:spTree>
-      <p:nvGrpSpPr>
-        <p:cNvPr id="1" name=""/>
-        <p:cNvGrpSpPr/>
-        <p:nvPr/>
-      </p:nvGrpSpPr>
-      <p:grpSpPr>
-        <a:xfrm>
-          <a:off x="0" y="0"/>
-          <a:ext cx="0" cy="0"/>
-          <a:chOff x="0" y="0"/>
-          <a:chExt cx="0" cy="0"/>
-        </a:xfrm>
-      </p:grpSpPr>
-      <p:sp useBgFill="1">
-        <p:nvSpPr>
-          <p:cNvPr id="17" name="Rectangle 16">
-            <a:extLst>
-              <a:ext uri="{FF2B5EF4-FFF2-40B4-BE49-F238E27FC236}">
-                <a16:creationId xmlns:a16="http://schemas.microsoft.com/office/drawing/2014/main" id="{907EF6B7-1338-4443-8C46-6A318D952DFD}"/>
-              </a:ext>
-              <a:ext uri="{C183D7F6-B498-43B3-948B-1728B52AA6E4}">
-                <adec:decorative xmlns:adec="http://schemas.microsoft.com/office/drawing/2017/decorative" val="1"/>
-              </a:ext>
-            </a:extLst>
-          </p:cNvPr>
-          <p:cNvSpPr>
-            <a:spLocks noGrp="1" noRot="1" noChangeAspect="1" noMove="1" noResize="1" noEditPoints="1" noAdjustHandles="1" noChangeArrowheads="1" noChangeShapeType="1" noTextEdit="1"/>
-          </p:cNvSpPr>
-          <p:nvPr>
-            <p:extLst>
-              <p:ext uri="{386F3935-93C4-4BCD-93E2-E3B085C9AB24}">
-                <p16:designElem xmlns:p16="http://schemas.microsoft.com/office/powerpoint/2015/main" val="1"/>
-              </p:ext>
-            </p:extLst>
-          </p:nvPr>
-        </p:nvSpPr>
-        <p:spPr>
-          <a:xfrm>
-            <a:off x="3048" y="0"/>
-            <a:ext cx="12188952" cy="6858000"/>
-          </a:xfrm>
-          <a:prstGeom prst="rect">
-            <a:avLst/>
-          </a:prstGeom>
-          <a:ln>
-            <a:noFill/>
-          </a:ln>
-        </p:spPr>
-        <p:style>
-          <a:lnRef idx="2">
-            <a:schemeClr val="accent1">
-              <a:shade val="50000"/>
-            </a:schemeClr>
-          </a:lnRef>
-          <a:fillRef idx="1">
-            <a:schemeClr val="accent1"/>
-          </a:fillRef>
-          <a:effectRef idx="0">
-            <a:schemeClr val="accent1"/>
-          </a:effectRef>
-          <a:fontRef idx="minor">
-            <a:schemeClr val="lt1"/>
-          </a:fontRef>
-        </p:style>
-        <p:txBody>
-          <a:bodyPr rtlCol="0" anchor="ctr"/>
-          <a:lstStyle/>
-          <a:p>
-            <a:pPr algn="ctr"/>
-            <a:endParaRPr lang="en-US"/>
-          </a:p>
-        </p:txBody>
-      </p:sp>
-      <p:sp>
-        <p:nvSpPr>
-          <p:cNvPr id="19" name="Freeform: Shape 18">
-            <a:extLst>
-              <a:ext uri="{FF2B5EF4-FFF2-40B4-BE49-F238E27FC236}">
-                <a16:creationId xmlns:a16="http://schemas.microsoft.com/office/drawing/2014/main" id="{DAAE4CDD-124C-4DCF-9584-B6033B545DD5}"/>
-              </a:ext>
-              <a:ext uri="{C183D7F6-B498-43B3-948B-1728B52AA6E4}">
-                <adec:decorative xmlns:adec="http://schemas.microsoft.com/office/drawing/2017/decorative" val="1"/>
-              </a:ext>
-            </a:extLst>
-          </p:cNvPr>
-          <p:cNvSpPr>
-            <a:spLocks noGrp="1" noRot="1" noChangeAspect="1" noMove="1" noResize="1" noEditPoints="1" noAdjustHandles="1" noChangeArrowheads="1" noChangeShapeType="1" noTextEdit="1"/>
-          </p:cNvSpPr>
-          <p:nvPr>
-            <p:extLst>
-              <p:ext uri="{386F3935-93C4-4BCD-93E2-E3B085C9AB24}">
-                <p16:designElem xmlns:p16="http://schemas.microsoft.com/office/powerpoint/2015/main" val="1"/>
-              </p:ext>
-            </p:extLst>
-          </p:nvPr>
-        </p:nvSpPr>
-        <p:spPr>
-          <a:xfrm>
-            <a:off x="1" y="0"/>
-            <a:ext cx="4167271" cy="6858000"/>
-          </a:xfrm>
-          <a:custGeom>
-            <a:avLst/>
-            <a:gdLst>
-              <a:gd name="connsiteX0" fmla="*/ 0 w 4167271"/>
-              <a:gd name="connsiteY0" fmla="*/ 0 h 6858000"/>
-              <a:gd name="connsiteX1" fmla="*/ 2259550 w 4167271"/>
-              <a:gd name="connsiteY1" fmla="*/ 0 h 6858000"/>
-              <a:gd name="connsiteX2" fmla="*/ 2387803 w 4167271"/>
-              <a:gd name="connsiteY2" fmla="*/ 82222 h 6858000"/>
-              <a:gd name="connsiteX3" fmla="*/ 4167271 w 4167271"/>
-              <a:gd name="connsiteY3" fmla="*/ 3429000 h 6858000"/>
-              <a:gd name="connsiteX4" fmla="*/ 2387803 w 4167271"/>
-              <a:gd name="connsiteY4" fmla="*/ 6775779 h 6858000"/>
-              <a:gd name="connsiteX5" fmla="*/ 2259550 w 4167271"/>
-              <a:gd name="connsiteY5" fmla="*/ 6858000 h 6858000"/>
-              <a:gd name="connsiteX6" fmla="*/ 0 w 4167271"/>
-              <a:gd name="connsiteY6" fmla="*/ 6858000 h 6858000"/>
-            </a:gdLst>
-            <a:ahLst/>
-            <a:cxnLst>
-              <a:cxn ang="0">
-                <a:pos x="connsiteX0" y="connsiteY0"/>
-              </a:cxn>
-              <a:cxn ang="0">
-                <a:pos x="connsiteX1" y="connsiteY1"/>
-              </a:cxn>
-              <a:cxn ang="0">
-                <a:pos x="connsiteX2" y="connsiteY2"/>
-              </a:cxn>
-              <a:cxn ang="0">
-                <a:pos x="connsiteX3" y="connsiteY3"/>
-              </a:cxn>
-              <a:cxn ang="0">
-                <a:pos x="connsiteX4" y="connsiteY4"/>
-              </a:cxn>
-              <a:cxn ang="0">
-                <a:pos x="connsiteX5" y="connsiteY5"/>
-              </a:cxn>
-              <a:cxn ang="0">
-                <a:pos x="connsiteX6" y="connsiteY6"/>
-              </a:cxn>
-            </a:cxnLst>
-            <a:rect l="l" t="t" r="r" b="b"/>
-            <a:pathLst>
-              <a:path w="4167271" h="6858000">
-                <a:moveTo>
-                  <a:pt x="0" y="0"/>
-                </a:moveTo>
-                <a:lnTo>
-                  <a:pt x="2259550" y="0"/>
-                </a:lnTo>
-                <a:lnTo>
-                  <a:pt x="2387803" y="82222"/>
-                </a:lnTo>
-                <a:cubicBezTo>
-                  <a:pt x="3461407" y="807534"/>
-                  <a:pt x="4167271" y="2035835"/>
-                  <a:pt x="4167271" y="3429000"/>
-                </a:cubicBezTo>
-                <a:cubicBezTo>
-                  <a:pt x="4167271" y="4822165"/>
-                  <a:pt x="3461407" y="6050467"/>
-                  <a:pt x="2387803" y="6775779"/>
-                </a:cubicBezTo>
-                <a:lnTo>
-                  <a:pt x="2259550" y="6858000"/>
-                </a:lnTo>
-                <a:lnTo>
-                  <a:pt x="0" y="6858000"/>
-                </a:lnTo>
-                <a:close/>
-              </a:path>
-            </a:pathLst>
-          </a:custGeom>
-          <a:solidFill>
-            <a:schemeClr val="accent2"/>
-          </a:solidFill>
-          <a:ln>
-            <a:noFill/>
-          </a:ln>
-        </p:spPr>
-        <p:style>
-          <a:lnRef idx="2">
-            <a:schemeClr val="accent1">
-              <a:shade val="50000"/>
-            </a:schemeClr>
-          </a:lnRef>
-          <a:fillRef idx="1">
-            <a:schemeClr val="accent1"/>
-          </a:fillRef>
-          <a:effectRef idx="0">
-            <a:schemeClr val="accent1"/>
-          </a:effectRef>
-          <a:fontRef idx="minor">
-            <a:schemeClr val="lt1"/>
-          </a:fontRef>
-        </p:style>
-        <p:txBody>
-          <a:bodyPr rtlCol="0" anchor="ctr"/>
-          <a:lstStyle/>
-          <a:p>
-            <a:pPr algn="ctr"/>
-            <a:endParaRPr lang="en-US"/>
-          </a:p>
-        </p:txBody>
-      </p:sp>
-      <p:sp>
-        <p:nvSpPr>
-          <p:cNvPr id="2" name="标题 1">
-            <a:extLst>
-              <a:ext uri="{FF2B5EF4-FFF2-40B4-BE49-F238E27FC236}">
-                <a16:creationId xmlns:a16="http://schemas.microsoft.com/office/drawing/2014/main" id="{2E89E984-D541-A5BE-5F0B-89562974F512}"/>
-              </a:ext>
-            </a:extLst>
-          </p:cNvPr>
-          <p:cNvSpPr>
-            <a:spLocks noGrp="1"/>
-          </p:cNvSpPr>
-          <p:nvPr>
-            <p:ph type="title"/>
-          </p:nvPr>
-        </p:nvSpPr>
-        <p:spPr>
-          <a:xfrm>
-            <a:off x="686834" y="1153572"/>
-            <a:ext cx="3200400" cy="4461163"/>
-          </a:xfrm>
-        </p:spPr>
-        <p:txBody>
-          <a:bodyPr>
-            <a:normAutofit/>
-          </a:bodyPr>
-          <a:lstStyle/>
-          <a:p>
-            <a:r>
-              <a:rPr lang="en-US" altLang="zh-TW">
-                <a:solidFill>
-                  <a:srgbClr val="FFFFFF"/>
-                </a:solidFill>
-              </a:rPr>
-              <a:t>Training Objectives</a:t>
-            </a:r>
-            <a:endParaRPr lang="zh-TW" altLang="en-US">
-              <a:solidFill>
-                <a:srgbClr val="FFFFFF"/>
-              </a:solidFill>
-            </a:endParaRPr>
-          </a:p>
-        </p:txBody>
-      </p:sp>
-      <p:sp>
-        <p:nvSpPr>
-          <p:cNvPr id="21" name="Arc 20">
-            <a:extLst>
-              <a:ext uri="{FF2B5EF4-FFF2-40B4-BE49-F238E27FC236}">
-                <a16:creationId xmlns:a16="http://schemas.microsoft.com/office/drawing/2014/main" id="{081E4A58-353D-44AE-B2FC-2A74E2E400F7}"/>
-              </a:ext>
-              <a:ext uri="{C183D7F6-B498-43B3-948B-1728B52AA6E4}">
-                <adec:decorative xmlns:adec="http://schemas.microsoft.com/office/drawing/2017/decorative" val="1"/>
-              </a:ext>
-            </a:extLst>
-          </p:cNvPr>
-          <p:cNvSpPr>
-            <a:spLocks noGrp="1" noRot="1" noChangeAspect="1" noMove="1" noResize="1" noEditPoints="1" noAdjustHandles="1" noChangeArrowheads="1" noChangeShapeType="1" noTextEdit="1"/>
-          </p:cNvSpPr>
-          <p:nvPr>
-            <p:extLst>
-              <p:ext uri="{386F3935-93C4-4BCD-93E2-E3B085C9AB24}">
-                <p16:designElem xmlns:p16="http://schemas.microsoft.com/office/powerpoint/2015/main" val="1"/>
-              </p:ext>
-            </p:extLst>
-          </p:nvPr>
-        </p:nvSpPr>
-        <p:spPr>
-          <a:xfrm flipV="1">
-            <a:off x="7550402" y="2455479"/>
-            <a:ext cx="4083433" cy="4083433"/>
-          </a:xfrm>
-          <a:prstGeom prst="arc">
-            <a:avLst/>
-          </a:prstGeom>
-          <a:ln w="127000" cap="rnd">
-            <a:solidFill>
-              <a:schemeClr val="accent4"/>
-            </a:solidFill>
-            <a:prstDash val="dash"/>
-          </a:ln>
-        </p:spPr>
-        <p:style>
-          <a:lnRef idx="1">
-            <a:schemeClr val="accent1"/>
-          </a:lnRef>
-          <a:fillRef idx="0">
-            <a:schemeClr val="accent1"/>
-          </a:fillRef>
-          <a:effectRef idx="0">
-            <a:schemeClr val="accent1"/>
-          </a:effectRef>
-          <a:fontRef idx="minor">
-            <a:schemeClr val="tx1"/>
-          </a:fontRef>
-        </p:style>
-        <p:txBody>
-          <a:bodyPr rtlCol="0" anchor="ctr"/>
-          <a:lstStyle/>
-          <a:p>
-            <a:pPr algn="ctr"/>
-            <a:endParaRPr lang="en-US" dirty="0"/>
-          </a:p>
-        </p:txBody>
-      </p:sp>
-      <p:sp>
-        <p:nvSpPr>
-          <p:cNvPr id="3" name="内容占位符 2">
-            <a:extLst>
-              <a:ext uri="{FF2B5EF4-FFF2-40B4-BE49-F238E27FC236}">
-                <a16:creationId xmlns:a16="http://schemas.microsoft.com/office/drawing/2014/main" id="{E1030313-A37F-82EC-A727-64311166FB5D}"/>
-              </a:ext>
-            </a:extLst>
-          </p:cNvPr>
-          <p:cNvSpPr>
-            <a:spLocks noGrp="1"/>
-          </p:cNvSpPr>
-          <p:nvPr>
-            <p:ph idx="1"/>
-          </p:nvPr>
-        </p:nvSpPr>
-        <p:spPr>
-          <a:xfrm>
-            <a:off x="4447308" y="591344"/>
-            <a:ext cx="6906491" cy="5585619"/>
-          </a:xfrm>
-        </p:spPr>
-        <p:txBody>
-          <a:bodyPr anchor="ctr">
-            <a:normAutofit/>
-          </a:bodyPr>
-          <a:lstStyle/>
-          <a:p>
-            <a:pPr marL="0" indent="0">
-              <a:buNone/>
-            </a:pPr>
-            <a:r>
-              <a:rPr lang="en-US" altLang="zh-TW" sz="3600" b="1" dirty="0"/>
-              <a:t>Main Objective: </a:t>
-            </a:r>
-          </a:p>
-          <a:p>
-            <a:r>
-              <a:rPr lang="en-US" altLang="zh-TW" dirty="0"/>
-              <a:t>Formally instruct employees on different cyber threats, how to recognize them, and measures to ensure personal and company security.</a:t>
-            </a:r>
-          </a:p>
-          <a:p>
-            <a:pPr marL="0" indent="0">
-              <a:buNone/>
-            </a:pPr>
-            <a:r>
-              <a:rPr lang="en-US" altLang="zh-TW" sz="3600" b="1" dirty="0"/>
-              <a:t>Secondary Objectives:</a:t>
-            </a:r>
-          </a:p>
-          <a:p>
-            <a:r>
-              <a:rPr lang="en-US" altLang="zh-TW" dirty="0"/>
-              <a:t>Educate employees on using antivirus applications</a:t>
-            </a:r>
-          </a:p>
-          <a:p>
-            <a:r>
-              <a:rPr lang="en-US" altLang="zh-TW" dirty="0"/>
-              <a:t>Recognize phishing emails</a:t>
-            </a:r>
-            <a:endParaRPr lang="zh-TW" altLang="en-US" dirty="0"/>
-          </a:p>
-        </p:txBody>
-      </p:sp>
-    </p:spTree>
-    <p:extLst>
-      <p:ext uri="{BB962C8B-B14F-4D97-AF65-F5344CB8AC3E}">
-        <p14:creationId xmlns:p14="http://schemas.microsoft.com/office/powerpoint/2010/main" val="3642482295"/>
-      </p:ext>
-    </p:extLst>
-  </p:cSld>
-  <p:clrMapOvr>
-    <a:masterClrMapping/>
-  </p:clrMapOvr>
-  <mc:AlternateContent xmlns:mc="http://schemas.openxmlformats.org/markup-compatibility/2006" xmlns:p159="http://schemas.microsoft.com/office/powerpoint/2015/09/main">
-    <mc:Choice Requires="p159">
-      <p:transition xmlns:p14="http://schemas.microsoft.com/office/powerpoint/2010/main" spd="slow" p14:dur="2000">
-        <p159:morph option="byObject"/>
-      </p:transition>
-    </mc:Choice>
-    <mc:Fallback xmlns="">
-      <p:transition spd="slow">
-        <p:fade/>
-      </p:transition>
-    </mc:Fallback>
-  </mc:AlternateContent>
-</p:sld>
-</file>
-
-<file path=ppt/slides/slide3.xml><?xml version="1.0" encoding="utf-8"?>
-<p:sld xmlns:a="http://schemas.openxmlformats.org/drawingml/2006/main" xmlns:r="http://schemas.openxmlformats.org/officeDocument/2006/relationships" xmlns:p="http://schemas.openxmlformats.org/presentationml/2006/main">
-  <p:cSld>
-    <p:bg>
-      <p:bgPr>
-        <a:solidFill>
-          <a:schemeClr val="bg1"/>
-        </a:solidFill>
-        <a:effectLst/>
-      </p:bgPr>
-    </p:bg>
-    <p:spTree>
-      <p:nvGrpSpPr>
-        <p:cNvPr id="1" name=""/>
-        <p:cNvGrpSpPr/>
-        <p:nvPr/>
-      </p:nvGrpSpPr>
-      <p:grpSpPr>
-        <a:xfrm>
-          <a:off x="0" y="0"/>
-          <a:ext cx="0" cy="0"/>
-          <a:chOff x="0" y="0"/>
-          <a:chExt cx="0" cy="0"/>
-        </a:xfrm>
-      </p:grpSpPr>
-      <p:sp useBgFill="1">
-        <p:nvSpPr>
-          <p:cNvPr id="15" name="Rectangle 7">
-            <a:extLst>
-              <a:ext uri="{FF2B5EF4-FFF2-40B4-BE49-F238E27FC236}">
-                <a16:creationId xmlns:a16="http://schemas.microsoft.com/office/drawing/2014/main" id="{1C799903-48D5-4A31-A1A2-541072D9771E}"/>
-              </a:ext>
-              <a:ext uri="{C183D7F6-B498-43B3-948B-1728B52AA6E4}">
-                <adec:decorative xmlns:adec="http://schemas.microsoft.com/office/drawing/2017/decorative" val="1"/>
-              </a:ext>
-            </a:extLst>
-          </p:cNvPr>
-          <p:cNvSpPr>
-            <a:spLocks noGrp="1" noRot="1" noChangeAspect="1" noMove="1" noResize="1" noEditPoints="1" noAdjustHandles="1" noChangeArrowheads="1" noChangeShapeType="1" noTextEdit="1"/>
-          </p:cNvSpPr>
-          <p:nvPr>
-            <p:extLst>
-              <p:ext uri="{386F3935-93C4-4BCD-93E2-E3B085C9AB24}">
-                <p16:designElem xmlns:p16="http://schemas.microsoft.com/office/powerpoint/2015/main" val="1"/>
-              </p:ext>
-            </p:extLst>
-          </p:nvPr>
-        </p:nvSpPr>
-        <p:spPr>
-          <a:xfrm>
-            <a:off x="0" y="0"/>
-            <a:ext cx="12192002" cy="6858000"/>
-          </a:xfrm>
-          <a:prstGeom prst="rect">
-            <a:avLst/>
-          </a:prstGeom>
-          <a:ln>
-            <a:noFill/>
-          </a:ln>
-        </p:spPr>
-        <p:style>
-          <a:lnRef idx="2">
-            <a:schemeClr val="accent1">
-              <a:shade val="50000"/>
-            </a:schemeClr>
-          </a:lnRef>
-          <a:fillRef idx="1">
-            <a:schemeClr val="accent1"/>
-          </a:fillRef>
-          <a:effectRef idx="0">
-            <a:schemeClr val="accent1"/>
-          </a:effectRef>
-          <a:fontRef idx="minor">
-            <a:schemeClr val="lt1"/>
-          </a:fontRef>
-        </p:style>
-        <p:txBody>
-          <a:bodyPr rtlCol="0" anchor="ctr"/>
-          <a:lstStyle/>
-          <a:p>
-            <a:pPr algn="ctr"/>
-            <a:endParaRPr lang="en-US"/>
-          </a:p>
-        </p:txBody>
-      </p:sp>
-      <p:sp useBgFill="1">
-        <p:nvSpPr>
-          <p:cNvPr id="16" name="Freeform: Shape 9">
-            <a:extLst>
-              <a:ext uri="{FF2B5EF4-FFF2-40B4-BE49-F238E27FC236}">
-                <a16:creationId xmlns:a16="http://schemas.microsoft.com/office/drawing/2014/main" id="{8EFFF109-FC58-4FD3-BE05-9775A1310F55}"/>
-              </a:ext>
-              <a:ext uri="{C183D7F6-B498-43B3-948B-1728B52AA6E4}">
-                <adec:decorative xmlns:adec="http://schemas.microsoft.com/office/drawing/2017/decorative" val="1"/>
-              </a:ext>
-            </a:extLst>
-          </p:cNvPr>
-          <p:cNvSpPr>
-            <a:spLocks noGrp="1" noRot="1" noChangeAspect="1" noMove="1" noResize="1" noEditPoints="1" noAdjustHandles="1" noChangeArrowheads="1" noChangeShapeType="1" noTextEdit="1"/>
-          </p:cNvSpPr>
-          <p:nvPr>
-            <p:extLst>
-              <p:ext uri="{386F3935-93C4-4BCD-93E2-E3B085C9AB24}">
-                <p16:designElem xmlns:p16="http://schemas.microsoft.com/office/powerpoint/2015/main" val="1"/>
-              </p:ext>
-            </p:extLst>
-          </p:nvPr>
-        </p:nvSpPr>
-        <p:spPr>
-          <a:xfrm>
-            <a:off x="-1" y="0"/>
-            <a:ext cx="4818889" cy="6858000"/>
-          </a:xfrm>
-          <a:custGeom>
-            <a:avLst/>
-            <a:gdLst>
-              <a:gd name="connsiteX0" fmla="*/ 0 w 4818889"/>
-              <a:gd name="connsiteY0" fmla="*/ 0 h 6858000"/>
-              <a:gd name="connsiteX1" fmla="*/ 3605911 w 4818889"/>
-              <a:gd name="connsiteY1" fmla="*/ 0 h 6858000"/>
-              <a:gd name="connsiteX2" fmla="*/ 3668894 w 4818889"/>
-              <a:gd name="connsiteY2" fmla="*/ 69271 h 6858000"/>
-              <a:gd name="connsiteX3" fmla="*/ 4818889 w 4818889"/>
-              <a:gd name="connsiteY3" fmla="*/ 3429000 h 6858000"/>
-              <a:gd name="connsiteX4" fmla="*/ 3668894 w 4818889"/>
-              <a:gd name="connsiteY4" fmla="*/ 6788730 h 6858000"/>
-              <a:gd name="connsiteX5" fmla="*/ 3605911 w 4818889"/>
-              <a:gd name="connsiteY5" fmla="*/ 6858000 h 6858000"/>
-              <a:gd name="connsiteX6" fmla="*/ 0 w 4818889"/>
-              <a:gd name="connsiteY6" fmla="*/ 6858000 h 6858000"/>
-            </a:gdLst>
-            <a:ahLst/>
-            <a:cxnLst>
-              <a:cxn ang="0">
-                <a:pos x="connsiteX0" y="connsiteY0"/>
-              </a:cxn>
-              <a:cxn ang="0">
-                <a:pos x="connsiteX1" y="connsiteY1"/>
-              </a:cxn>
-              <a:cxn ang="0">
-                <a:pos x="connsiteX2" y="connsiteY2"/>
-              </a:cxn>
-              <a:cxn ang="0">
-                <a:pos x="connsiteX3" y="connsiteY3"/>
-              </a:cxn>
-              <a:cxn ang="0">
-                <a:pos x="connsiteX4" y="connsiteY4"/>
-              </a:cxn>
-              <a:cxn ang="0">
-                <a:pos x="connsiteX5" y="connsiteY5"/>
-              </a:cxn>
-              <a:cxn ang="0">
-                <a:pos x="connsiteX6" y="connsiteY6"/>
-              </a:cxn>
-            </a:cxnLst>
-            <a:rect l="l" t="t" r="r" b="b"/>
-            <a:pathLst>
-              <a:path w="4818889" h="6858000">
-                <a:moveTo>
-                  <a:pt x="0" y="0"/>
-                </a:moveTo>
-                <a:lnTo>
-                  <a:pt x="3605911" y="0"/>
-                </a:lnTo>
-                <a:lnTo>
-                  <a:pt x="3668894" y="69271"/>
-                </a:lnTo>
-                <a:cubicBezTo>
-                  <a:pt x="4379420" y="929100"/>
-                  <a:pt x="4818889" y="2116944"/>
-                  <a:pt x="4818889" y="3429000"/>
-                </a:cubicBezTo>
-                <a:cubicBezTo>
-                  <a:pt x="4818889" y="4741056"/>
-                  <a:pt x="4379420" y="5928900"/>
-                  <a:pt x="3668894" y="6788730"/>
-                </a:cubicBezTo>
-                <a:lnTo>
-                  <a:pt x="3605911" y="6858000"/>
-                </a:lnTo>
-                <a:lnTo>
-                  <a:pt x="0" y="6858000"/>
-                </a:lnTo>
-                <a:close/>
-              </a:path>
-            </a:pathLst>
-          </a:custGeom>
-          <a:ln w="9525">
-            <a:solidFill>
-              <a:srgbClr val="E6E6E6"/>
-            </a:solidFill>
-          </a:ln>
-          <a:effectLst>
-            <a:outerShdw blurRad="50800" dist="38100" algn="l" rotWithShape="0">
-              <a:schemeClr val="bg1">
-                <a:lumMod val="85000"/>
-                <a:alpha val="50000"/>
-              </a:schemeClr>
-            </a:outerShdw>
-          </a:effectLst>
-        </p:spPr>
-        <p:style>
-          <a:lnRef idx="2">
-            <a:schemeClr val="accent1">
-              <a:shade val="50000"/>
-            </a:schemeClr>
-          </a:lnRef>
-          <a:fillRef idx="1">
-            <a:schemeClr val="accent1"/>
-          </a:fillRef>
-          <a:effectRef idx="0">
-            <a:schemeClr val="accent1"/>
-          </a:effectRef>
-          <a:fontRef idx="minor">
-            <a:schemeClr val="lt1"/>
-          </a:fontRef>
-        </p:style>
-        <p:txBody>
-          <a:bodyPr wrap="square" rtlCol="0" anchor="ctr">
-            <a:noAutofit/>
-          </a:bodyPr>
-          <a:lstStyle/>
-          <a:p>
-            <a:pPr marL="0" marR="0" lvl="0" indent="0" algn="ctr" defTabSz="914400" rtl="0" eaLnBrk="1" fontAlgn="auto" latinLnBrk="0" hangingPunct="1">
-              <a:lnSpc>
-                <a:spcPct val="100000"/>
-              </a:lnSpc>
-              <a:spcBef>
-                <a:spcPts val="0"/>
-              </a:spcBef>
-              <a:spcAft>
-                <a:spcPts val="0"/>
-              </a:spcAft>
-              <a:buClrTx/>
-              <a:buSzTx/>
-              <a:buFontTx/>
-              <a:buNone/>
-              <a:tabLst/>
-              <a:defRPr/>
-            </a:pPr>
-            <a:endParaRPr kumimoji="0" lang="en-US" sz="1800" b="0" i="0" u="none" strike="noStrike" kern="1200" cap="none" spc="0" normalizeH="0" baseline="0" noProof="0">
-              <a:ln>
-                <a:noFill/>
-              </a:ln>
-              <a:solidFill>
-                <a:prstClr val="white"/>
-              </a:solidFill>
-              <a:effectLst/>
-              <a:uLnTx/>
-              <a:uFillTx/>
-              <a:latin typeface="Calibri" panose="020F0502020204030204"/>
-              <a:ea typeface="+mn-ea"/>
-              <a:cs typeface="+mn-cs"/>
-            </a:endParaRPr>
-          </a:p>
-        </p:txBody>
-      </p:sp>
-      <p:sp useBgFill="1">
-        <p:nvSpPr>
-          <p:cNvPr id="17" name="Freeform: Shape 11">
-            <a:extLst>
-              <a:ext uri="{FF2B5EF4-FFF2-40B4-BE49-F238E27FC236}">
-                <a16:creationId xmlns:a16="http://schemas.microsoft.com/office/drawing/2014/main" id="{E1B96AD6-92A9-4273-A62B-96A1C3E0BA95}"/>
-              </a:ext>
-              <a:ext uri="{C183D7F6-B498-43B3-948B-1728B52AA6E4}">
-                <adec:decorative xmlns:adec="http://schemas.microsoft.com/office/drawing/2017/decorative" val="1"/>
-              </a:ext>
-            </a:extLst>
-          </p:cNvPr>
-          <p:cNvSpPr>
-            <a:spLocks noGrp="1" noRot="1" noChangeAspect="1" noMove="1" noResize="1" noEditPoints="1" noAdjustHandles="1" noChangeArrowheads="1" noChangeShapeType="1" noTextEdit="1"/>
-          </p:cNvSpPr>
-          <p:nvPr>
-            <p:extLst>
-              <p:ext uri="{386F3935-93C4-4BCD-93E2-E3B085C9AB24}">
-                <p16:designElem xmlns:p16="http://schemas.microsoft.com/office/powerpoint/2015/main" val="1"/>
-              </p:ext>
-            </p:extLst>
-          </p:nvPr>
-        </p:nvSpPr>
-        <p:spPr>
-          <a:xfrm>
-            <a:off x="1" y="0"/>
-            <a:ext cx="4811477" cy="6858000"/>
-          </a:xfrm>
-          <a:custGeom>
-            <a:avLst/>
-            <a:gdLst>
-              <a:gd name="connsiteX0" fmla="*/ 0 w 4811477"/>
-              <a:gd name="connsiteY0" fmla="*/ 0 h 6858000"/>
-              <a:gd name="connsiteX1" fmla="*/ 3598499 w 4811477"/>
-              <a:gd name="connsiteY1" fmla="*/ 0 h 6858000"/>
-              <a:gd name="connsiteX2" fmla="*/ 3661482 w 4811477"/>
-              <a:gd name="connsiteY2" fmla="*/ 69271 h 6858000"/>
-              <a:gd name="connsiteX3" fmla="*/ 4811477 w 4811477"/>
-              <a:gd name="connsiteY3" fmla="*/ 3429000 h 6858000"/>
-              <a:gd name="connsiteX4" fmla="*/ 3661482 w 4811477"/>
-              <a:gd name="connsiteY4" fmla="*/ 6788730 h 6858000"/>
-              <a:gd name="connsiteX5" fmla="*/ 3598499 w 4811477"/>
-              <a:gd name="connsiteY5" fmla="*/ 6858000 h 6858000"/>
-              <a:gd name="connsiteX6" fmla="*/ 0 w 4811477"/>
-              <a:gd name="connsiteY6" fmla="*/ 6858000 h 6858000"/>
-            </a:gdLst>
-            <a:ahLst/>
-            <a:cxnLst>
-              <a:cxn ang="0">
-                <a:pos x="connsiteX0" y="connsiteY0"/>
-              </a:cxn>
-              <a:cxn ang="0">
-                <a:pos x="connsiteX1" y="connsiteY1"/>
-              </a:cxn>
-              <a:cxn ang="0">
-                <a:pos x="connsiteX2" y="connsiteY2"/>
-              </a:cxn>
-              <a:cxn ang="0">
-                <a:pos x="connsiteX3" y="connsiteY3"/>
-              </a:cxn>
-              <a:cxn ang="0">
-                <a:pos x="connsiteX4" y="connsiteY4"/>
-              </a:cxn>
-              <a:cxn ang="0">
-                <a:pos x="connsiteX5" y="connsiteY5"/>
-              </a:cxn>
-              <a:cxn ang="0">
-                <a:pos x="connsiteX6" y="connsiteY6"/>
-              </a:cxn>
-            </a:cxnLst>
-            <a:rect l="l" t="t" r="r" b="b"/>
-            <a:pathLst>
-              <a:path w="4811477" h="6858000">
-                <a:moveTo>
-                  <a:pt x="0" y="0"/>
-                </a:moveTo>
-                <a:lnTo>
-                  <a:pt x="3598499" y="0"/>
-                </a:lnTo>
-                <a:lnTo>
-                  <a:pt x="3661482" y="69271"/>
-                </a:lnTo>
-                <a:cubicBezTo>
-                  <a:pt x="4372008" y="929100"/>
-                  <a:pt x="4811477" y="2116944"/>
-                  <a:pt x="4811477" y="3429000"/>
-                </a:cubicBezTo>
-                <a:cubicBezTo>
-                  <a:pt x="4811477" y="4741056"/>
-                  <a:pt x="4372008" y="5928900"/>
-                  <a:pt x="3661482" y="6788730"/>
-                </a:cubicBezTo>
-                <a:lnTo>
-                  <a:pt x="3598499" y="6858000"/>
-                </a:lnTo>
-                <a:lnTo>
-                  <a:pt x="0" y="6858000"/>
-                </a:lnTo>
-                <a:close/>
-              </a:path>
-            </a:pathLst>
-          </a:custGeom>
-          <a:ln w="9525">
-            <a:noFill/>
-          </a:ln>
-          <a:effectLst/>
-        </p:spPr>
-        <p:style>
-          <a:lnRef idx="2">
-            <a:schemeClr val="accent1">
-              <a:shade val="50000"/>
-            </a:schemeClr>
-          </a:lnRef>
-          <a:fillRef idx="1">
-            <a:schemeClr val="accent1"/>
-          </a:fillRef>
-          <a:effectRef idx="0">
-            <a:schemeClr val="accent1"/>
-          </a:effectRef>
-          <a:fontRef idx="minor">
-            <a:schemeClr val="lt1"/>
-          </a:fontRef>
-        </p:style>
-        <p:txBody>
-          <a:bodyPr wrap="square" rtlCol="0" anchor="ctr">
-            <a:noAutofit/>
-          </a:bodyPr>
-          <a:lstStyle/>
-          <a:p>
-            <a:pPr marL="0" marR="0" lvl="0" indent="0" algn="ctr" defTabSz="914400" rtl="0" eaLnBrk="1" fontAlgn="auto" latinLnBrk="0" hangingPunct="1">
-              <a:lnSpc>
-                <a:spcPct val="100000"/>
-              </a:lnSpc>
-              <a:spcBef>
-                <a:spcPts val="0"/>
-              </a:spcBef>
-              <a:spcAft>
-                <a:spcPts val="0"/>
-              </a:spcAft>
-              <a:buClrTx/>
-              <a:buSzTx/>
-              <a:buFontTx/>
-              <a:buNone/>
-              <a:tabLst/>
-              <a:defRPr/>
-            </a:pPr>
-            <a:endParaRPr kumimoji="0" lang="en-US" sz="1800" b="0" i="0" u="none" strike="noStrike" kern="1200" cap="none" spc="0" normalizeH="0" baseline="0" noProof="0">
-              <a:ln>
-                <a:noFill/>
-              </a:ln>
-              <a:solidFill>
-                <a:prstClr val="white"/>
-              </a:solidFill>
-              <a:effectLst/>
-              <a:uLnTx/>
-              <a:uFillTx/>
-              <a:latin typeface="Calibri" panose="020F0502020204030204"/>
-              <a:ea typeface="+mn-ea"/>
-              <a:cs typeface="+mn-cs"/>
-            </a:endParaRPr>
-          </a:p>
-        </p:txBody>
-      </p:sp>
-      <p:sp>
-        <p:nvSpPr>
-          <p:cNvPr id="2" name="标题 1">
-            <a:extLst>
-              <a:ext uri="{FF2B5EF4-FFF2-40B4-BE49-F238E27FC236}">
-                <a16:creationId xmlns:a16="http://schemas.microsoft.com/office/drawing/2014/main" id="{F7604C25-E7A9-4638-AC37-00C795447BD7}"/>
-              </a:ext>
-            </a:extLst>
-          </p:cNvPr>
-          <p:cNvSpPr>
-            <a:spLocks noGrp="1"/>
-          </p:cNvSpPr>
-          <p:nvPr>
-            <p:ph type="title"/>
-          </p:nvPr>
-        </p:nvSpPr>
-        <p:spPr>
-          <a:xfrm>
-            <a:off x="621792" y="1161288"/>
-            <a:ext cx="3602736" cy="4526280"/>
-          </a:xfrm>
-        </p:spPr>
-        <p:txBody>
-          <a:bodyPr>
-            <a:normAutofit/>
-          </a:bodyPr>
-          <a:lstStyle/>
-          <a:p>
-            <a:r>
-              <a:rPr lang="en-US" altLang="zh-TW" sz="4000"/>
-              <a:t>Training Methods</a:t>
-            </a:r>
-            <a:endParaRPr lang="zh-TW" altLang="en-US" sz="4000"/>
-          </a:p>
-        </p:txBody>
-      </p:sp>
-      <p:sp>
-        <p:nvSpPr>
-          <p:cNvPr id="14" name="Rectangle 13">
-            <a:extLst>
-              <a:ext uri="{FF2B5EF4-FFF2-40B4-BE49-F238E27FC236}">
-                <a16:creationId xmlns:a16="http://schemas.microsoft.com/office/drawing/2014/main" id="{463EEC44-1BA3-44ED-81FC-A644B04B2A44}"/>
-              </a:ext>
-              <a:ext uri="{C183D7F6-B498-43B3-948B-1728B52AA6E4}">
-                <adec:decorative xmlns:adec="http://schemas.microsoft.com/office/drawing/2017/decorative" val="1"/>
-              </a:ext>
-            </a:extLst>
-          </p:cNvPr>
-          <p:cNvSpPr>
-            <a:spLocks noGrp="1" noRot="1" noChangeAspect="1" noMove="1" noResize="1" noEditPoints="1" noAdjustHandles="1" noChangeArrowheads="1" noChangeShapeType="1" noTextEdit="1"/>
-          </p:cNvSpPr>
-          <p:nvPr>
-            <p:extLst>
-              <p:ext uri="{386F3935-93C4-4BCD-93E2-E3B085C9AB24}">
-                <p16:designElem xmlns:p16="http://schemas.microsoft.com/office/powerpoint/2015/main" val="1"/>
-              </p:ext>
-            </p:extLst>
-          </p:nvPr>
-        </p:nvSpPr>
-        <p:spPr>
-          <a:xfrm>
-            <a:off x="0" y="3102049"/>
-            <a:ext cx="128016" cy="653903"/>
-          </a:xfrm>
-          <a:prstGeom prst="rect">
-            <a:avLst/>
-          </a:prstGeom>
-          <a:solidFill>
-            <a:schemeClr val="accent2"/>
-          </a:solidFill>
-          <a:ln>
-            <a:noFill/>
-          </a:ln>
-        </p:spPr>
-        <p:style>
-          <a:lnRef idx="2">
-            <a:schemeClr val="accent1">
-              <a:shade val="50000"/>
-            </a:schemeClr>
-          </a:lnRef>
-          <a:fillRef idx="1">
-            <a:schemeClr val="accent1"/>
-          </a:fillRef>
-          <a:effectRef idx="0">
-            <a:schemeClr val="accent1"/>
-          </a:effectRef>
-          <a:fontRef idx="minor">
-            <a:schemeClr val="lt1"/>
-          </a:fontRef>
-        </p:style>
-        <p:txBody>
-          <a:bodyPr rtlCol="0" anchor="ctr"/>
-          <a:lstStyle/>
-          <a:p>
-            <a:pPr algn="ctr"/>
-            <a:endParaRPr lang="en-US">
-              <a:solidFill>
-                <a:prstClr val="white"/>
-              </a:solidFill>
-              <a:latin typeface="Calibri" panose="020F0502020204030204"/>
-            </a:endParaRPr>
-          </a:p>
-        </p:txBody>
-      </p:sp>
-      <p:sp>
-        <p:nvSpPr>
-          <p:cNvPr id="3" name="内容占位符 2">
-            <a:extLst>
-              <a:ext uri="{FF2B5EF4-FFF2-40B4-BE49-F238E27FC236}">
-                <a16:creationId xmlns:a16="http://schemas.microsoft.com/office/drawing/2014/main" id="{7A307D16-A5E3-2972-DB8E-D7A394AABCC3}"/>
-              </a:ext>
-            </a:extLst>
-          </p:cNvPr>
-          <p:cNvSpPr>
-            <a:spLocks noGrp="1"/>
-          </p:cNvSpPr>
-          <p:nvPr>
-            <p:ph idx="1"/>
-          </p:nvPr>
-        </p:nvSpPr>
-        <p:spPr>
-          <a:xfrm>
-            <a:off x="5434149" y="932688"/>
-            <a:ext cx="5916603" cy="4992624"/>
-          </a:xfrm>
-        </p:spPr>
-        <p:txBody>
-          <a:bodyPr anchor="ctr">
-            <a:normAutofit/>
-          </a:bodyPr>
-          <a:lstStyle/>
-          <a:p>
-            <a:r>
-              <a:rPr lang="en-US" altLang="zh-TW" sz="2000" dirty="0"/>
-              <a:t>Demonstration</a:t>
-            </a:r>
-          </a:p>
-          <a:p>
-            <a:r>
-              <a:rPr lang="en-US" altLang="zh-TW" sz="2000" dirty="0"/>
-              <a:t>Explanation</a:t>
-            </a:r>
-          </a:p>
-          <a:p>
-            <a:r>
-              <a:rPr lang="en-US" altLang="zh-TW" sz="2000" dirty="0"/>
-              <a:t>Showing Videos</a:t>
-            </a:r>
-          </a:p>
-          <a:p>
-            <a:r>
-              <a:rPr lang="en-US" altLang="zh-TW" sz="2000" dirty="0"/>
-              <a:t>Providing Examples</a:t>
-            </a:r>
-          </a:p>
-          <a:p>
-            <a:r>
-              <a:rPr lang="en-US" altLang="zh-TW" sz="2000" dirty="0"/>
-              <a:t>Research and Discussion</a:t>
-            </a:r>
-            <a:endParaRPr lang="zh-TW" altLang="en-US" sz="2000" dirty="0"/>
-          </a:p>
-        </p:txBody>
-      </p:sp>
-    </p:spTree>
-    <p:extLst>
-      <p:ext uri="{BB962C8B-B14F-4D97-AF65-F5344CB8AC3E}">
-        <p14:creationId xmlns:p14="http://schemas.microsoft.com/office/powerpoint/2010/main" val="1818999403"/>
-      </p:ext>
-    </p:extLst>
-  </p:cSld>
-  <p:clrMapOvr>
-    <a:masterClrMapping/>
-  </p:clrMapOvr>
-  <mc:AlternateContent xmlns:mc="http://schemas.openxmlformats.org/markup-compatibility/2006" xmlns:p159="http://schemas.microsoft.com/office/powerpoint/2015/09/main">
-    <mc:Choice Requires="p159">
-      <p:transition xmlns:p14="http://schemas.microsoft.com/office/powerpoint/2010/main" spd="slow" p14:dur="2000">
-        <p159:morph option="byObject"/>
-      </p:transition>
-    </mc:Choice>
-    <mc:Fallback xmlns="">
-      <p:transition spd="slow">
-        <p:fade/>
-      </p:transition>
-    </mc:Fallback>
-  </mc:AlternateContent>
-</p:sld>
-</file>
-
-<file path=ppt/slides/slide4.xml><?xml version="1.0" encoding="utf-8"?>
-<p:sld xmlns:a="http://schemas.openxmlformats.org/drawingml/2006/main" xmlns:r="http://schemas.openxmlformats.org/officeDocument/2006/relationships" xmlns:p="http://schemas.openxmlformats.org/presentationml/2006/main">
-  <p:cSld>
-    <p:bg>
-      <p:bgPr>
-        <a:solidFill>
-          <a:schemeClr val="bg1"/>
-        </a:solidFill>
-        <a:effectLst/>
-      </p:bgPr>
-    </p:bg>
-    <p:spTree>
-      <p:nvGrpSpPr>
-        <p:cNvPr id="1" name=""/>
-        <p:cNvGrpSpPr/>
-        <p:nvPr/>
-      </p:nvGrpSpPr>
-      <p:grpSpPr>
-        <a:xfrm>
-          <a:off x="0" y="0"/>
-          <a:ext cx="0" cy="0"/>
-          <a:chOff x="0" y="0"/>
-          <a:chExt cx="0" cy="0"/>
-        </a:xfrm>
-      </p:grpSpPr>
-      <p:sp useBgFill="1">
-        <p:nvSpPr>
-          <p:cNvPr id="8" name="Rectangle 7">
-            <a:extLst>
-              <a:ext uri="{FF2B5EF4-FFF2-40B4-BE49-F238E27FC236}">
-                <a16:creationId xmlns:a16="http://schemas.microsoft.com/office/drawing/2014/main" id="{C2554CA6-288E-4202-BC52-2E5A8F0C0AED}"/>
-              </a:ext>
-              <a:ext uri="{C183D7F6-B498-43B3-948B-1728B52AA6E4}">
-                <adec:decorative xmlns:adec="http://schemas.microsoft.com/office/drawing/2017/decorative" val="1"/>
-              </a:ext>
-            </a:extLst>
-          </p:cNvPr>
-          <p:cNvSpPr>
-            <a:spLocks noGrp="1" noRot="1" noChangeAspect="1" noMove="1" noResize="1" noEditPoints="1" noAdjustHandles="1" noChangeArrowheads="1" noChangeShapeType="1" noTextEdit="1"/>
-          </p:cNvSpPr>
-          <p:nvPr>
-            <p:extLst>
-              <p:ext uri="{386F3935-93C4-4BCD-93E2-E3B085C9AB24}">
-                <p16:designElem xmlns:p16="http://schemas.microsoft.com/office/powerpoint/2015/main" val="1"/>
-              </p:ext>
-            </p:extLst>
-          </p:nvPr>
-        </p:nvSpPr>
-        <p:spPr>
-          <a:xfrm>
-            <a:off x="3048" y="0"/>
-            <a:ext cx="12188952" cy="6858000"/>
-          </a:xfrm>
-          <a:prstGeom prst="rect">
-            <a:avLst/>
-          </a:prstGeom>
-          <a:ln>
-            <a:noFill/>
-          </a:ln>
-        </p:spPr>
-        <p:style>
-          <a:lnRef idx="2">
-            <a:schemeClr val="accent1">
-              <a:shade val="50000"/>
-            </a:schemeClr>
-          </a:lnRef>
-          <a:fillRef idx="1">
-            <a:schemeClr val="accent1"/>
-          </a:fillRef>
-          <a:effectRef idx="0">
-            <a:schemeClr val="accent1"/>
-          </a:effectRef>
-          <a:fontRef idx="minor">
-            <a:schemeClr val="lt1"/>
-          </a:fontRef>
-        </p:style>
-        <p:txBody>
-          <a:bodyPr rtlCol="0" anchor="ctr"/>
-          <a:lstStyle/>
-          <a:p>
-            <a:pPr algn="ctr"/>
-            <a:endParaRPr lang="en-US"/>
-          </a:p>
-        </p:txBody>
-      </p:sp>
-      <p:sp>
-        <p:nvSpPr>
-          <p:cNvPr id="10" name="Oval 9">
-            <a:extLst>
-              <a:ext uri="{FF2B5EF4-FFF2-40B4-BE49-F238E27FC236}">
-                <a16:creationId xmlns:a16="http://schemas.microsoft.com/office/drawing/2014/main" id="{B10BB131-AC8E-4A8E-A5D1-36260F720C3B}"/>
-              </a:ext>
-              <a:ext uri="{C183D7F6-B498-43B3-948B-1728B52AA6E4}">
-                <adec:decorative xmlns:adec="http://schemas.microsoft.com/office/drawing/2017/decorative" val="1"/>
-              </a:ext>
-            </a:extLst>
-          </p:cNvPr>
-          <p:cNvSpPr>
-            <a:spLocks noGrp="1" noRot="1" noChangeAspect="1" noMove="1" noResize="1" noEditPoints="1" noAdjustHandles="1" noChangeArrowheads="1" noChangeShapeType="1" noTextEdit="1"/>
-          </p:cNvSpPr>
-          <p:nvPr>
-            <p:extLst>
-              <p:ext uri="{386F3935-93C4-4BCD-93E2-E3B085C9AB24}">
-                <p16:designElem xmlns:p16="http://schemas.microsoft.com/office/powerpoint/2015/main" val="1"/>
-              </p:ext>
-            </p:extLst>
-          </p:nvPr>
-        </p:nvSpPr>
-        <p:spPr>
-          <a:xfrm>
-            <a:off x="489189" y="1119031"/>
-            <a:ext cx="4619938" cy="4619938"/>
-          </a:xfrm>
-          <a:prstGeom prst="ellipse">
-            <a:avLst/>
-          </a:prstGeom>
-          <a:solidFill>
-            <a:schemeClr val="accent2"/>
-          </a:solidFill>
-          <a:ln>
-            <a:noFill/>
-          </a:ln>
-        </p:spPr>
-        <p:style>
-          <a:lnRef idx="2">
-            <a:schemeClr val="accent1">
-              <a:shade val="50000"/>
-            </a:schemeClr>
-          </a:lnRef>
-          <a:fillRef idx="1">
-            <a:schemeClr val="accent1"/>
-          </a:fillRef>
-          <a:effectRef idx="0">
-            <a:schemeClr val="accent1"/>
-          </a:effectRef>
-          <a:fontRef idx="minor">
-            <a:schemeClr val="lt1"/>
-          </a:fontRef>
-        </p:style>
-        <p:txBody>
-          <a:bodyPr rtlCol="0" anchor="ctr"/>
-          <a:lstStyle/>
-          <a:p>
-            <a:pPr algn="ctr"/>
-            <a:endParaRPr lang="en-US"/>
-          </a:p>
-        </p:txBody>
-      </p:sp>
-      <p:sp>
-        <p:nvSpPr>
-          <p:cNvPr id="2" name="标题 1">
-            <a:extLst>
-              <a:ext uri="{FF2B5EF4-FFF2-40B4-BE49-F238E27FC236}">
-                <a16:creationId xmlns:a16="http://schemas.microsoft.com/office/drawing/2014/main" id="{C81B6942-82CB-409A-8222-B7FDF70AD9D1}"/>
-              </a:ext>
-            </a:extLst>
-          </p:cNvPr>
-          <p:cNvSpPr>
-            <a:spLocks noGrp="1"/>
-          </p:cNvSpPr>
-          <p:nvPr>
-            <p:ph type="title"/>
-          </p:nvPr>
-        </p:nvSpPr>
-        <p:spPr>
-          <a:xfrm>
-            <a:off x="1171074" y="1396686"/>
-            <a:ext cx="3240506" cy="4064628"/>
-          </a:xfrm>
-        </p:spPr>
-        <p:txBody>
-          <a:bodyPr>
-            <a:normAutofit/>
-          </a:bodyPr>
-          <a:lstStyle/>
-          <a:p>
-            <a:r>
-              <a:rPr lang="en-US" altLang="zh-TW">
-                <a:solidFill>
-                  <a:srgbClr val="FFFFFF"/>
-                </a:solidFill>
-              </a:rPr>
-              <a:t>Simulated Training Methods</a:t>
-            </a:r>
-            <a:endParaRPr lang="zh-TW" altLang="en-US">
-              <a:solidFill>
-                <a:srgbClr val="FFFFFF"/>
-              </a:solidFill>
-            </a:endParaRPr>
-          </a:p>
-        </p:txBody>
-      </p:sp>
-      <p:sp>
-        <p:nvSpPr>
-          <p:cNvPr id="12" name="Arc 11">
-            <a:extLst>
-              <a:ext uri="{FF2B5EF4-FFF2-40B4-BE49-F238E27FC236}">
-                <a16:creationId xmlns:a16="http://schemas.microsoft.com/office/drawing/2014/main" id="{5B7778FC-632E-4DCA-A7CB-0D7731CCF970}"/>
-              </a:ext>
-              <a:ext uri="{C183D7F6-B498-43B3-948B-1728B52AA6E4}">
-                <adec:decorative xmlns:adec="http://schemas.microsoft.com/office/drawing/2017/decorative" val="1"/>
-              </a:ext>
-            </a:extLst>
-          </p:cNvPr>
-          <p:cNvSpPr>
-            <a:spLocks noGrp="1" noRot="1" noChangeAspect="1" noMove="1" noResize="1" noEditPoints="1" noAdjustHandles="1" noChangeArrowheads="1" noChangeShapeType="1" noTextEdit="1"/>
-          </p:cNvSpPr>
-          <p:nvPr>
-            <p:extLst>
-              <p:ext uri="{386F3935-93C4-4BCD-93E2-E3B085C9AB24}">
-                <p16:designElem xmlns:p16="http://schemas.microsoft.com/office/powerpoint/2015/main" val="1"/>
-              </p:ext>
-            </p:extLst>
-          </p:nvPr>
-        </p:nvSpPr>
-        <p:spPr>
-          <a:xfrm rot="19809111">
-            <a:off x="8683720" y="941148"/>
-            <a:ext cx="2987899" cy="2987899"/>
-          </a:xfrm>
-          <a:prstGeom prst="arc">
-            <a:avLst>
-              <a:gd name="adj1" fmla="val 15817365"/>
-              <a:gd name="adj2" fmla="val 1781380"/>
-            </a:avLst>
-          </a:prstGeom>
-          <a:ln w="127000" cap="rnd">
-            <a:solidFill>
-              <a:schemeClr val="accent4"/>
-            </a:solidFill>
-            <a:prstDash val="dash"/>
-            <a:miter lim="800000"/>
-          </a:ln>
-        </p:spPr>
-        <p:style>
-          <a:lnRef idx="1">
-            <a:schemeClr val="accent1"/>
-          </a:lnRef>
-          <a:fillRef idx="0">
-            <a:schemeClr val="accent1"/>
-          </a:fillRef>
-          <a:effectRef idx="0">
-            <a:schemeClr val="accent1"/>
-          </a:effectRef>
-          <a:fontRef idx="minor">
-            <a:schemeClr val="tx1"/>
-          </a:fontRef>
-        </p:style>
-        <p:txBody>
-          <a:bodyPr rtlCol="0" anchor="ctr"/>
-          <a:lstStyle/>
-          <a:p>
-            <a:pPr marL="0" marR="0" lvl="0" indent="0" algn="ctr" defTabSz="914400" rtl="0" eaLnBrk="1" fontAlgn="auto" latinLnBrk="0" hangingPunct="1">
-              <a:lnSpc>
-                <a:spcPct val="100000"/>
-              </a:lnSpc>
-              <a:spcBef>
-                <a:spcPts val="0"/>
-              </a:spcBef>
-              <a:spcAft>
-                <a:spcPts val="0"/>
-              </a:spcAft>
-              <a:buClrTx/>
-              <a:buSzTx/>
-              <a:buFontTx/>
-              <a:buNone/>
-              <a:tabLst/>
-              <a:defRPr/>
-            </a:pPr>
-            <a:endParaRPr kumimoji="0" lang="en-US" sz="1800" b="0" i="0" u="none" strike="noStrike" kern="1200" cap="none" spc="0" normalizeH="0" baseline="0" noProof="0">
-              <a:ln>
-                <a:noFill/>
-              </a:ln>
-              <a:solidFill>
-                <a:srgbClr val="000000"/>
-              </a:solidFill>
-              <a:effectLst/>
-              <a:uLnTx/>
-              <a:uFillTx/>
-              <a:latin typeface="Calibri" panose="020F0502020204030204"/>
-              <a:ea typeface="+mn-ea"/>
-              <a:cs typeface="+mn-cs"/>
-            </a:endParaRPr>
-          </a:p>
-        </p:txBody>
-      </p:sp>
-      <p:sp>
-        <p:nvSpPr>
-          <p:cNvPr id="14" name="Oval 13">
-            <a:extLst>
-              <a:ext uri="{FF2B5EF4-FFF2-40B4-BE49-F238E27FC236}">
-                <a16:creationId xmlns:a16="http://schemas.microsoft.com/office/drawing/2014/main" id="{FA23A907-97FB-4A8F-880A-DD77401C4296}"/>
-              </a:ext>
-              <a:ext uri="{C183D7F6-B498-43B3-948B-1728B52AA6E4}">
-                <adec:decorative xmlns:adec="http://schemas.microsoft.com/office/drawing/2017/decorative" val="1"/>
-              </a:ext>
-            </a:extLst>
-          </p:cNvPr>
-          <p:cNvSpPr>
-            <a:spLocks noGrp="1" noRot="1" noChangeAspect="1" noMove="1" noResize="1" noEditPoints="1" noAdjustHandles="1" noChangeArrowheads="1" noChangeShapeType="1" noTextEdit="1"/>
-          </p:cNvSpPr>
-          <p:nvPr>
-            <p:extLst>
-              <p:ext uri="{386F3935-93C4-4BCD-93E2-E3B085C9AB24}">
-                <p16:designElem xmlns:p16="http://schemas.microsoft.com/office/powerpoint/2015/main" val="1"/>
-              </p:ext>
-            </p:extLst>
-          </p:nvPr>
-        </p:nvSpPr>
-        <p:spPr>
-          <a:xfrm>
-            <a:off x="910048" y="4780992"/>
-            <a:ext cx="546100" cy="546100"/>
-          </a:xfrm>
-          <a:prstGeom prst="ellipse">
-            <a:avLst/>
-          </a:prstGeom>
-          <a:solidFill>
-            <a:schemeClr val="accent5"/>
-          </a:solidFill>
-          <a:ln>
-            <a:noFill/>
-          </a:ln>
-        </p:spPr>
-        <p:style>
-          <a:lnRef idx="2">
-            <a:schemeClr val="accent1">
-              <a:shade val="50000"/>
-            </a:schemeClr>
-          </a:lnRef>
-          <a:fillRef idx="1">
-            <a:schemeClr val="accent1"/>
-          </a:fillRef>
-          <a:effectRef idx="0">
-            <a:schemeClr val="accent1"/>
-          </a:effectRef>
-          <a:fontRef idx="minor">
-            <a:schemeClr val="lt1"/>
-          </a:fontRef>
-        </p:style>
-        <p:txBody>
-          <a:bodyPr rtlCol="0" anchor="ctr"/>
-          <a:lstStyle/>
-          <a:p>
-            <a:pPr marL="0" marR="0" lvl="0" indent="0" algn="ctr" defTabSz="914400" rtl="0" eaLnBrk="1" fontAlgn="auto" latinLnBrk="0" hangingPunct="1">
-              <a:lnSpc>
-                <a:spcPct val="100000"/>
-              </a:lnSpc>
-              <a:spcBef>
-                <a:spcPts val="0"/>
-              </a:spcBef>
-              <a:spcAft>
-                <a:spcPts val="0"/>
-              </a:spcAft>
-              <a:buClrTx/>
-              <a:buSzTx/>
-              <a:buFontTx/>
-              <a:buNone/>
-              <a:tabLst/>
-              <a:defRPr/>
-            </a:pPr>
-            <a:endParaRPr kumimoji="0" lang="en-US" sz="1800" b="0" i="0" u="none" strike="noStrike" kern="1200" cap="none" spc="0" normalizeH="0" baseline="0" noProof="0">
-              <a:ln>
-                <a:noFill/>
-              </a:ln>
-              <a:solidFill>
-                <a:srgbClr val="FFFFFF"/>
-              </a:solidFill>
-              <a:effectLst/>
-              <a:uLnTx/>
-              <a:uFillTx/>
-              <a:latin typeface="Calibri" panose="020F0502020204030204"/>
-              <a:ea typeface="+mn-ea"/>
-              <a:cs typeface="+mn-cs"/>
-            </a:endParaRPr>
-          </a:p>
-        </p:txBody>
-      </p:sp>
-      <p:sp>
-        <p:nvSpPr>
-          <p:cNvPr id="3" name="内容占位符 2">
-            <a:extLst>
-              <a:ext uri="{FF2B5EF4-FFF2-40B4-BE49-F238E27FC236}">
-                <a16:creationId xmlns:a16="http://schemas.microsoft.com/office/drawing/2014/main" id="{0996B5A7-27D8-5EBB-0441-23320B4DACEB}"/>
-              </a:ext>
-            </a:extLst>
-          </p:cNvPr>
-          <p:cNvSpPr>
-            <a:spLocks noGrp="1"/>
-          </p:cNvSpPr>
-          <p:nvPr>
-            <p:ph idx="1"/>
-          </p:nvPr>
-        </p:nvSpPr>
-        <p:spPr>
-          <a:xfrm>
-            <a:off x="5370153" y="1526033"/>
-            <a:ext cx="5536397" cy="3935281"/>
-          </a:xfrm>
-        </p:spPr>
-        <p:txBody>
-          <a:bodyPr>
-            <a:normAutofit/>
-          </a:bodyPr>
-          <a:lstStyle/>
-          <a:p>
-            <a:r>
-              <a:rPr lang="en-US" altLang="zh-TW" dirty="0"/>
-              <a:t>Platforms and Tools:</a:t>
-            </a:r>
-          </a:p>
-          <a:p>
-            <a:r>
-              <a:rPr lang="en-US" altLang="zh-TW" dirty="0"/>
-              <a:t>Metasploit</a:t>
-            </a:r>
-          </a:p>
-          <a:p>
-            <a:r>
-              <a:rPr lang="en-US" altLang="zh-TW" dirty="0"/>
-              <a:t>Kali Linux</a:t>
-            </a:r>
-          </a:p>
-          <a:p>
-            <a:r>
-              <a:rPr lang="en-US" altLang="zh-TW" dirty="0"/>
-              <a:t>Zoom Meetings</a:t>
-            </a:r>
-          </a:p>
-          <a:p>
-            <a:r>
-              <a:rPr lang="en-US" altLang="zh-TW" dirty="0"/>
-              <a:t>Windows Security Firewalls</a:t>
-            </a:r>
-          </a:p>
-          <a:p>
-            <a:r>
-              <a:rPr lang="en-US" altLang="zh-TW" dirty="0"/>
-              <a:t>Malware Protection Tools</a:t>
-            </a:r>
-            <a:endParaRPr lang="zh-TW" altLang="en-US" dirty="0"/>
-          </a:p>
-        </p:txBody>
-      </p:sp>
-    </p:spTree>
-    <p:extLst>
-      <p:ext uri="{BB962C8B-B14F-4D97-AF65-F5344CB8AC3E}">
-        <p14:creationId xmlns:p14="http://schemas.microsoft.com/office/powerpoint/2010/main" val="476765763"/>
-      </p:ext>
-    </p:extLst>
-  </p:cSld>
-  <p:clrMapOvr>
-    <a:masterClrMapping/>
-  </p:clrMapOvr>
-  <mc:AlternateContent xmlns:mc="http://schemas.openxmlformats.org/markup-compatibility/2006" xmlns:p159="http://schemas.microsoft.com/office/powerpoint/2015/09/main">
-    <mc:Choice Requires="p159">
-      <p:transition xmlns:p14="http://schemas.microsoft.com/office/powerpoint/2010/main" spd="slow" p14:dur="2000">
-        <p159:morph option="byObject"/>
-      </p:transition>
-    </mc:Choice>
-    <mc:Fallback xmlns="">
-      <p:transition spd="slow">
-        <p:fade/>
-      </p:transition>
-    </mc:Fallback>
-  </mc:AlternateContent>
-</p:sld>
-</file>
-
-<file path=ppt/slides/slide5.xml><?xml version="1.0" encoding="utf-8"?>
-<p:sld xmlns:a="http://schemas.openxmlformats.org/drawingml/2006/main" xmlns:r="http://schemas.openxmlformats.org/officeDocument/2006/relationships" xmlns:p="http://schemas.openxmlformats.org/presentationml/2006/main">
-  <p:cSld>
-    <p:bg>
-      <p:bgPr>
-        <a:solidFill>
-          <a:schemeClr val="bg1"/>
-        </a:solidFill>
-        <a:effectLst/>
-      </p:bgPr>
-    </p:bg>
-    <p:spTree>
-      <p:nvGrpSpPr>
-        <p:cNvPr id="1" name=""/>
-        <p:cNvGrpSpPr/>
-        <p:nvPr/>
-      </p:nvGrpSpPr>
-      <p:grpSpPr>
-        <a:xfrm>
-          <a:off x="0" y="0"/>
-          <a:ext cx="0" cy="0"/>
-          <a:chOff x="0" y="0"/>
-          <a:chExt cx="0" cy="0"/>
-        </a:xfrm>
-      </p:grpSpPr>
-      <p:sp useBgFill="1">
-        <p:nvSpPr>
-          <p:cNvPr id="23" name="Rectangle 22">
-            <a:extLst>
-              <a:ext uri="{FF2B5EF4-FFF2-40B4-BE49-F238E27FC236}">
-                <a16:creationId xmlns:a16="http://schemas.microsoft.com/office/drawing/2014/main" id="{74751229-0244-4FBB-BED1-407467F4C951}"/>
-              </a:ext>
-              <a:ext uri="{C183D7F6-B498-43B3-948B-1728B52AA6E4}">
-                <adec:decorative xmlns:adec="http://schemas.microsoft.com/office/drawing/2017/decorative" val="1"/>
-              </a:ext>
-            </a:extLst>
-          </p:cNvPr>
-          <p:cNvSpPr>
-            <a:spLocks noGrp="1" noRot="1" noChangeAspect="1" noMove="1" noResize="1" noEditPoints="1" noAdjustHandles="1" noChangeArrowheads="1" noChangeShapeType="1" noTextEdit="1"/>
-          </p:cNvSpPr>
-          <p:nvPr>
-            <p:extLst>
-              <p:ext uri="{386F3935-93C4-4BCD-93E2-E3B085C9AB24}">
-                <p16:designElem xmlns:p16="http://schemas.microsoft.com/office/powerpoint/2015/main" val="1"/>
-              </p:ext>
-            </p:extLst>
-          </p:nvPr>
-        </p:nvSpPr>
-        <p:spPr>
-          <a:xfrm>
-            <a:off x="0" y="0"/>
-            <a:ext cx="12188952" cy="6858000"/>
-          </a:xfrm>
-          <a:prstGeom prst="rect">
-            <a:avLst/>
-          </a:prstGeom>
-          <a:ln>
-            <a:noFill/>
-          </a:ln>
-        </p:spPr>
-        <p:style>
-          <a:lnRef idx="2">
-            <a:schemeClr val="accent1">
-              <a:shade val="50000"/>
-            </a:schemeClr>
-          </a:lnRef>
-          <a:fillRef idx="1">
-            <a:schemeClr val="accent1"/>
-          </a:fillRef>
-          <a:effectRef idx="0">
-            <a:schemeClr val="accent1"/>
-          </a:effectRef>
-          <a:fontRef idx="minor">
-            <a:schemeClr val="lt1"/>
-          </a:fontRef>
-        </p:style>
-        <p:txBody>
-          <a:bodyPr rtlCol="0" anchor="ctr"/>
-          <a:lstStyle/>
-          <a:p>
-            <a:pPr algn="ctr"/>
-            <a:endParaRPr lang="en-US"/>
-          </a:p>
-        </p:txBody>
-      </p:sp>
-      <p:sp>
-        <p:nvSpPr>
-          <p:cNvPr id="2" name="标题 1">
-            <a:extLst>
-              <a:ext uri="{FF2B5EF4-FFF2-40B4-BE49-F238E27FC236}">
-                <a16:creationId xmlns:a16="http://schemas.microsoft.com/office/drawing/2014/main" id="{C26D0DE3-9E79-ECB2-8A6F-5BCBD0A10F16}"/>
-              </a:ext>
-            </a:extLst>
-          </p:cNvPr>
-          <p:cNvSpPr>
-            <a:spLocks noGrp="1"/>
-          </p:cNvSpPr>
-          <p:nvPr>
-            <p:ph type="title"/>
-          </p:nvPr>
-        </p:nvSpPr>
-        <p:spPr>
-          <a:xfrm>
-            <a:off x="2197101" y="735283"/>
-            <a:ext cx="4978399" cy="3165045"/>
-          </a:xfrm>
-        </p:spPr>
-        <p:txBody>
-          <a:bodyPr vert="horz" lIns="91440" tIns="45720" rIns="91440" bIns="45720" rtlCol="0" anchor="b">
-            <a:normAutofit/>
-          </a:bodyPr>
-          <a:lstStyle/>
-          <a:p>
-            <a:r>
-              <a:rPr lang="en-US" altLang="zh-TW" sz="5200" kern="1200">
-                <a:solidFill>
-                  <a:schemeClr val="tx1"/>
-                </a:solidFill>
-                <a:latin typeface="+mj-lt"/>
-                <a:ea typeface="+mj-ea"/>
-                <a:cs typeface="+mj-cs"/>
-              </a:rPr>
-              <a:t>Training Location</a:t>
-            </a:r>
-          </a:p>
-        </p:txBody>
-      </p:sp>
-      <p:sp>
-        <p:nvSpPr>
-          <p:cNvPr id="3" name="内容占位符 2">
-            <a:extLst>
-              <a:ext uri="{FF2B5EF4-FFF2-40B4-BE49-F238E27FC236}">
-                <a16:creationId xmlns:a16="http://schemas.microsoft.com/office/drawing/2014/main" id="{E46C1427-555A-7B34-41C3-20BB9AD2375E}"/>
-              </a:ext>
-            </a:extLst>
-          </p:cNvPr>
-          <p:cNvSpPr>
-            <a:spLocks noGrp="1"/>
-          </p:cNvSpPr>
-          <p:nvPr>
-            <p:ph idx="1"/>
-          </p:nvPr>
-        </p:nvSpPr>
-        <p:spPr>
-          <a:xfrm>
-            <a:off x="2197101" y="4078423"/>
-            <a:ext cx="4978399" cy="2058657"/>
-          </a:xfrm>
-        </p:spPr>
-        <p:txBody>
-          <a:bodyPr vert="horz" lIns="91440" tIns="45720" rIns="91440" bIns="45720" rtlCol="0">
-            <a:normAutofit/>
-          </a:bodyPr>
-          <a:lstStyle/>
-          <a:p>
-            <a:pPr marL="0" indent="0">
-              <a:buNone/>
-            </a:pPr>
-            <a:r>
-              <a:rPr lang="en-US" altLang="zh-TW" sz="2400" kern="1200" dirty="0">
-                <a:solidFill>
-                  <a:schemeClr val="tx1"/>
-                </a:solidFill>
-                <a:latin typeface="+mn-lt"/>
-                <a:ea typeface="+mn-ea"/>
-                <a:cs typeface="+mn-cs"/>
-              </a:rPr>
-              <a:t>Training Location: Training Hall</a:t>
-            </a:r>
-          </a:p>
-        </p:txBody>
-      </p:sp>
-      <p:pic>
-        <p:nvPicPr>
-          <p:cNvPr id="18" name="Graphic 17" descr="标记">
-            <a:extLst>
-              <a:ext uri="{FF2B5EF4-FFF2-40B4-BE49-F238E27FC236}">
-                <a16:creationId xmlns:a16="http://schemas.microsoft.com/office/drawing/2014/main" id="{4F426843-18EB-10E5-3995-F47F56550A8F}"/>
-              </a:ext>
-            </a:extLst>
-          </p:cNvPr>
-          <p:cNvPicPr>
-            <a:picLocks noChangeAspect="1"/>
-          </p:cNvPicPr>
-          <p:nvPr/>
-        </p:nvPicPr>
-        <p:blipFill>
-          <a:blip r:embed="rId2">
-            <a:extLst>
-              <a:ext uri="{28A0092B-C50C-407E-A947-70E740481C1C}">
-                <a14:useLocalDpi xmlns:a14="http://schemas.microsoft.com/office/drawing/2010/main" val="0"/>
-              </a:ext>
-              <a:ext uri="{96DAC541-7B7A-43D3-8B79-37D633B846F1}">
-                <asvg:svgBlip xmlns:asvg="http://schemas.microsoft.com/office/drawing/2016/SVG/main" r:embed="rId3"/>
-              </a:ext>
-            </a:extLst>
-          </a:blip>
-          <a:stretch>
-            <a:fillRect/>
-          </a:stretch>
-        </p:blipFill>
-        <p:spPr>
-          <a:xfrm>
-            <a:off x="717549" y="2776619"/>
-            <a:ext cx="1289051" cy="1289051"/>
-          </a:xfrm>
-          <a:prstGeom prst="rect">
-            <a:avLst/>
-          </a:prstGeom>
-        </p:spPr>
-      </p:pic>
-      <p:pic>
-        <p:nvPicPr>
-          <p:cNvPr id="20" name="Graphic 19" descr="标记">
-            <a:extLst>
-              <a:ext uri="{FF2B5EF4-FFF2-40B4-BE49-F238E27FC236}">
-                <a16:creationId xmlns:a16="http://schemas.microsoft.com/office/drawing/2014/main" id="{5961E9D0-AE74-4F88-BB37-8C4942B0E75F}"/>
-              </a:ext>
-              <a:ext uri="{C183D7F6-B498-43B3-948B-1728B52AA6E4}">
-                <adec:decorative xmlns:adec="http://schemas.microsoft.com/office/drawing/2017/decorative" val="1"/>
-              </a:ext>
-            </a:extLst>
-          </p:cNvPr>
-          <p:cNvPicPr>
-            <a:picLocks noGrp="1" noRot="1" noChangeAspect="1" noMove="1" noResize="1" noEditPoints="1" noAdjustHandles="1" noChangeArrowheads="1" noChangeShapeType="1" noCrop="1"/>
-          </p:cNvPicPr>
-          <p:nvPr>
-            <p:extLst>
-              <p:ext uri="{386F3935-93C4-4BCD-93E2-E3B085C9AB24}">
-                <p16:designElem xmlns:p16="http://schemas.microsoft.com/office/powerpoint/2015/main" val="1"/>
-              </p:ext>
-            </p:extLst>
-          </p:nvPr>
-        </p:nvPicPr>
-        <p:blipFill>
-          <a:blip r:embed="rId2">
-            <a:alphaModFix amt="15000"/>
-            <a:extLst>
-              <a:ext uri="{28A0092B-C50C-407E-A947-70E740481C1C}">
-                <a14:useLocalDpi xmlns:a14="http://schemas.microsoft.com/office/drawing/2010/main" val="0"/>
-              </a:ext>
-              <a:ext uri="{96DAC541-7B7A-43D3-8B79-37D633B846F1}">
-                <asvg:svgBlip xmlns:asvg="http://schemas.microsoft.com/office/drawing/2016/SVG/main" r:embed="rId3"/>
-              </a:ext>
-            </a:extLst>
-          </a:blip>
-          <a:stretch>
-            <a:fillRect/>
-          </a:stretch>
-        </p:blipFill>
-        <p:spPr>
-          <a:xfrm>
-            <a:off x="6607815" y="716407"/>
-            <a:ext cx="5411343" cy="5411343"/>
-          </a:xfrm>
-          <a:prstGeom prst="rect">
-            <a:avLst/>
-          </a:prstGeom>
-        </p:spPr>
-      </p:pic>
-    </p:spTree>
-    <p:extLst>
-      <p:ext uri="{BB962C8B-B14F-4D97-AF65-F5344CB8AC3E}">
-        <p14:creationId xmlns:p14="http://schemas.microsoft.com/office/powerpoint/2010/main" val="1474590423"/>
-      </p:ext>
-    </p:extLst>
-  </p:cSld>
-  <p:clrMapOvr>
-    <a:masterClrMapping/>
-  </p:clrMapOvr>
-  <mc:AlternateContent xmlns:mc="http://schemas.openxmlformats.org/markup-compatibility/2006" xmlns:p159="http://schemas.microsoft.com/office/powerpoint/2015/09/main">
-    <mc:Choice Requires="p159">
-      <p:transition xmlns:p14="http://schemas.microsoft.com/office/powerpoint/2010/main" spd="slow" p14:dur="2000">
-        <p159:morph option="byObject"/>
-      </p:transition>
-    </mc:Choice>
-    <mc:Fallback xmlns="">
-      <p:transition spd="slow">
-        <p:fade/>
-      </p:transition>
-    </mc:Fallback>
-  </mc:AlternateContent>
-</p:sld>
-</file>
-
-<file path=ppt/slides/slide6.xml><?xml version="1.0" encoding="utf-8"?>
-<p:sld xmlns:a="http://schemas.openxmlformats.org/drawingml/2006/main" xmlns:r="http://schemas.openxmlformats.org/officeDocument/2006/relationships" xmlns:p="http://schemas.openxmlformats.org/presentationml/2006/main">
-  <p:cSld>
-    <p:spTree>
-      <p:nvGrpSpPr>
-        <p:cNvPr id="1" name=""/>
-        <p:cNvGrpSpPr/>
-        <p:nvPr/>
-      </p:nvGrpSpPr>
-      <p:grpSpPr>
-        <a:xfrm>
-          <a:off x="0" y="0"/>
-          <a:ext cx="0" cy="0"/>
-          <a:chOff x="0" y="0"/>
-          <a:chExt cx="0" cy="0"/>
-        </a:xfrm>
-      </p:grpSpPr>
-      <p:sp>
-        <p:nvSpPr>
-          <p:cNvPr id="2" name="标题 1">
-            <a:extLst>
-              <a:ext uri="{FF2B5EF4-FFF2-40B4-BE49-F238E27FC236}">
-                <a16:creationId xmlns:a16="http://schemas.microsoft.com/office/drawing/2014/main" id="{26CAA459-2BCF-1414-0186-120056C85D27}"/>
-              </a:ext>
-            </a:extLst>
-          </p:cNvPr>
-          <p:cNvSpPr>
-            <a:spLocks noGrp="1"/>
-          </p:cNvSpPr>
-          <p:nvPr>
-            <p:ph type="title"/>
-          </p:nvPr>
-        </p:nvSpPr>
-        <p:spPr/>
-        <p:txBody>
-          <a:bodyPr/>
-          <a:lstStyle/>
-          <a:p>
-            <a:r>
-              <a:rPr lang="en-US" altLang="zh-TW" dirty="0"/>
-              <a:t>Overview of Training Activities</a:t>
-            </a:r>
-            <a:br>
-              <a:rPr lang="en-US" altLang="zh-TW" dirty="0"/>
-            </a:br>
-            <a:endParaRPr lang="zh-TW" altLang="en-US" dirty="0"/>
-          </a:p>
-        </p:txBody>
-      </p:sp>
-      <p:graphicFrame>
-        <p:nvGraphicFramePr>
-          <p:cNvPr id="5" name="内容占位符 2">
-            <a:extLst>
-              <a:ext uri="{FF2B5EF4-FFF2-40B4-BE49-F238E27FC236}">
-                <a16:creationId xmlns:a16="http://schemas.microsoft.com/office/drawing/2014/main" id="{F2D25668-AD37-3900-9503-052DC202A453}"/>
-              </a:ext>
-            </a:extLst>
-          </p:cNvPr>
-          <p:cNvGraphicFramePr>
-            <a:graphicFrameLocks noGrp="1"/>
-          </p:cNvGraphicFramePr>
-          <p:nvPr>
-            <p:ph idx="1"/>
-            <p:extLst>
-              <p:ext uri="{D42A27DB-BD31-4B8C-83A1-F6EECF244321}">
-                <p14:modId xmlns:p14="http://schemas.microsoft.com/office/powerpoint/2010/main" val="2425904254"/>
-              </p:ext>
-            </p:extLst>
-          </p:nvPr>
-        </p:nvGraphicFramePr>
-        <p:xfrm>
-          <a:off x="838200" y="1825625"/>
-          <a:ext cx="10515600" cy="4351338"/>
-        </p:xfrm>
-        <a:graphic>
-          <a:graphicData uri="http://schemas.openxmlformats.org/drawingml/2006/diagram">
-            <dgm:relIds xmlns:dgm="http://schemas.openxmlformats.org/drawingml/2006/diagram" xmlns:r="http://schemas.openxmlformats.org/officeDocument/2006/relationships" r:dm="rId2" r:lo="rId3" r:qs="rId4" r:cs="rId5"/>
-          </a:graphicData>
-        </a:graphic>
-      </p:graphicFrame>
-    </p:spTree>
-    <p:extLst>
-      <p:ext uri="{BB962C8B-B14F-4D97-AF65-F5344CB8AC3E}">
-        <p14:creationId xmlns:p14="http://schemas.microsoft.com/office/powerpoint/2010/main" val="228346317"/>
-      </p:ext>
-    </p:extLst>
-  </p:cSld>
-  <p:clrMapOvr>
-    <a:masterClrMapping/>
-  </p:clrMapOvr>
-  <mc:AlternateContent xmlns:mc="http://schemas.openxmlformats.org/markup-compatibility/2006" xmlns:p159="http://schemas.microsoft.com/office/powerpoint/2015/09/main">
-    <mc:Choice Requires="p159">
-      <p:transition xmlns:p14="http://schemas.microsoft.com/office/powerpoint/2010/main" spd="slow" p14:dur="2000">
-        <p159:morph option="byObject"/>
-      </p:transition>
-    </mc:Choice>
-    <mc:Fallback xmlns="">
-      <p:transition spd="slow">
-        <p:fade/>
-      </p:transition>
-    </mc:Fallback>
-  </mc:AlternateContent>
-</p:sld>
-</file>
-
-<file path=ppt/slides/slide7.xml><?xml version="1.0" encoding="utf-8"?>
-<p:sld xmlns:a="http://schemas.openxmlformats.org/drawingml/2006/main" xmlns:r="http://schemas.openxmlformats.org/officeDocument/2006/relationships" xmlns:p="http://schemas.openxmlformats.org/presentationml/2006/main">
-  <p:cSld>
-    <p:bg>
-      <p:bgPr>
-        <a:solidFill>
-          <a:schemeClr val="bg1"/>
-        </a:solidFill>
-        <a:effectLst/>
-      </p:bgPr>
-    </p:bg>
-    <p:spTree>
-      <p:nvGrpSpPr>
-        <p:cNvPr id="1" name=""/>
-        <p:cNvGrpSpPr/>
-        <p:nvPr/>
-      </p:nvGrpSpPr>
-      <p:grpSpPr>
-        <a:xfrm>
-          <a:off x="0" y="0"/>
-          <a:ext cx="0" cy="0"/>
-          <a:chOff x="0" y="0"/>
-          <a:chExt cx="0" cy="0"/>
-        </a:xfrm>
-      </p:grpSpPr>
-      <p:sp useBgFill="1">
-        <p:nvSpPr>
-          <p:cNvPr id="8" name="Rectangle 7">
-            <a:extLst>
-              <a:ext uri="{FF2B5EF4-FFF2-40B4-BE49-F238E27FC236}">
-                <a16:creationId xmlns:a16="http://schemas.microsoft.com/office/drawing/2014/main" id="{C2554CA6-288E-4202-BC52-2E5A8F0C0AED}"/>
-              </a:ext>
-              <a:ext uri="{C183D7F6-B498-43B3-948B-1728B52AA6E4}">
-                <adec:decorative xmlns:adec="http://schemas.microsoft.com/office/drawing/2017/decorative" val="1"/>
-              </a:ext>
-            </a:extLst>
-          </p:cNvPr>
-          <p:cNvSpPr>
-            <a:spLocks noGrp="1" noRot="1" noChangeAspect="1" noMove="1" noResize="1" noEditPoints="1" noAdjustHandles="1" noChangeArrowheads="1" noChangeShapeType="1" noTextEdit="1"/>
-          </p:cNvSpPr>
-          <p:nvPr>
-            <p:extLst>
-              <p:ext uri="{386F3935-93C4-4BCD-93E2-E3B085C9AB24}">
-                <p16:designElem xmlns:p16="http://schemas.microsoft.com/office/powerpoint/2015/main" val="1"/>
-              </p:ext>
-            </p:extLst>
-          </p:nvPr>
-        </p:nvSpPr>
-        <p:spPr>
-          <a:xfrm>
-            <a:off x="3048" y="0"/>
-            <a:ext cx="12188952" cy="6858000"/>
-          </a:xfrm>
-          <a:prstGeom prst="rect">
-            <a:avLst/>
-          </a:prstGeom>
-          <a:ln>
-            <a:noFill/>
-          </a:ln>
-        </p:spPr>
-        <p:style>
-          <a:lnRef idx="2">
-            <a:schemeClr val="accent1">
-              <a:shade val="50000"/>
-            </a:schemeClr>
-          </a:lnRef>
-          <a:fillRef idx="1">
-            <a:schemeClr val="accent1"/>
-          </a:fillRef>
-          <a:effectRef idx="0">
-            <a:schemeClr val="accent1"/>
-          </a:effectRef>
-          <a:fontRef idx="minor">
-            <a:schemeClr val="lt1"/>
-          </a:fontRef>
-        </p:style>
-        <p:txBody>
-          <a:bodyPr rtlCol="0" anchor="ctr"/>
-          <a:lstStyle/>
-          <a:p>
-            <a:pPr algn="ctr"/>
-            <a:endParaRPr lang="en-US"/>
-          </a:p>
-        </p:txBody>
-      </p:sp>
-      <p:sp>
-        <p:nvSpPr>
-          <p:cNvPr id="10" name="Oval 9">
-            <a:extLst>
-              <a:ext uri="{FF2B5EF4-FFF2-40B4-BE49-F238E27FC236}">
-                <a16:creationId xmlns:a16="http://schemas.microsoft.com/office/drawing/2014/main" id="{B10BB131-AC8E-4A8E-A5D1-36260F720C3B}"/>
-              </a:ext>
-              <a:ext uri="{C183D7F6-B498-43B3-948B-1728B52AA6E4}">
-                <adec:decorative xmlns:adec="http://schemas.microsoft.com/office/drawing/2017/decorative" val="1"/>
-              </a:ext>
-            </a:extLst>
-          </p:cNvPr>
-          <p:cNvSpPr>
-            <a:spLocks noGrp="1" noRot="1" noChangeAspect="1" noMove="1" noResize="1" noEditPoints="1" noAdjustHandles="1" noChangeArrowheads="1" noChangeShapeType="1" noTextEdit="1"/>
-          </p:cNvSpPr>
-          <p:nvPr>
-            <p:extLst>
-              <p:ext uri="{386F3935-93C4-4BCD-93E2-E3B085C9AB24}">
-                <p16:designElem xmlns:p16="http://schemas.microsoft.com/office/powerpoint/2015/main" val="1"/>
-              </p:ext>
-            </p:extLst>
-          </p:nvPr>
-        </p:nvSpPr>
-        <p:spPr>
-          <a:xfrm>
-            <a:off x="489189" y="1119031"/>
-            <a:ext cx="4619938" cy="4619938"/>
-          </a:xfrm>
-          <a:prstGeom prst="ellipse">
-            <a:avLst/>
-          </a:prstGeom>
-          <a:solidFill>
-            <a:schemeClr val="accent2"/>
-          </a:solidFill>
-          <a:ln>
-            <a:noFill/>
-          </a:ln>
-        </p:spPr>
-        <p:style>
-          <a:lnRef idx="2">
-            <a:schemeClr val="accent1">
-              <a:shade val="50000"/>
-            </a:schemeClr>
-          </a:lnRef>
-          <a:fillRef idx="1">
-            <a:schemeClr val="accent1"/>
-          </a:fillRef>
-          <a:effectRef idx="0">
-            <a:schemeClr val="accent1"/>
-          </a:effectRef>
-          <a:fontRef idx="minor">
-            <a:schemeClr val="lt1"/>
-          </a:fontRef>
-        </p:style>
-        <p:txBody>
-          <a:bodyPr rtlCol="0" anchor="ctr"/>
-          <a:lstStyle/>
-          <a:p>
-            <a:pPr algn="ctr"/>
-            <a:endParaRPr lang="en-US"/>
-          </a:p>
-        </p:txBody>
-      </p:sp>
-      <p:sp>
-        <p:nvSpPr>
-          <p:cNvPr id="2" name="标题 1">
-            <a:extLst>
-              <a:ext uri="{FF2B5EF4-FFF2-40B4-BE49-F238E27FC236}">
-                <a16:creationId xmlns:a16="http://schemas.microsoft.com/office/drawing/2014/main" id="{26CAA459-2BCF-1414-0186-120056C85D27}"/>
-              </a:ext>
-            </a:extLst>
-          </p:cNvPr>
-          <p:cNvSpPr>
-            <a:spLocks noGrp="1"/>
-          </p:cNvSpPr>
-          <p:nvPr>
-            <p:ph type="title"/>
-          </p:nvPr>
-        </p:nvSpPr>
-        <p:spPr>
-          <a:xfrm>
-            <a:off x="1171074" y="1396686"/>
-            <a:ext cx="3240506" cy="4064628"/>
-          </a:xfrm>
-        </p:spPr>
-        <p:txBody>
-          <a:bodyPr>
-            <a:normAutofit/>
-          </a:bodyPr>
-          <a:lstStyle/>
-          <a:p>
-            <a:r>
-              <a:rPr lang="en-US" altLang="zh-TW" dirty="0">
-                <a:solidFill>
-                  <a:srgbClr val="FFFFFF"/>
-                </a:solidFill>
-              </a:rPr>
-              <a:t>Overview of Training Activities</a:t>
-            </a:r>
-            <a:br>
-              <a:rPr lang="en-US" altLang="zh-TW" dirty="0">
-                <a:solidFill>
-                  <a:srgbClr val="FFFFFF"/>
-                </a:solidFill>
-              </a:rPr>
-            </a:br>
-            <a:endParaRPr lang="zh-TW" altLang="en-US" dirty="0">
-              <a:solidFill>
-                <a:srgbClr val="FFFFFF"/>
-              </a:solidFill>
-            </a:endParaRPr>
-          </a:p>
-        </p:txBody>
-      </p:sp>
-      <p:sp>
-        <p:nvSpPr>
-          <p:cNvPr id="12" name="Arc 11">
-            <a:extLst>
-              <a:ext uri="{FF2B5EF4-FFF2-40B4-BE49-F238E27FC236}">
-                <a16:creationId xmlns:a16="http://schemas.microsoft.com/office/drawing/2014/main" id="{5B7778FC-632E-4DCA-A7CB-0D7731CCF970}"/>
-              </a:ext>
-              <a:ext uri="{C183D7F6-B498-43B3-948B-1728B52AA6E4}">
-                <adec:decorative xmlns:adec="http://schemas.microsoft.com/office/drawing/2017/decorative" val="1"/>
-              </a:ext>
-            </a:extLst>
-          </p:cNvPr>
-          <p:cNvSpPr>
-            <a:spLocks noGrp="1" noRot="1" noChangeAspect="1" noMove="1" noResize="1" noEditPoints="1" noAdjustHandles="1" noChangeArrowheads="1" noChangeShapeType="1" noTextEdit="1"/>
-          </p:cNvSpPr>
-          <p:nvPr>
-            <p:extLst>
-              <p:ext uri="{386F3935-93C4-4BCD-93E2-E3B085C9AB24}">
-                <p16:designElem xmlns:p16="http://schemas.microsoft.com/office/powerpoint/2015/main" val="1"/>
-              </p:ext>
-            </p:extLst>
-          </p:nvPr>
-        </p:nvSpPr>
-        <p:spPr>
-          <a:xfrm rot="19809111">
-            <a:off x="8683720" y="941148"/>
-            <a:ext cx="2987899" cy="2987899"/>
-          </a:xfrm>
-          <a:prstGeom prst="arc">
-            <a:avLst>
-              <a:gd name="adj1" fmla="val 15817365"/>
-              <a:gd name="adj2" fmla="val 1781380"/>
-            </a:avLst>
-          </a:prstGeom>
-          <a:ln w="127000" cap="rnd">
-            <a:solidFill>
-              <a:schemeClr val="accent4"/>
-            </a:solidFill>
-            <a:prstDash val="dash"/>
-            <a:miter lim="800000"/>
-          </a:ln>
-        </p:spPr>
-        <p:style>
-          <a:lnRef idx="1">
-            <a:schemeClr val="accent1"/>
-          </a:lnRef>
-          <a:fillRef idx="0">
-            <a:schemeClr val="accent1"/>
-          </a:fillRef>
-          <a:effectRef idx="0">
-            <a:schemeClr val="accent1"/>
-          </a:effectRef>
-          <a:fontRef idx="minor">
-            <a:schemeClr val="tx1"/>
-          </a:fontRef>
-        </p:style>
-        <p:txBody>
-          <a:bodyPr rtlCol="0" anchor="ctr"/>
-          <a:lstStyle/>
-          <a:p>
-            <a:pPr marL="0" marR="0" lvl="0" indent="0" algn="ctr" defTabSz="914400" rtl="0" eaLnBrk="1" fontAlgn="auto" latinLnBrk="0" hangingPunct="1">
-              <a:lnSpc>
-                <a:spcPct val="100000"/>
-              </a:lnSpc>
-              <a:spcBef>
-                <a:spcPts val="0"/>
-              </a:spcBef>
-              <a:spcAft>
-                <a:spcPts val="0"/>
-              </a:spcAft>
-              <a:buClrTx/>
-              <a:buSzTx/>
-              <a:buFontTx/>
-              <a:buNone/>
-              <a:tabLst/>
-              <a:defRPr/>
-            </a:pPr>
-            <a:endParaRPr kumimoji="0" lang="en-US" sz="1800" b="0" i="0" u="none" strike="noStrike" kern="1200" cap="none" spc="0" normalizeH="0" baseline="0" noProof="0">
-              <a:ln>
-                <a:noFill/>
-              </a:ln>
-              <a:solidFill>
-                <a:srgbClr val="000000"/>
-              </a:solidFill>
-              <a:effectLst/>
-              <a:uLnTx/>
-              <a:uFillTx/>
-              <a:latin typeface="Calibri" panose="020F0502020204030204"/>
-              <a:ea typeface="+mn-ea"/>
-              <a:cs typeface="+mn-cs"/>
-            </a:endParaRPr>
-          </a:p>
-        </p:txBody>
-      </p:sp>
-      <p:sp>
-        <p:nvSpPr>
-          <p:cNvPr id="14" name="Oval 13">
-            <a:extLst>
-              <a:ext uri="{FF2B5EF4-FFF2-40B4-BE49-F238E27FC236}">
-                <a16:creationId xmlns:a16="http://schemas.microsoft.com/office/drawing/2014/main" id="{FA23A907-97FB-4A8F-880A-DD77401C4296}"/>
-              </a:ext>
-              <a:ext uri="{C183D7F6-B498-43B3-948B-1728B52AA6E4}">
-                <adec:decorative xmlns:adec="http://schemas.microsoft.com/office/drawing/2017/decorative" val="1"/>
-              </a:ext>
-            </a:extLst>
-          </p:cNvPr>
-          <p:cNvSpPr>
-            <a:spLocks noGrp="1" noRot="1" noChangeAspect="1" noMove="1" noResize="1" noEditPoints="1" noAdjustHandles="1" noChangeArrowheads="1" noChangeShapeType="1" noTextEdit="1"/>
-          </p:cNvSpPr>
-          <p:nvPr>
-            <p:extLst>
-              <p:ext uri="{386F3935-93C4-4BCD-93E2-E3B085C9AB24}">
-                <p16:designElem xmlns:p16="http://schemas.microsoft.com/office/powerpoint/2015/main" val="1"/>
-              </p:ext>
-            </p:extLst>
-          </p:nvPr>
-        </p:nvSpPr>
-        <p:spPr>
-          <a:xfrm>
-            <a:off x="910048" y="4780992"/>
-            <a:ext cx="546100" cy="546100"/>
-          </a:xfrm>
-          <a:prstGeom prst="ellipse">
-            <a:avLst/>
-          </a:prstGeom>
-          <a:solidFill>
-            <a:schemeClr val="accent5"/>
-          </a:solidFill>
-          <a:ln>
-            <a:noFill/>
-          </a:ln>
-        </p:spPr>
-        <p:style>
-          <a:lnRef idx="2">
-            <a:schemeClr val="accent1">
-              <a:shade val="50000"/>
-            </a:schemeClr>
-          </a:lnRef>
-          <a:fillRef idx="1">
-            <a:schemeClr val="accent1"/>
-          </a:fillRef>
-          <a:effectRef idx="0">
-            <a:schemeClr val="accent1"/>
-          </a:effectRef>
-          <a:fontRef idx="minor">
-            <a:schemeClr val="lt1"/>
-          </a:fontRef>
-        </p:style>
-        <p:txBody>
-          <a:bodyPr rtlCol="0" anchor="ctr"/>
-          <a:lstStyle/>
-          <a:p>
-            <a:pPr marL="0" marR="0" lvl="0" indent="0" algn="ctr" defTabSz="914400" rtl="0" eaLnBrk="1" fontAlgn="auto" latinLnBrk="0" hangingPunct="1">
-              <a:lnSpc>
-                <a:spcPct val="100000"/>
-              </a:lnSpc>
-              <a:spcBef>
-                <a:spcPts val="0"/>
-              </a:spcBef>
-              <a:spcAft>
-                <a:spcPts val="0"/>
-              </a:spcAft>
-              <a:buClrTx/>
-              <a:buSzTx/>
-              <a:buFontTx/>
-              <a:buNone/>
-              <a:tabLst/>
-              <a:defRPr/>
-            </a:pPr>
-            <a:endParaRPr kumimoji="0" lang="en-US" sz="1800" b="0" i="0" u="none" strike="noStrike" kern="1200" cap="none" spc="0" normalizeH="0" baseline="0" noProof="0">
-              <a:ln>
-                <a:noFill/>
-              </a:ln>
-              <a:solidFill>
-                <a:srgbClr val="FFFFFF"/>
-              </a:solidFill>
-              <a:effectLst/>
-              <a:uLnTx/>
-              <a:uFillTx/>
-              <a:latin typeface="Calibri" panose="020F0502020204030204"/>
-              <a:ea typeface="+mn-ea"/>
-              <a:cs typeface="+mn-cs"/>
-            </a:endParaRPr>
-          </a:p>
-        </p:txBody>
-      </p:sp>
-      <p:sp>
-        <p:nvSpPr>
-          <p:cNvPr id="3" name="内容占位符 2">
-            <a:extLst>
-              <a:ext uri="{FF2B5EF4-FFF2-40B4-BE49-F238E27FC236}">
-                <a16:creationId xmlns:a16="http://schemas.microsoft.com/office/drawing/2014/main" id="{BFDDD51A-C74E-6FAC-753C-07E7666E7B4A}"/>
-              </a:ext>
-            </a:extLst>
-          </p:cNvPr>
-          <p:cNvSpPr>
-            <a:spLocks noGrp="1"/>
-          </p:cNvSpPr>
-          <p:nvPr>
-            <p:ph idx="1"/>
-          </p:nvPr>
-        </p:nvSpPr>
-        <p:spPr>
-          <a:xfrm>
-            <a:off x="5370153" y="1526033"/>
-            <a:ext cx="5536397" cy="3935281"/>
-          </a:xfrm>
-        </p:spPr>
-        <p:txBody>
-          <a:bodyPr>
-            <a:normAutofit/>
-          </a:bodyPr>
-          <a:lstStyle/>
-          <a:p>
-            <a:pPr marL="0" indent="0">
-              <a:buNone/>
-            </a:pPr>
-            <a:r>
-              <a:rPr lang="en-US" altLang="zh-TW" sz="2200"/>
-              <a:t>Network Security Technical Training</a:t>
-            </a:r>
-          </a:p>
-          <a:p>
-            <a:pPr marL="0" indent="0">
-              <a:buNone/>
-            </a:pPr>
-            <a:r>
-              <a:rPr lang="en-US" altLang="zh-TW" sz="2200"/>
-              <a:t>Objective: Technical training for IT staff or professionals</a:t>
-            </a:r>
-          </a:p>
-          <a:p>
-            <a:pPr marL="0" indent="0">
-              <a:buNone/>
-            </a:pPr>
-            <a:r>
-              <a:rPr lang="en-US" altLang="zh-TW" sz="2200"/>
-              <a:t>Emergency Response Drills</a:t>
-            </a:r>
-          </a:p>
-          <a:p>
-            <a:pPr marL="0" indent="0">
-              <a:buNone/>
-            </a:pPr>
-            <a:r>
-              <a:rPr lang="en-US" altLang="zh-TW" sz="2200"/>
-              <a:t>Objective: Enhance employees' ability to respond during emergencies</a:t>
-            </a:r>
-          </a:p>
-          <a:p>
-            <a:pPr marL="0" indent="0">
-              <a:buNone/>
-            </a:pPr>
-            <a:r>
-              <a:rPr lang="en-US" altLang="zh-TW" sz="2200"/>
-              <a:t>Social Engineering Drills</a:t>
-            </a:r>
-          </a:p>
-          <a:p>
-            <a:pPr marL="0" indent="0">
-              <a:buNone/>
-            </a:pPr>
-            <a:r>
-              <a:rPr lang="en-US" altLang="zh-TW" sz="2200"/>
-              <a:t>Objective: Educate employees about recognizing and thwarting phishing emails, deceptive phone calls, etc.</a:t>
-            </a:r>
-            <a:endParaRPr lang="zh-TW" altLang="en-US" sz="2200"/>
-          </a:p>
-        </p:txBody>
-      </p:sp>
-    </p:spTree>
-    <p:extLst>
-      <p:ext uri="{BB962C8B-B14F-4D97-AF65-F5344CB8AC3E}">
-        <p14:creationId xmlns:p14="http://schemas.microsoft.com/office/powerpoint/2010/main" val="2363637303"/>
-      </p:ext>
-    </p:extLst>
-  </p:cSld>
-  <p:clrMapOvr>
-    <a:masterClrMapping/>
-  </p:clrMapOvr>
-  <mc:AlternateContent xmlns:mc="http://schemas.openxmlformats.org/markup-compatibility/2006" xmlns:p159="http://schemas.microsoft.com/office/powerpoint/2015/09/main">
-    <mc:Choice Requires="p159">
-      <p:transition xmlns:p14="http://schemas.microsoft.com/office/powerpoint/2010/main" spd="slow" p14:dur="2000">
-        <p159:morph option="byObject"/>
-      </p:transition>
-    </mc:Choice>
-    <mc:Fallback xmlns="">
-      <p:transition spd="slow">
-        <p:fade/>
-      </p:transition>
-    </mc:Fallback>
-  </mc:AlternateContent>
-</p:sld>
-</file>
-
-<file path=ppt/slides/slide8.xml><?xml version="1.0" encoding="utf-8"?>
-<p:sld xmlns:a="http://schemas.openxmlformats.org/drawingml/2006/main" xmlns:r="http://schemas.openxmlformats.org/officeDocument/2006/relationships" xmlns:p="http://schemas.openxmlformats.org/presentationml/2006/main">
-  <p:cSld>
-    <p:bg>
-      <p:bgPr>
-        <a:solidFill>
-          <a:schemeClr val="bg1"/>
-        </a:solidFill>
-        <a:effectLst/>
-      </p:bgPr>
-    </p:bg>
-    <p:spTree>
-      <p:nvGrpSpPr>
-        <p:cNvPr id="1" name=""/>
-        <p:cNvGrpSpPr/>
-        <p:nvPr/>
-      </p:nvGrpSpPr>
-      <p:grpSpPr>
-        <a:xfrm>
-          <a:off x="0" y="0"/>
-          <a:ext cx="0" cy="0"/>
-          <a:chOff x="0" y="0"/>
-          <a:chExt cx="0" cy="0"/>
-        </a:xfrm>
-      </p:grpSpPr>
-      <p:sp useBgFill="1">
-        <p:nvSpPr>
-          <p:cNvPr id="8" name="Rectangle 7">
-            <a:extLst>
-              <a:ext uri="{FF2B5EF4-FFF2-40B4-BE49-F238E27FC236}">
-                <a16:creationId xmlns:a16="http://schemas.microsoft.com/office/drawing/2014/main" id="{E92FEB64-6EEA-4759-B4A4-BD2C1E660BA8}"/>
-              </a:ext>
-              <a:ext uri="{C183D7F6-B498-43B3-948B-1728B52AA6E4}">
-                <adec:decorative xmlns:adec="http://schemas.microsoft.com/office/drawing/2017/decorative" val="1"/>
-              </a:ext>
-            </a:extLst>
-          </p:cNvPr>
-          <p:cNvSpPr>
-            <a:spLocks noGrp="1" noRot="1" noChangeAspect="1" noMove="1" noResize="1" noEditPoints="1" noAdjustHandles="1" noChangeArrowheads="1" noChangeShapeType="1" noTextEdit="1"/>
-          </p:cNvSpPr>
-          <p:nvPr>
-            <p:extLst>
-              <p:ext uri="{386F3935-93C4-4BCD-93E2-E3B085C9AB24}">
-                <p16:designElem xmlns:p16="http://schemas.microsoft.com/office/powerpoint/2015/main" val="1"/>
-              </p:ext>
-            </p:extLst>
-          </p:nvPr>
-        </p:nvSpPr>
-        <p:spPr>
-          <a:xfrm>
-            <a:off x="3048" y="0"/>
-            <a:ext cx="12188952" cy="6858000"/>
-          </a:xfrm>
-          <a:prstGeom prst="rect">
-            <a:avLst/>
-          </a:prstGeom>
-          <a:ln>
-            <a:noFill/>
-          </a:ln>
-        </p:spPr>
-        <p:style>
-          <a:lnRef idx="2">
-            <a:schemeClr val="accent1">
-              <a:shade val="50000"/>
-            </a:schemeClr>
-          </a:lnRef>
-          <a:fillRef idx="1">
-            <a:schemeClr val="accent1"/>
-          </a:fillRef>
-          <a:effectRef idx="0">
-            <a:schemeClr val="accent1"/>
-          </a:effectRef>
-          <a:fontRef idx="minor">
-            <a:schemeClr val="lt1"/>
-          </a:fontRef>
-        </p:style>
-        <p:txBody>
-          <a:bodyPr rtlCol="0" anchor="ctr"/>
-          <a:lstStyle/>
-          <a:p>
-            <a:pPr algn="ctr"/>
-            <a:endParaRPr lang="en-US"/>
-          </a:p>
-        </p:txBody>
-      </p:sp>
-      <p:sp>
-        <p:nvSpPr>
-          <p:cNvPr id="10" name="Oval 9">
-            <a:extLst>
-              <a:ext uri="{FF2B5EF4-FFF2-40B4-BE49-F238E27FC236}">
-                <a16:creationId xmlns:a16="http://schemas.microsoft.com/office/drawing/2014/main" id="{B10BB131-AC8E-4A8E-A5D1-36260F720C3B}"/>
-              </a:ext>
-              <a:ext uri="{C183D7F6-B498-43B3-948B-1728B52AA6E4}">
-                <adec:decorative xmlns:adec="http://schemas.microsoft.com/office/drawing/2017/decorative" val="1"/>
-              </a:ext>
-            </a:extLst>
-          </p:cNvPr>
-          <p:cNvSpPr>
-            <a:spLocks noGrp="1" noRot="1" noChangeAspect="1" noMove="1" noResize="1" noEditPoints="1" noAdjustHandles="1" noChangeArrowheads="1" noChangeShapeType="1" noTextEdit="1"/>
-          </p:cNvSpPr>
-          <p:nvPr>
-            <p:extLst>
-              <p:ext uri="{386F3935-93C4-4BCD-93E2-E3B085C9AB24}">
-                <p16:designElem xmlns:p16="http://schemas.microsoft.com/office/powerpoint/2015/main" val="1"/>
-              </p:ext>
-            </p:extLst>
-          </p:nvPr>
-        </p:nvSpPr>
-        <p:spPr>
-          <a:xfrm>
-            <a:off x="707393" y="847600"/>
-            <a:ext cx="4619938" cy="4619938"/>
-          </a:xfrm>
-          <a:prstGeom prst="ellipse">
-            <a:avLst/>
-          </a:prstGeom>
-          <a:solidFill>
-            <a:schemeClr val="accent2"/>
-          </a:solidFill>
-          <a:ln>
-            <a:noFill/>
-          </a:ln>
-        </p:spPr>
-        <p:style>
-          <a:lnRef idx="2">
-            <a:schemeClr val="accent1">
-              <a:shade val="50000"/>
-            </a:schemeClr>
-          </a:lnRef>
-          <a:fillRef idx="1">
-            <a:schemeClr val="accent1"/>
-          </a:fillRef>
-          <a:effectRef idx="0">
-            <a:schemeClr val="accent1"/>
-          </a:effectRef>
-          <a:fontRef idx="minor">
-            <a:schemeClr val="lt1"/>
-          </a:fontRef>
-        </p:style>
-        <p:txBody>
-          <a:bodyPr rtlCol="0" anchor="ctr"/>
-          <a:lstStyle/>
-          <a:p>
-            <a:pPr algn="ctr"/>
-            <a:endParaRPr lang="en-US"/>
-          </a:p>
-        </p:txBody>
-      </p:sp>
-      <p:sp>
-        <p:nvSpPr>
-          <p:cNvPr id="2" name="标题 1">
-            <a:extLst>
-              <a:ext uri="{FF2B5EF4-FFF2-40B4-BE49-F238E27FC236}">
-                <a16:creationId xmlns:a16="http://schemas.microsoft.com/office/drawing/2014/main" id="{F4E645A9-2E6C-9239-3499-3DD3A37DA0DB}"/>
-              </a:ext>
-            </a:extLst>
-          </p:cNvPr>
-          <p:cNvSpPr>
-            <a:spLocks noGrp="1"/>
-          </p:cNvSpPr>
-          <p:nvPr>
-            <p:ph type="title"/>
-          </p:nvPr>
-        </p:nvSpPr>
-        <p:spPr>
-          <a:xfrm>
-            <a:off x="1389278" y="1233241"/>
-            <a:ext cx="3240506" cy="4064628"/>
-          </a:xfrm>
-        </p:spPr>
-        <p:txBody>
-          <a:bodyPr>
-            <a:normAutofit/>
-          </a:bodyPr>
-          <a:lstStyle/>
-          <a:p>
-            <a:r>
-              <a:rPr lang="en-US" altLang="zh-TW" sz="4100">
-                <a:solidFill>
-                  <a:srgbClr val="FFFFFF"/>
-                </a:solidFill>
-              </a:rPr>
-              <a:t>Cybersecurity Matter 1 - Denial of Service (DoS) Attack</a:t>
-            </a:r>
-            <a:endParaRPr lang="zh-TW" altLang="en-US" sz="4100">
-              <a:solidFill>
-                <a:srgbClr val="FFFFFF"/>
-              </a:solidFill>
-            </a:endParaRPr>
-          </a:p>
-        </p:txBody>
-      </p:sp>
-      <p:sp>
-        <p:nvSpPr>
-          <p:cNvPr id="12" name="Freeform: Shape 11">
-            <a:extLst>
-              <a:ext uri="{FF2B5EF4-FFF2-40B4-BE49-F238E27FC236}">
-                <a16:creationId xmlns:a16="http://schemas.microsoft.com/office/drawing/2014/main" id="{14847E93-7DC1-4D4B-8829-B19AA7137C50}"/>
-              </a:ext>
-              <a:ext uri="{C183D7F6-B498-43B3-948B-1728B52AA6E4}">
-                <adec:decorative xmlns:adec="http://schemas.microsoft.com/office/drawing/2017/decorative" val="1"/>
-              </a:ext>
-            </a:extLst>
-          </p:cNvPr>
-          <p:cNvSpPr>
-            <a:spLocks noGrp="1" noRot="1" noChangeAspect="1" noMove="1" noResize="1" noEditPoints="1" noAdjustHandles="1" noChangeArrowheads="1" noChangeShapeType="1" noTextEdit="1"/>
-          </p:cNvSpPr>
-          <p:nvPr>
-            <p:extLst>
-              <p:ext uri="{386F3935-93C4-4BCD-93E2-E3B085C9AB24}">
-                <p16:designElem xmlns:p16="http://schemas.microsoft.com/office/powerpoint/2015/main" val="1"/>
-              </p:ext>
-            </p:extLst>
-          </p:nvPr>
-        </p:nvSpPr>
-        <p:spPr>
-          <a:xfrm flipH="1">
-            <a:off x="530529" y="0"/>
-            <a:ext cx="1155142" cy="591009"/>
-          </a:xfrm>
-          <a:custGeom>
-            <a:avLst/>
-            <a:gdLst>
-              <a:gd name="connsiteX0" fmla="*/ 1355 w 1155142"/>
-              <a:gd name="connsiteY0" fmla="*/ 0 h 591009"/>
-              <a:gd name="connsiteX1" fmla="*/ 1153787 w 1155142"/>
-              <a:gd name="connsiteY1" fmla="*/ 0 h 591009"/>
-              <a:gd name="connsiteX2" fmla="*/ 1155142 w 1155142"/>
-              <a:gd name="connsiteY2" fmla="*/ 13438 h 591009"/>
-              <a:gd name="connsiteX3" fmla="*/ 577571 w 1155142"/>
-              <a:gd name="connsiteY3" fmla="*/ 591009 h 591009"/>
-              <a:gd name="connsiteX4" fmla="*/ 0 w 1155142"/>
-              <a:gd name="connsiteY4" fmla="*/ 13438 h 591009"/>
-            </a:gdLst>
-            <a:ahLst/>
-            <a:cxnLst>
-              <a:cxn ang="0">
-                <a:pos x="connsiteX0" y="connsiteY0"/>
-              </a:cxn>
-              <a:cxn ang="0">
-                <a:pos x="connsiteX1" y="connsiteY1"/>
-              </a:cxn>
-              <a:cxn ang="0">
-                <a:pos x="connsiteX2" y="connsiteY2"/>
-              </a:cxn>
-              <a:cxn ang="0">
-                <a:pos x="connsiteX3" y="connsiteY3"/>
-              </a:cxn>
-              <a:cxn ang="0">
-                <a:pos x="connsiteX4" y="connsiteY4"/>
-              </a:cxn>
-            </a:cxnLst>
-            <a:rect l="l" t="t" r="r" b="b"/>
-            <a:pathLst>
-              <a:path w="1155142" h="591009">
-                <a:moveTo>
-                  <a:pt x="1355" y="0"/>
-                </a:moveTo>
-                <a:lnTo>
-                  <a:pt x="1153787" y="0"/>
-                </a:lnTo>
-                <a:lnTo>
-                  <a:pt x="1155142" y="13438"/>
-                </a:lnTo>
-                <a:cubicBezTo>
-                  <a:pt x="1155142" y="332422"/>
-                  <a:pt x="896555" y="591009"/>
-                  <a:pt x="577571" y="591009"/>
-                </a:cubicBezTo>
-                <a:cubicBezTo>
-                  <a:pt x="258587" y="591009"/>
-                  <a:pt x="0" y="332422"/>
-                  <a:pt x="0" y="13438"/>
-                </a:cubicBezTo>
-                <a:close/>
-              </a:path>
-            </a:pathLst>
-          </a:custGeom>
-          <a:solidFill>
-            <a:schemeClr val="accent5"/>
-          </a:solidFill>
-          <a:ln>
-            <a:noFill/>
-          </a:ln>
-        </p:spPr>
-        <p:style>
-          <a:lnRef idx="2">
-            <a:schemeClr val="accent1">
-              <a:shade val="50000"/>
-            </a:schemeClr>
-          </a:lnRef>
-          <a:fillRef idx="1">
-            <a:schemeClr val="accent1"/>
-          </a:fillRef>
-          <a:effectRef idx="0">
-            <a:schemeClr val="accent1"/>
-          </a:effectRef>
-          <a:fontRef idx="minor">
-            <a:schemeClr val="lt1"/>
-          </a:fontRef>
-        </p:style>
-        <p:txBody>
-          <a:bodyPr wrap="square" rtlCol="0" anchor="ctr">
-            <a:noAutofit/>
-          </a:bodyPr>
-          <a:lstStyle/>
-          <a:p>
-            <a:pPr algn="ctr"/>
-            <a:endParaRPr lang="en-US"/>
-          </a:p>
-        </p:txBody>
-      </p:sp>
-      <p:sp>
-        <p:nvSpPr>
-          <p:cNvPr id="14" name="Freeform: Shape 13">
-            <a:extLst>
-              <a:ext uri="{FF2B5EF4-FFF2-40B4-BE49-F238E27FC236}">
-                <a16:creationId xmlns:a16="http://schemas.microsoft.com/office/drawing/2014/main" id="{5566D6E1-03A1-4D73-A4E0-35D74D568A04}"/>
-              </a:ext>
-              <a:ext uri="{C183D7F6-B498-43B3-948B-1728B52AA6E4}">
-                <adec:decorative xmlns:adec="http://schemas.microsoft.com/office/drawing/2017/decorative" val="1"/>
-              </a:ext>
-            </a:extLst>
-          </p:cNvPr>
-          <p:cNvSpPr>
-            <a:spLocks noGrp="1" noRot="1" noChangeAspect="1" noMove="1" noResize="1" noEditPoints="1" noAdjustHandles="1" noChangeArrowheads="1" noChangeShapeType="1" noTextEdit="1"/>
-          </p:cNvSpPr>
-          <p:nvPr>
-            <p:extLst>
-              <p:ext uri="{386F3935-93C4-4BCD-93E2-E3B085C9AB24}">
-                <p16:designElem xmlns:p16="http://schemas.microsoft.com/office/powerpoint/2015/main" val="1"/>
-              </p:ext>
-            </p:extLst>
-          </p:nvPr>
-        </p:nvSpPr>
-        <p:spPr>
-          <a:xfrm flipH="1">
-            <a:off x="3961511" y="-1"/>
-            <a:ext cx="1737401" cy="959536"/>
-          </a:xfrm>
-          <a:custGeom>
-            <a:avLst/>
-            <a:gdLst>
-              <a:gd name="connsiteX0" fmla="*/ 0 w 1737401"/>
-              <a:gd name="connsiteY0" fmla="*/ 0 h 959536"/>
-              <a:gd name="connsiteX1" fmla="*/ 123825 w 1737401"/>
-              <a:gd name="connsiteY1" fmla="*/ 0 h 959536"/>
-              <a:gd name="connsiteX2" fmla="*/ 123825 w 1737401"/>
-              <a:gd name="connsiteY2" fmla="*/ 790277 h 959536"/>
-              <a:gd name="connsiteX3" fmla="*/ 1490095 w 1737401"/>
-              <a:gd name="connsiteY3" fmla="*/ 0 h 959536"/>
-              <a:gd name="connsiteX4" fmla="*/ 1737401 w 1737401"/>
-              <a:gd name="connsiteY4" fmla="*/ 0 h 959536"/>
-              <a:gd name="connsiteX5" fmla="*/ 92869 w 1737401"/>
-              <a:gd name="connsiteY5" fmla="*/ 951249 h 959536"/>
-              <a:gd name="connsiteX6" fmla="*/ 61913 w 1737401"/>
-              <a:gd name="connsiteY6" fmla="*/ 959536 h 959536"/>
-              <a:gd name="connsiteX7" fmla="*/ 0 w 1737401"/>
-              <a:gd name="connsiteY7" fmla="*/ 897624 h 959536"/>
-            </a:gdLst>
-            <a:ahLst/>
-            <a:cxnLst>
-              <a:cxn ang="0">
-                <a:pos x="connsiteX0" y="connsiteY0"/>
-              </a:cxn>
-              <a:cxn ang="0">
-                <a:pos x="connsiteX1" y="connsiteY1"/>
-              </a:cxn>
-              <a:cxn ang="0">
-                <a:pos x="connsiteX2" y="connsiteY2"/>
-              </a:cxn>
-              <a:cxn ang="0">
-                <a:pos x="connsiteX3" y="connsiteY3"/>
-              </a:cxn>
-              <a:cxn ang="0">
-                <a:pos x="connsiteX4" y="connsiteY4"/>
-              </a:cxn>
-              <a:cxn ang="0">
-                <a:pos x="connsiteX5" y="connsiteY5"/>
-              </a:cxn>
-              <a:cxn ang="0">
-                <a:pos x="connsiteX6" y="connsiteY6"/>
-              </a:cxn>
-              <a:cxn ang="0">
-                <a:pos x="connsiteX7" y="connsiteY7"/>
-              </a:cxn>
-            </a:cxnLst>
-            <a:rect l="l" t="t" r="r" b="b"/>
-            <a:pathLst>
-              <a:path w="1737401" h="959536">
-                <a:moveTo>
-                  <a:pt x="0" y="0"/>
-                </a:moveTo>
-                <a:lnTo>
-                  <a:pt x="123825" y="0"/>
-                </a:lnTo>
-                <a:lnTo>
-                  <a:pt x="123825" y="790277"/>
-                </a:lnTo>
-                <a:lnTo>
-                  <a:pt x="1490095" y="0"/>
-                </a:lnTo>
-                <a:lnTo>
-                  <a:pt x="1737401" y="0"/>
-                </a:lnTo>
-                <a:lnTo>
-                  <a:pt x="92869" y="951249"/>
-                </a:lnTo>
-                <a:cubicBezTo>
-                  <a:pt x="83458" y="956688"/>
-                  <a:pt x="72780" y="959546"/>
-                  <a:pt x="61913" y="959536"/>
-                </a:cubicBezTo>
-                <a:cubicBezTo>
-                  <a:pt x="27719" y="959536"/>
-                  <a:pt x="0" y="931818"/>
-                  <a:pt x="0" y="897624"/>
-                </a:cubicBezTo>
-                <a:close/>
-              </a:path>
-            </a:pathLst>
-          </a:custGeom>
-          <a:solidFill>
-            <a:schemeClr val="accent6"/>
-          </a:solidFill>
-          <a:ln w="9525" cap="flat">
-            <a:noFill/>
-            <a:prstDash val="solid"/>
-            <a:miter/>
-          </a:ln>
-        </p:spPr>
-        <p:txBody>
-          <a:bodyPr rtlCol="0" anchor="ctr"/>
-          <a:lstStyle/>
-          <a:p>
-            <a:endParaRPr lang="en-US"/>
-          </a:p>
-        </p:txBody>
-      </p:sp>
-      <p:sp>
-        <p:nvSpPr>
-          <p:cNvPr id="16" name="Freeform: Shape 15">
-            <a:extLst>
-              <a:ext uri="{FF2B5EF4-FFF2-40B4-BE49-F238E27FC236}">
-                <a16:creationId xmlns:a16="http://schemas.microsoft.com/office/drawing/2014/main" id="{9F835A99-04AC-494A-A572-AFE8413CC938}"/>
-              </a:ext>
-              <a:ext uri="{C183D7F6-B498-43B3-948B-1728B52AA6E4}">
-                <adec:decorative xmlns:adec="http://schemas.microsoft.com/office/drawing/2017/decorative" val="1"/>
-              </a:ext>
-            </a:extLst>
-          </p:cNvPr>
-          <p:cNvSpPr>
-            <a:spLocks noGrp="1" noRot="1" noChangeAspect="1" noMove="1" noResize="1" noEditPoints="1" noAdjustHandles="1" noChangeArrowheads="1" noChangeShapeType="1" noTextEdit="1"/>
-          </p:cNvSpPr>
-          <p:nvPr>
-            <p:extLst>
-              <p:ext uri="{386F3935-93C4-4BCD-93E2-E3B085C9AB24}">
-                <p16:designElem xmlns:p16="http://schemas.microsoft.com/office/powerpoint/2015/main" val="1"/>
-              </p:ext>
-            </p:extLst>
-          </p:nvPr>
-        </p:nvSpPr>
-        <p:spPr>
-          <a:xfrm flipH="1">
-            <a:off x="0" y="2936831"/>
-            <a:ext cx="159741" cy="552996"/>
-          </a:xfrm>
-          <a:custGeom>
-            <a:avLst/>
-            <a:gdLst>
-              <a:gd name="connsiteX0" fmla="*/ 159741 w 159741"/>
-              <a:gd name="connsiteY0" fmla="*/ 0 h 552996"/>
-              <a:gd name="connsiteX1" fmla="*/ 159741 w 159741"/>
-              <a:gd name="connsiteY1" fmla="*/ 552996 h 552996"/>
-              <a:gd name="connsiteX2" fmla="*/ 141849 w 159741"/>
-              <a:gd name="connsiteY2" fmla="*/ 543285 h 552996"/>
-              <a:gd name="connsiteX3" fmla="*/ 0 w 159741"/>
-              <a:gd name="connsiteY3" fmla="*/ 276498 h 552996"/>
-              <a:gd name="connsiteX4" fmla="*/ 141849 w 159741"/>
-              <a:gd name="connsiteY4" fmla="*/ 9711 h 552996"/>
-            </a:gdLst>
-            <a:ahLst/>
-            <a:cxnLst>
-              <a:cxn ang="0">
-                <a:pos x="connsiteX0" y="connsiteY0"/>
-              </a:cxn>
-              <a:cxn ang="0">
-                <a:pos x="connsiteX1" y="connsiteY1"/>
-              </a:cxn>
-              <a:cxn ang="0">
-                <a:pos x="connsiteX2" y="connsiteY2"/>
-              </a:cxn>
-              <a:cxn ang="0">
-                <a:pos x="connsiteX3" y="connsiteY3"/>
-              </a:cxn>
-              <a:cxn ang="0">
-                <a:pos x="connsiteX4" y="connsiteY4"/>
-              </a:cxn>
-            </a:cxnLst>
-            <a:rect l="l" t="t" r="r" b="b"/>
-            <a:pathLst>
-              <a:path w="159741" h="552996">
-                <a:moveTo>
-                  <a:pt x="159741" y="0"/>
-                </a:moveTo>
-                <a:lnTo>
-                  <a:pt x="159741" y="552996"/>
-                </a:lnTo>
-                <a:lnTo>
-                  <a:pt x="141849" y="543285"/>
-                </a:lnTo>
-                <a:cubicBezTo>
-                  <a:pt x="56268" y="485467"/>
-                  <a:pt x="0" y="387554"/>
-                  <a:pt x="0" y="276498"/>
-                </a:cubicBezTo>
-                <a:cubicBezTo>
-                  <a:pt x="0" y="165443"/>
-                  <a:pt x="56268" y="67529"/>
-                  <a:pt x="141849" y="9711"/>
-                </a:cubicBezTo>
-                <a:close/>
-              </a:path>
-            </a:pathLst>
-          </a:custGeom>
-          <a:solidFill>
-            <a:schemeClr val="accent4"/>
-          </a:solidFill>
-          <a:ln w="127000">
-            <a:noFill/>
-          </a:ln>
-        </p:spPr>
-        <p:style>
-          <a:lnRef idx="2">
-            <a:schemeClr val="accent1">
-              <a:shade val="50000"/>
-            </a:schemeClr>
-          </a:lnRef>
-          <a:fillRef idx="1">
-            <a:schemeClr val="accent1"/>
-          </a:fillRef>
-          <a:effectRef idx="0">
-            <a:schemeClr val="accent1"/>
-          </a:effectRef>
-          <a:fontRef idx="minor">
-            <a:schemeClr val="lt1"/>
-          </a:fontRef>
-        </p:style>
-        <p:txBody>
-          <a:bodyPr wrap="square" rtlCol="0" anchor="ctr">
-            <a:noAutofit/>
-          </a:bodyPr>
-          <a:lstStyle/>
-          <a:p>
-            <a:pPr algn="ctr"/>
-            <a:endParaRPr lang="en-US"/>
-          </a:p>
-        </p:txBody>
-      </p:sp>
-      <p:sp>
-        <p:nvSpPr>
-          <p:cNvPr id="3" name="内容占位符 2">
-            <a:extLst>
-              <a:ext uri="{FF2B5EF4-FFF2-40B4-BE49-F238E27FC236}">
-                <a16:creationId xmlns:a16="http://schemas.microsoft.com/office/drawing/2014/main" id="{1F0F6A62-1180-E05D-8136-713C4AFC5120}"/>
-              </a:ext>
-            </a:extLst>
-          </p:cNvPr>
-          <p:cNvSpPr>
-            <a:spLocks noGrp="1"/>
-          </p:cNvSpPr>
-          <p:nvPr>
-            <p:ph idx="1"/>
-          </p:nvPr>
-        </p:nvSpPr>
-        <p:spPr>
-          <a:xfrm>
-            <a:off x="6096000" y="820880"/>
-            <a:ext cx="5257799" cy="4889350"/>
-          </a:xfrm>
-        </p:spPr>
-        <p:txBody>
-          <a:bodyPr anchor="t">
-            <a:normAutofit/>
-          </a:bodyPr>
-          <a:lstStyle/>
-          <a:p>
-            <a:r>
-              <a:rPr lang="en-US" altLang="zh-TW" sz="2000" dirty="0"/>
-              <a:t>Definition: DoS attacks aim to make target computer or network resources unavailable.</a:t>
-            </a:r>
-          </a:p>
-          <a:p>
-            <a:r>
-              <a:rPr lang="en-US" altLang="zh-TW" sz="2000" dirty="0"/>
-              <a:t>Common Types:</a:t>
-            </a:r>
-          </a:p>
-          <a:p>
-            <a:r>
-              <a:rPr lang="en-US" altLang="zh-TW" sz="2000" dirty="0"/>
-              <a:t>Flood Attacks</a:t>
-            </a:r>
-          </a:p>
-          <a:p>
-            <a:r>
-              <a:rPr lang="en-US" altLang="zh-TW" sz="2000" dirty="0"/>
-              <a:t>Distributed Denial of Service (DDoS) Attacks</a:t>
-            </a:r>
-          </a:p>
-          <a:p>
-            <a:r>
-              <a:rPr lang="en-US" altLang="zh-TW" sz="2000" dirty="0"/>
-              <a:t>Preventive Measures:</a:t>
-            </a:r>
-          </a:p>
-          <a:p>
-            <a:r>
-              <a:rPr lang="en-US" altLang="zh-TW" sz="2000" dirty="0"/>
-              <a:t>Deploy firewalls and intrusion detection systems</a:t>
-            </a:r>
-          </a:p>
-          <a:p>
-            <a:r>
-              <a:rPr lang="en-US" altLang="zh-TW" sz="2000" dirty="0"/>
-              <a:t>Implement traffic monitoring and limitation</a:t>
-            </a:r>
-            <a:endParaRPr lang="zh-TW" altLang="en-US" sz="2000" dirty="0"/>
-          </a:p>
-        </p:txBody>
-      </p:sp>
-      <p:sp>
-        <p:nvSpPr>
-          <p:cNvPr id="18" name="Freeform: Shape 17">
-            <a:extLst>
-              <a:ext uri="{FF2B5EF4-FFF2-40B4-BE49-F238E27FC236}">
-                <a16:creationId xmlns:a16="http://schemas.microsoft.com/office/drawing/2014/main" id="{7B786209-1B0B-4CA9-9BDD-F7327066A84D}"/>
-              </a:ext>
-              <a:ext uri="{C183D7F6-B498-43B3-948B-1728B52AA6E4}">
-                <adec:decorative xmlns:adec="http://schemas.microsoft.com/office/drawing/2017/decorative" val="1"/>
-              </a:ext>
-            </a:extLst>
-          </p:cNvPr>
-          <p:cNvSpPr>
-            <a:spLocks noGrp="1" noRot="1" noChangeAspect="1" noMove="1" noResize="1" noEditPoints="1" noAdjustHandles="1" noChangeArrowheads="1" noChangeShapeType="1" noTextEdit="1"/>
-          </p:cNvSpPr>
-          <p:nvPr>
-            <p:extLst>
-              <p:ext uri="{386F3935-93C4-4BCD-93E2-E3B085C9AB24}">
-                <p16:designElem xmlns:p16="http://schemas.microsoft.com/office/powerpoint/2015/main" val="1"/>
-              </p:ext>
-            </p:extLst>
-          </p:nvPr>
-        </p:nvSpPr>
-        <p:spPr>
-          <a:xfrm flipH="1">
-            <a:off x="0" y="5835649"/>
-            <a:ext cx="1548180" cy="1022351"/>
-          </a:xfrm>
-          <a:custGeom>
-            <a:avLst/>
-            <a:gdLst>
-              <a:gd name="connsiteX0" fmla="*/ 61913 w 1548180"/>
-              <a:gd name="connsiteY0" fmla="*/ 0 h 1022351"/>
-              <a:gd name="connsiteX1" fmla="*/ 1548180 w 1548180"/>
-              <a:gd name="connsiteY1" fmla="*/ 0 h 1022351"/>
-              <a:gd name="connsiteX2" fmla="*/ 1548180 w 1548180"/>
-              <a:gd name="connsiteY2" fmla="*/ 123825 h 1022351"/>
-              <a:gd name="connsiteX3" fmla="*/ 123825 w 1548180"/>
-              <a:gd name="connsiteY3" fmla="*/ 123825 h 1022351"/>
-              <a:gd name="connsiteX4" fmla="*/ 123825 w 1548180"/>
-              <a:gd name="connsiteY4" fmla="*/ 1022351 h 1022351"/>
-              <a:gd name="connsiteX5" fmla="*/ 0 w 1548180"/>
-              <a:gd name="connsiteY5" fmla="*/ 1022351 h 1022351"/>
-              <a:gd name="connsiteX6" fmla="*/ 0 w 1548180"/>
-              <a:gd name="connsiteY6" fmla="*/ 61913 h 1022351"/>
-              <a:gd name="connsiteX7" fmla="*/ 61913 w 1548180"/>
-              <a:gd name="connsiteY7" fmla="*/ 0 h 1022351"/>
-            </a:gdLst>
-            <a:ahLst/>
-            <a:cxnLst>
-              <a:cxn ang="0">
-                <a:pos x="connsiteX0" y="connsiteY0"/>
-              </a:cxn>
-              <a:cxn ang="0">
-                <a:pos x="connsiteX1" y="connsiteY1"/>
-              </a:cxn>
-              <a:cxn ang="0">
-                <a:pos x="connsiteX2" y="connsiteY2"/>
-              </a:cxn>
-              <a:cxn ang="0">
-                <a:pos x="connsiteX3" y="connsiteY3"/>
-              </a:cxn>
-              <a:cxn ang="0">
-                <a:pos x="connsiteX4" y="connsiteY4"/>
-              </a:cxn>
-              <a:cxn ang="0">
-                <a:pos x="connsiteX5" y="connsiteY5"/>
-              </a:cxn>
-              <a:cxn ang="0">
-                <a:pos x="connsiteX6" y="connsiteY6"/>
-              </a:cxn>
-              <a:cxn ang="0">
-                <a:pos x="connsiteX7" y="connsiteY7"/>
-              </a:cxn>
-            </a:cxnLst>
-            <a:rect l="l" t="t" r="r" b="b"/>
-            <a:pathLst>
-              <a:path w="1548180" h="1022351">
-                <a:moveTo>
-                  <a:pt x="61913" y="0"/>
-                </a:moveTo>
-                <a:lnTo>
-                  <a:pt x="1548180" y="0"/>
-                </a:lnTo>
-                <a:lnTo>
-                  <a:pt x="1548180" y="123825"/>
-                </a:lnTo>
-                <a:lnTo>
-                  <a:pt x="123825" y="123825"/>
-                </a:lnTo>
-                <a:lnTo>
-                  <a:pt x="123825" y="1022351"/>
-                </a:lnTo>
-                <a:lnTo>
-                  <a:pt x="0" y="1022351"/>
-                </a:lnTo>
-                <a:lnTo>
-                  <a:pt x="0" y="61913"/>
-                </a:lnTo>
-                <a:cubicBezTo>
-                  <a:pt x="0" y="27719"/>
-                  <a:pt x="27719" y="0"/>
-                  <a:pt x="61913" y="0"/>
-                </a:cubicBezTo>
-                <a:close/>
-              </a:path>
-            </a:pathLst>
-          </a:custGeom>
-          <a:solidFill>
-            <a:schemeClr val="accent6"/>
-          </a:solidFill>
-          <a:ln w="9525" cap="flat">
-            <a:noFill/>
-            <a:prstDash val="solid"/>
-            <a:miter/>
-          </a:ln>
-        </p:spPr>
-        <p:txBody>
-          <a:bodyPr rtlCol="0" anchor="ctr"/>
-          <a:lstStyle/>
-          <a:p>
-            <a:endParaRPr lang="en-US"/>
-          </a:p>
-        </p:txBody>
-      </p:sp>
-      <p:sp>
-        <p:nvSpPr>
-          <p:cNvPr id="20" name="Freeform: Shape 19">
-            <a:extLst>
-              <a:ext uri="{FF2B5EF4-FFF2-40B4-BE49-F238E27FC236}">
-                <a16:creationId xmlns:a16="http://schemas.microsoft.com/office/drawing/2014/main" id="{2D2964BB-484D-45AE-AD66-D407D0629652}"/>
-              </a:ext>
-              <a:ext uri="{C183D7F6-B498-43B3-948B-1728B52AA6E4}">
-                <adec:decorative xmlns:adec="http://schemas.microsoft.com/office/drawing/2017/decorative" val="1"/>
-              </a:ext>
-            </a:extLst>
-          </p:cNvPr>
-          <p:cNvSpPr>
-            <a:spLocks noGrp="1" noRot="1" noChangeAspect="1" noMove="1" noResize="1" noEditPoints="1" noAdjustHandles="1" noChangeArrowheads="1" noChangeShapeType="1" noTextEdit="1"/>
-          </p:cNvSpPr>
-          <p:nvPr>
-            <p:extLst>
-              <p:ext uri="{386F3935-93C4-4BCD-93E2-E3B085C9AB24}">
-                <p16:designElem xmlns:p16="http://schemas.microsoft.com/office/powerpoint/2015/main" val="1"/>
-              </p:ext>
-            </p:extLst>
-          </p:nvPr>
-        </p:nvSpPr>
-        <p:spPr>
-          <a:xfrm flipH="1">
-            <a:off x="3405056" y="5717905"/>
-            <a:ext cx="1771609" cy="1140095"/>
-          </a:xfrm>
-          <a:custGeom>
-            <a:avLst/>
-            <a:gdLst>
-              <a:gd name="connsiteX0" fmla="*/ 1561721 w 1771609"/>
-              <a:gd name="connsiteY0" fmla="*/ 763041 h 1140095"/>
-              <a:gd name="connsiteX1" fmla="*/ 1623024 w 1771609"/>
-              <a:gd name="connsiteY1" fmla="*/ 792810 h 1140095"/>
-              <a:gd name="connsiteX2" fmla="*/ 1711735 w 1771609"/>
-              <a:gd name="connsiteY2" fmla="*/ 970132 h 1140095"/>
-              <a:gd name="connsiteX3" fmla="*/ 1771609 w 1771609"/>
-              <a:gd name="connsiteY3" fmla="*/ 1140095 h 1140095"/>
-              <a:gd name="connsiteX4" fmla="*/ 1637225 w 1771609"/>
-              <a:gd name="connsiteY4" fmla="*/ 1140095 h 1140095"/>
-              <a:gd name="connsiteX5" fmla="*/ 1594820 w 1771609"/>
-              <a:gd name="connsiteY5" fmla="*/ 1019711 h 1140095"/>
-              <a:gd name="connsiteX6" fmla="*/ 1513200 w 1771609"/>
-              <a:gd name="connsiteY6" fmla="*/ 856627 h 1140095"/>
-              <a:gd name="connsiteX7" fmla="*/ 1538499 w 1771609"/>
-              <a:gd name="connsiteY7" fmla="*/ 770415 h 1140095"/>
-              <a:gd name="connsiteX8" fmla="*/ 1561721 w 1771609"/>
-              <a:gd name="connsiteY8" fmla="*/ 763041 h 1140095"/>
-              <a:gd name="connsiteX9" fmla="*/ 933455 w 1771609"/>
-              <a:gd name="connsiteY9" fmla="*/ 161309 h 1140095"/>
-              <a:gd name="connsiteX10" fmla="*/ 957797 w 1771609"/>
-              <a:gd name="connsiteY10" fmla="*/ 167970 h 1140095"/>
-              <a:gd name="connsiteX11" fmla="*/ 1286982 w 1771609"/>
-              <a:gd name="connsiteY11" fmla="*/ 387616 h 1140095"/>
-              <a:gd name="connsiteX12" fmla="*/ 1293725 w 1771609"/>
-              <a:gd name="connsiteY12" fmla="*/ 477075 h 1140095"/>
-              <a:gd name="connsiteX13" fmla="*/ 1245453 w 1771609"/>
-              <a:gd name="connsiteY13" fmla="*/ 499154 h 1140095"/>
-              <a:gd name="connsiteX14" fmla="*/ 1245167 w 1771609"/>
-              <a:gd name="connsiteY14" fmla="*/ 499154 h 1140095"/>
-              <a:gd name="connsiteX15" fmla="*/ 1203638 w 1771609"/>
-              <a:gd name="connsiteY15" fmla="*/ 484104 h 1140095"/>
-              <a:gd name="connsiteX16" fmla="*/ 900647 w 1771609"/>
-              <a:gd name="connsiteY16" fmla="*/ 281508 h 1140095"/>
-              <a:gd name="connsiteX17" fmla="*/ 872454 w 1771609"/>
-              <a:gd name="connsiteY17" fmla="*/ 196164 h 1140095"/>
-              <a:gd name="connsiteX18" fmla="*/ 933455 w 1771609"/>
-              <a:gd name="connsiteY18" fmla="*/ 161309 h 1140095"/>
-              <a:gd name="connsiteX19" fmla="*/ 256260 w 1771609"/>
-              <a:gd name="connsiteY19" fmla="*/ 29 h 1140095"/>
-              <a:gd name="connsiteX20" fmla="*/ 454020 w 1771609"/>
-              <a:gd name="connsiteY20" fmla="*/ 13474 h 1140095"/>
-              <a:gd name="connsiteX21" fmla="*/ 509236 w 1771609"/>
-              <a:gd name="connsiteY21" fmla="*/ 84182 h 1140095"/>
-              <a:gd name="connsiteX22" fmla="*/ 445829 w 1771609"/>
-              <a:gd name="connsiteY22" fmla="*/ 139871 h 1140095"/>
-              <a:gd name="connsiteX23" fmla="*/ 437447 w 1771609"/>
-              <a:gd name="connsiteY23" fmla="*/ 139395 h 1140095"/>
-              <a:gd name="connsiteX24" fmla="*/ 73211 w 1771609"/>
-              <a:gd name="connsiteY24" fmla="*/ 137204 h 1140095"/>
-              <a:gd name="connsiteX25" fmla="*/ 749 w 1771609"/>
-              <a:gd name="connsiteY25" fmla="*/ 84082 h 1140095"/>
-              <a:gd name="connsiteX26" fmla="*/ 53871 w 1771609"/>
-              <a:gd name="connsiteY26" fmla="*/ 11621 h 1140095"/>
-              <a:gd name="connsiteX27" fmla="*/ 58352 w 1771609"/>
-              <a:gd name="connsiteY27" fmla="*/ 11093 h 1140095"/>
-              <a:gd name="connsiteX28" fmla="*/ 256260 w 1771609"/>
-              <a:gd name="connsiteY28" fmla="*/ 29 h 1140095"/>
-            </a:gdLst>
-            <a:ahLst/>
-            <a:cxnLst>
-              <a:cxn ang="0">
-                <a:pos x="connsiteX0" y="connsiteY0"/>
-              </a:cxn>
-              <a:cxn ang="0">
-                <a:pos x="connsiteX1" y="connsiteY1"/>
-              </a:cxn>
-              <a:cxn ang="0">
-                <a:pos x="connsiteX2" y="connsiteY2"/>
-              </a:cxn>
-              <a:cxn ang="0">
-                <a:pos x="connsiteX3" y="connsiteY3"/>
-              </a:cxn>
-              <a:cxn ang="0">
-                <a:pos x="connsiteX4" y="connsiteY4"/>
-              </a:cxn>
-              <a:cxn ang="0">
-                <a:pos x="connsiteX5" y="connsiteY5"/>
-              </a:cxn>
-              <a:cxn ang="0">
-                <a:pos x="connsiteX6" y="connsiteY6"/>
-              </a:cxn>
-              <a:cxn ang="0">
-                <a:pos x="connsiteX7" y="connsiteY7"/>
-              </a:cxn>
-              <a:cxn ang="0">
-                <a:pos x="connsiteX8" y="connsiteY8"/>
-              </a:cxn>
-              <a:cxn ang="0">
-                <a:pos x="connsiteX9" y="connsiteY9"/>
-              </a:cxn>
-              <a:cxn ang="0">
-                <a:pos x="connsiteX10" y="connsiteY10"/>
-              </a:cxn>
-              <a:cxn ang="0">
-                <a:pos x="connsiteX11" y="connsiteY11"/>
-              </a:cxn>
-              <a:cxn ang="0">
-                <a:pos x="connsiteX12" y="connsiteY12"/>
-              </a:cxn>
-              <a:cxn ang="0">
-                <a:pos x="connsiteX13" y="connsiteY13"/>
-              </a:cxn>
-              <a:cxn ang="0">
-                <a:pos x="connsiteX14" y="connsiteY14"/>
-              </a:cxn>
-              <a:cxn ang="0">
-                <a:pos x="connsiteX15" y="connsiteY15"/>
-              </a:cxn>
-              <a:cxn ang="0">
-                <a:pos x="connsiteX16" y="connsiteY16"/>
-              </a:cxn>
-              <a:cxn ang="0">
-                <a:pos x="connsiteX17" y="connsiteY17"/>
-              </a:cxn>
-              <a:cxn ang="0">
-                <a:pos x="connsiteX18" y="connsiteY18"/>
-              </a:cxn>
-              <a:cxn ang="0">
-                <a:pos x="connsiteX19" y="connsiteY19"/>
-              </a:cxn>
-              <a:cxn ang="0">
-                <a:pos x="connsiteX20" y="connsiteY20"/>
-              </a:cxn>
-              <a:cxn ang="0">
-                <a:pos x="connsiteX21" y="connsiteY21"/>
-              </a:cxn>
-              <a:cxn ang="0">
-                <a:pos x="connsiteX22" y="connsiteY22"/>
-              </a:cxn>
-              <a:cxn ang="0">
-                <a:pos x="connsiteX23" y="connsiteY23"/>
-              </a:cxn>
-              <a:cxn ang="0">
-                <a:pos x="connsiteX24" y="connsiteY24"/>
-              </a:cxn>
-              <a:cxn ang="0">
-                <a:pos x="connsiteX25" y="connsiteY25"/>
-              </a:cxn>
-              <a:cxn ang="0">
-                <a:pos x="connsiteX26" y="connsiteY26"/>
-              </a:cxn>
-              <a:cxn ang="0">
-                <a:pos x="connsiteX27" y="connsiteY27"/>
-              </a:cxn>
-              <a:cxn ang="0">
-                <a:pos x="connsiteX28" y="connsiteY28"/>
-              </a:cxn>
-            </a:cxnLst>
-            <a:rect l="l" t="t" r="r" b="b"/>
-            <a:pathLst>
-              <a:path w="1771609" h="1140095">
-                <a:moveTo>
-                  <a:pt x="1561721" y="763041"/>
-                </a:moveTo>
-                <a:cubicBezTo>
-                  <a:pt x="1585506" y="760324"/>
-                  <a:pt x="1609722" y="771249"/>
-                  <a:pt x="1623024" y="792810"/>
-                </a:cubicBezTo>
-                <a:cubicBezTo>
-                  <a:pt x="1656300" y="850065"/>
-                  <a:pt x="1685920" y="909291"/>
-                  <a:pt x="1711735" y="970132"/>
-                </a:cubicBezTo>
-                <a:lnTo>
-                  <a:pt x="1771609" y="1140095"/>
-                </a:lnTo>
-                <a:lnTo>
-                  <a:pt x="1637225" y="1140095"/>
-                </a:lnTo>
-                <a:lnTo>
-                  <a:pt x="1594820" y="1019711"/>
-                </a:lnTo>
-                <a:cubicBezTo>
-                  <a:pt x="1571072" y="963753"/>
-                  <a:pt x="1543818" y="909282"/>
-                  <a:pt x="1513200" y="856627"/>
-                </a:cubicBezTo>
-                <a:cubicBezTo>
-                  <a:pt x="1496379" y="825834"/>
-                  <a:pt x="1507704" y="787236"/>
-                  <a:pt x="1538499" y="770415"/>
-                </a:cubicBezTo>
-                <a:cubicBezTo>
-                  <a:pt x="1545912" y="766367"/>
-                  <a:pt x="1553792" y="763946"/>
-                  <a:pt x="1561721" y="763041"/>
-                </a:cubicBezTo>
-                <a:close/>
-                <a:moveTo>
-                  <a:pt x="933455" y="161309"/>
-                </a:moveTo>
-                <a:cubicBezTo>
-                  <a:pt x="941693" y="161855"/>
-                  <a:pt x="949959" y="164025"/>
-                  <a:pt x="957797" y="167970"/>
-                </a:cubicBezTo>
-                <a:cubicBezTo>
-                  <a:pt x="1076184" y="227289"/>
-                  <a:pt x="1186759" y="301068"/>
-                  <a:pt x="1286982" y="387616"/>
-                </a:cubicBezTo>
-                <a:cubicBezTo>
-                  <a:pt x="1313547" y="410457"/>
-                  <a:pt x="1316566" y="450510"/>
-                  <a:pt x="1293725" y="477075"/>
-                </a:cubicBezTo>
-                <a:cubicBezTo>
-                  <a:pt x="1281638" y="491137"/>
-                  <a:pt x="1263998" y="499204"/>
-                  <a:pt x="1245453" y="499154"/>
-                </a:cubicBezTo>
-                <a:lnTo>
-                  <a:pt x="1245167" y="499154"/>
-                </a:lnTo>
-                <a:cubicBezTo>
-                  <a:pt x="1229965" y="499301"/>
-                  <a:pt x="1215220" y="493956"/>
-                  <a:pt x="1203638" y="484104"/>
-                </a:cubicBezTo>
-                <a:cubicBezTo>
-                  <a:pt x="1111407" y="404300"/>
-                  <a:pt x="1009633" y="336248"/>
-                  <a:pt x="900647" y="281508"/>
-                </a:cubicBezTo>
-                <a:cubicBezTo>
-                  <a:pt x="869295" y="265726"/>
-                  <a:pt x="856672" y="227516"/>
-                  <a:pt x="872454" y="196164"/>
-                </a:cubicBezTo>
-                <a:cubicBezTo>
-                  <a:pt x="884290" y="172650"/>
-                  <a:pt x="908742" y="159670"/>
-                  <a:pt x="933455" y="161309"/>
-                </a:cubicBezTo>
-                <a:close/>
-                <a:moveTo>
-                  <a:pt x="256260" y="29"/>
-                </a:moveTo>
-                <a:cubicBezTo>
-                  <a:pt x="322331" y="427"/>
-                  <a:pt x="388378" y="4909"/>
-                  <a:pt x="454020" y="13474"/>
-                </a:cubicBezTo>
-                <a:cubicBezTo>
-                  <a:pt x="488793" y="17752"/>
-                  <a:pt x="513514" y="49409"/>
-                  <a:pt x="509236" y="84182"/>
-                </a:cubicBezTo>
-                <a:cubicBezTo>
-                  <a:pt x="505303" y="116151"/>
-                  <a:pt x="478038" y="140098"/>
-                  <a:pt x="445829" y="139871"/>
-                </a:cubicBezTo>
-                <a:cubicBezTo>
-                  <a:pt x="443027" y="139899"/>
-                  <a:pt x="440227" y="139740"/>
-                  <a:pt x="437447" y="139395"/>
-                </a:cubicBezTo>
-                <a:cubicBezTo>
-                  <a:pt x="316592" y="123615"/>
-                  <a:pt x="194247" y="122878"/>
-                  <a:pt x="73211" y="137204"/>
-                </a:cubicBezTo>
-                <a:cubicBezTo>
-                  <a:pt x="38532" y="142545"/>
-                  <a:pt x="6090" y="118762"/>
-                  <a:pt x="749" y="84082"/>
-                </a:cubicBezTo>
-                <a:cubicBezTo>
-                  <a:pt x="-4591" y="49403"/>
-                  <a:pt x="19192" y="16961"/>
-                  <a:pt x="53871" y="11621"/>
-                </a:cubicBezTo>
-                <a:cubicBezTo>
-                  <a:pt x="55358" y="11392"/>
-                  <a:pt x="56852" y="11216"/>
-                  <a:pt x="58352" y="11093"/>
-                </a:cubicBezTo>
-                <a:cubicBezTo>
-                  <a:pt x="124093" y="3319"/>
-                  <a:pt x="190189" y="-369"/>
-                  <a:pt x="256260" y="29"/>
-                </a:cubicBezTo>
-                <a:close/>
-              </a:path>
-            </a:pathLst>
-          </a:custGeom>
-          <a:solidFill>
-            <a:schemeClr val="accent4"/>
-          </a:solidFill>
-          <a:ln w="9525" cap="flat">
-            <a:noFill/>
-            <a:prstDash val="solid"/>
-            <a:miter/>
-          </a:ln>
-        </p:spPr>
-        <p:txBody>
-          <a:bodyPr rtlCol="0" anchor="ctr"/>
-          <a:lstStyle/>
-          <a:p>
-            <a:endParaRPr lang="en-US"/>
-          </a:p>
-        </p:txBody>
-      </p:sp>
-      <p:sp>
-        <p:nvSpPr>
-          <p:cNvPr id="22" name="Freeform: Shape 21">
-            <a:extLst>
-              <a:ext uri="{FF2B5EF4-FFF2-40B4-BE49-F238E27FC236}">
-                <a16:creationId xmlns:a16="http://schemas.microsoft.com/office/drawing/2014/main" id="{6691AC69-A76E-4DAB-B565-468B6B87ACF3}"/>
-              </a:ext>
-              <a:ext uri="{C183D7F6-B498-43B3-948B-1728B52AA6E4}">
-                <adec:decorative xmlns:adec="http://schemas.microsoft.com/office/drawing/2017/decorative" val="1"/>
-              </a:ext>
-            </a:extLst>
-          </p:cNvPr>
-          <p:cNvSpPr>
-            <a:spLocks noGrp="1" noRot="1" noChangeAspect="1" noMove="1" noResize="1" noEditPoints="1" noAdjustHandles="1" noChangeArrowheads="1" noChangeShapeType="1" noTextEdit="1"/>
-          </p:cNvSpPr>
-          <p:nvPr>
-            <p:extLst>
-              <p:ext uri="{386F3935-93C4-4BCD-93E2-E3B085C9AB24}">
-                <p16:designElem xmlns:p16="http://schemas.microsoft.com/office/powerpoint/2015/main" val="1"/>
-              </p:ext>
-            </p:extLst>
-          </p:nvPr>
-        </p:nvSpPr>
-        <p:spPr>
-          <a:xfrm flipH="1">
-            <a:off x="4132972" y="6258755"/>
-            <a:ext cx="1565940" cy="599245"/>
-          </a:xfrm>
-          <a:custGeom>
-            <a:avLst/>
-            <a:gdLst>
-              <a:gd name="connsiteX0" fmla="*/ 782970 w 1565940"/>
-              <a:gd name="connsiteY0" fmla="*/ 0 h 599245"/>
-              <a:gd name="connsiteX1" fmla="*/ 1528042 w 1565940"/>
-              <a:gd name="connsiteY1" fmla="*/ 480469 h 599245"/>
-              <a:gd name="connsiteX2" fmla="*/ 1565940 w 1565940"/>
-              <a:gd name="connsiteY2" fmla="*/ 599245 h 599245"/>
-              <a:gd name="connsiteX3" fmla="*/ 0 w 1565940"/>
-              <a:gd name="connsiteY3" fmla="*/ 599245 h 599245"/>
-              <a:gd name="connsiteX4" fmla="*/ 37898 w 1565940"/>
-              <a:gd name="connsiteY4" fmla="*/ 480469 h 599245"/>
-              <a:gd name="connsiteX5" fmla="*/ 782970 w 1565940"/>
-              <a:gd name="connsiteY5" fmla="*/ 0 h 599245"/>
-            </a:gdLst>
-            <a:ahLst/>
-            <a:cxnLst>
-              <a:cxn ang="0">
-                <a:pos x="connsiteX0" y="connsiteY0"/>
-              </a:cxn>
-              <a:cxn ang="0">
-                <a:pos x="connsiteX1" y="connsiteY1"/>
-              </a:cxn>
-              <a:cxn ang="0">
-                <a:pos x="connsiteX2" y="connsiteY2"/>
-              </a:cxn>
-              <a:cxn ang="0">
-                <a:pos x="connsiteX3" y="connsiteY3"/>
-              </a:cxn>
-              <a:cxn ang="0">
-                <a:pos x="connsiteX4" y="connsiteY4"/>
-              </a:cxn>
-              <a:cxn ang="0">
-                <a:pos x="connsiteX5" y="connsiteY5"/>
-              </a:cxn>
-            </a:cxnLst>
-            <a:rect l="l" t="t" r="r" b="b"/>
-            <a:pathLst>
-              <a:path w="1565940" h="599245">
-                <a:moveTo>
-                  <a:pt x="782970" y="0"/>
-                </a:moveTo>
-                <a:cubicBezTo>
-                  <a:pt x="1117910" y="0"/>
-                  <a:pt x="1405287" y="198118"/>
-                  <a:pt x="1528042" y="480469"/>
-                </a:cubicBezTo>
-                <a:lnTo>
-                  <a:pt x="1565940" y="599245"/>
-                </a:lnTo>
-                <a:lnTo>
-                  <a:pt x="0" y="599245"/>
-                </a:lnTo>
-                <a:lnTo>
-                  <a:pt x="37898" y="480469"/>
-                </a:lnTo>
-                <a:cubicBezTo>
-                  <a:pt x="160653" y="198118"/>
-                  <a:pt x="448030" y="0"/>
-                  <a:pt x="782970" y="0"/>
-                </a:cubicBezTo>
-                <a:close/>
-              </a:path>
-            </a:pathLst>
-          </a:custGeom>
-          <a:solidFill>
-            <a:schemeClr val="accent2"/>
-          </a:solidFill>
-          <a:ln>
-            <a:noFill/>
-          </a:ln>
-        </p:spPr>
-        <p:style>
-          <a:lnRef idx="2">
-            <a:schemeClr val="accent1">
-              <a:shade val="50000"/>
-            </a:schemeClr>
-          </a:lnRef>
-          <a:fillRef idx="1">
-            <a:schemeClr val="accent1"/>
-          </a:fillRef>
-          <a:effectRef idx="0">
-            <a:schemeClr val="accent1"/>
-          </a:effectRef>
-          <a:fontRef idx="minor">
-            <a:schemeClr val="lt1"/>
-          </a:fontRef>
-        </p:style>
-        <p:txBody>
-          <a:bodyPr wrap="square" rtlCol="0" anchor="ctr">
-            <a:noAutofit/>
-          </a:bodyPr>
-          <a:lstStyle/>
-          <a:p>
-            <a:pPr algn="ctr"/>
-            <a:endParaRPr lang="en-US" dirty="0"/>
-          </a:p>
-        </p:txBody>
-      </p:sp>
-    </p:spTree>
-    <p:extLst>
-      <p:ext uri="{BB962C8B-B14F-4D97-AF65-F5344CB8AC3E}">
-        <p14:creationId xmlns:p14="http://schemas.microsoft.com/office/powerpoint/2010/main" val="1821353315"/>
-      </p:ext>
-    </p:extLst>
-  </p:cSld>
-  <p:clrMapOvr>
-    <a:masterClrMapping/>
-  </p:clrMapOvr>
-  <mc:AlternateContent xmlns:mc="http://schemas.openxmlformats.org/markup-compatibility/2006" xmlns:p159="http://schemas.microsoft.com/office/powerpoint/2015/09/main">
-    <mc:Choice Requires="p159">
-      <p:transition xmlns:p14="http://schemas.microsoft.com/office/powerpoint/2010/main" spd="slow" p14:dur="2000">
-        <p159:morph option="byObject"/>
-      </p:transition>
-    </mc:Choice>
-    <mc:Fallback xmlns="">
-      <p:transition spd="slow">
-        <p:fade/>
-      </p:transition>
-    </mc:Fallback>
-  </mc:AlternateContent>
-</p:sld>
-</file>
-
-<file path=ppt/slides/slide9.xml><?xml version="1.0" encoding="utf-8"?>
-<p:sld xmlns:a="http://schemas.openxmlformats.org/drawingml/2006/main" xmlns:r="http://schemas.openxmlformats.org/officeDocument/2006/relationships" xmlns:p="http://schemas.openxmlformats.org/presentationml/2006/main">
-  <p:cSld>
-    <p:bg>
-      <p:bgPr>
-        <a:solidFill>
-          <a:schemeClr val="bg1"/>
-        </a:solidFill>
-        <a:effectLst/>
-      </p:bgPr>
-    </p:bg>
-    <p:spTree>
-      <p:nvGrpSpPr>
-        <p:cNvPr id="1" name=""/>
-        <p:cNvGrpSpPr/>
-        <p:nvPr/>
-      </p:nvGrpSpPr>
-      <p:grpSpPr>
-        <a:xfrm>
-          <a:off x="0" y="0"/>
-          <a:ext cx="0" cy="0"/>
-          <a:chOff x="0" y="0"/>
-          <a:chExt cx="0" cy="0"/>
-        </a:xfrm>
-      </p:grpSpPr>
-      <p:sp>
-        <p:nvSpPr>
-          <p:cNvPr id="19" name="Rectangle 9">
-            <a:extLst>
-              <a:ext uri="{FF2B5EF4-FFF2-40B4-BE49-F238E27FC236}">
-                <a16:creationId xmlns:a16="http://schemas.microsoft.com/office/drawing/2014/main" id="{4C608BEB-860E-4094-8511-78603564A75E}"/>
-              </a:ext>
-              <a:ext uri="{C183D7F6-B498-43B3-948B-1728B52AA6E4}">
-                <adec:decorative xmlns:adec="http://schemas.microsoft.com/office/drawing/2017/decorative" val="1"/>
-              </a:ext>
-            </a:extLst>
-          </p:cNvPr>
-          <p:cNvSpPr>
-            <a:spLocks noGrp="1" noRot="1" noChangeAspect="1" noMove="1" noResize="1" noEditPoints="1" noAdjustHandles="1" noChangeArrowheads="1" noChangeShapeType="1" noTextEdit="1"/>
-          </p:cNvSpPr>
-          <p:nvPr>
-            <p:extLst>
-              <p:ext uri="{386F3935-93C4-4BCD-93E2-E3B085C9AB24}">
-                <p16:designElem xmlns:p16="http://schemas.microsoft.com/office/powerpoint/2015/main" val="1"/>
-              </p:ext>
-            </p:extLst>
-          </p:nvPr>
-        </p:nvSpPr>
-        <p:spPr>
-          <a:xfrm>
-            <a:off x="0" y="0"/>
-            <a:ext cx="4059050" cy="6858000"/>
-          </a:xfrm>
-          <a:prstGeom prst="rect">
-            <a:avLst/>
-          </a:prstGeom>
-          <a:solidFill>
-            <a:srgbClr val="404040"/>
-          </a:solidFill>
-          <a:ln>
-            <a:noFill/>
-          </a:ln>
-        </p:spPr>
-        <p:style>
-          <a:lnRef idx="2">
-            <a:schemeClr val="accent1">
-              <a:shade val="50000"/>
-            </a:schemeClr>
-          </a:lnRef>
-          <a:fillRef idx="1">
-            <a:schemeClr val="accent1"/>
-          </a:fillRef>
-          <a:effectRef idx="0">
-            <a:schemeClr val="accent1"/>
-          </a:effectRef>
-          <a:fontRef idx="minor">
-            <a:schemeClr val="lt1"/>
-          </a:fontRef>
-        </p:style>
-        <p:txBody>
-          <a:bodyPr rtlCol="0" anchor="ctr"/>
-          <a:lstStyle/>
-          <a:p>
-            <a:pPr marL="0" marR="0" lvl="0" indent="0" algn="ctr" defTabSz="914400" rtl="0" eaLnBrk="1" fontAlgn="auto" latinLnBrk="0" hangingPunct="1">
-              <a:lnSpc>
-                <a:spcPct val="100000"/>
-              </a:lnSpc>
-              <a:spcBef>
-                <a:spcPts val="0"/>
-              </a:spcBef>
-              <a:spcAft>
-                <a:spcPts val="0"/>
-              </a:spcAft>
-              <a:buClrTx/>
-              <a:buSzTx/>
-              <a:buFontTx/>
-              <a:buNone/>
-              <a:tabLst/>
-              <a:defRPr/>
-            </a:pPr>
-            <a:endParaRPr kumimoji="0" lang="en-US" sz="1800" b="0" i="0" u="none" strike="noStrike" kern="1200" cap="none" spc="0" normalizeH="0" baseline="0" noProof="0">
-              <a:ln>
-                <a:noFill/>
-              </a:ln>
-              <a:solidFill>
-                <a:prstClr val="white"/>
-              </a:solidFill>
-              <a:effectLst/>
-              <a:uLnTx/>
-              <a:uFillTx/>
-              <a:latin typeface="Calibri" panose="020F0502020204030204"/>
-              <a:ea typeface="+mn-ea"/>
-              <a:cs typeface="+mn-cs"/>
-            </a:endParaRPr>
-          </a:p>
-        </p:txBody>
-      </p:sp>
-      <p:sp>
-        <p:nvSpPr>
-          <p:cNvPr id="2" name="标题 1">
-            <a:extLst>
-              <a:ext uri="{FF2B5EF4-FFF2-40B4-BE49-F238E27FC236}">
-                <a16:creationId xmlns:a16="http://schemas.microsoft.com/office/drawing/2014/main" id="{E1AFC15B-AA0A-73DB-D989-2BA133EBB770}"/>
-              </a:ext>
-            </a:extLst>
-          </p:cNvPr>
-          <p:cNvSpPr>
-            <a:spLocks noGrp="1"/>
-          </p:cNvSpPr>
-          <p:nvPr>
-            <p:ph type="title"/>
-          </p:nvPr>
-        </p:nvSpPr>
-        <p:spPr>
-          <a:xfrm>
-            <a:off x="838200" y="1412488"/>
-            <a:ext cx="2899189" cy="4363844"/>
-          </a:xfrm>
-        </p:spPr>
-        <p:txBody>
-          <a:bodyPr vert="horz" lIns="91440" tIns="45720" rIns="91440" bIns="45720" rtlCol="0" anchor="t">
-            <a:normAutofit/>
-          </a:bodyPr>
-          <a:lstStyle/>
-          <a:p>
-            <a:r>
-              <a:rPr lang="en-US" altLang="zh-TW" sz="4000" kern="1200">
-                <a:solidFill>
-                  <a:srgbClr val="FFFFFF"/>
-                </a:solidFill>
-                <a:latin typeface="+mj-lt"/>
-                <a:ea typeface="+mj-ea"/>
-                <a:cs typeface="+mj-cs"/>
-              </a:rPr>
-              <a:t>Phishing Attack</a:t>
-            </a:r>
-          </a:p>
-        </p:txBody>
-      </p:sp>
-      <p:sp>
-        <p:nvSpPr>
-          <p:cNvPr id="3" name="内容占位符 2">
-            <a:extLst>
-              <a:ext uri="{FF2B5EF4-FFF2-40B4-BE49-F238E27FC236}">
-                <a16:creationId xmlns:a16="http://schemas.microsoft.com/office/drawing/2014/main" id="{2616CD56-7733-1F63-8E4E-67313F8CC9A6}"/>
-              </a:ext>
-            </a:extLst>
-          </p:cNvPr>
-          <p:cNvSpPr>
-            <a:spLocks noGrp="1"/>
-          </p:cNvSpPr>
-          <p:nvPr>
-            <p:ph idx="1"/>
-          </p:nvPr>
-        </p:nvSpPr>
-        <p:spPr>
-          <a:xfrm>
-            <a:off x="4380855" y="1412489"/>
-            <a:ext cx="3427283" cy="4363844"/>
-          </a:xfrm>
-        </p:spPr>
-        <p:txBody>
-          <a:bodyPr vert="horz" lIns="91440" tIns="45720" rIns="91440" bIns="45720" rtlCol="0">
-            <a:normAutofit/>
-          </a:bodyPr>
-          <a:lstStyle/>
-          <a:p>
-            <a:pPr marL="0"/>
-            <a:r>
-              <a:rPr lang="en-US" altLang="zh-TW" sz="2000" dirty="0"/>
-              <a:t>Definition: </a:t>
-            </a:r>
-          </a:p>
-          <a:p>
-            <a:pPr marL="0"/>
-            <a:r>
-              <a:rPr lang="en-US" altLang="zh-TW" sz="2000" dirty="0"/>
-              <a:t>Phishing attacks involve disguising as legitimate emails or websites to obtain sensitive information.</a:t>
-            </a:r>
-          </a:p>
-        </p:txBody>
-      </p:sp>
-      <p:cxnSp>
-        <p:nvCxnSpPr>
-          <p:cNvPr id="20" name="Straight Connector 11">
-            <a:extLst>
-              <a:ext uri="{FF2B5EF4-FFF2-40B4-BE49-F238E27FC236}">
-                <a16:creationId xmlns:a16="http://schemas.microsoft.com/office/drawing/2014/main" id="{1F16A8D4-FE87-4604-88B2-394B5D1EB437}"/>
-              </a:ext>
-              <a:ext uri="{C183D7F6-B498-43B3-948B-1728B52AA6E4}">
-                <adec:decorative xmlns:adec="http://schemas.microsoft.com/office/drawing/2017/decorative" val="1"/>
-              </a:ext>
-            </a:extLst>
-          </p:cNvPr>
-          <p:cNvCxnSpPr>
-            <a:cxnSpLocks noGrp="1" noRot="1" noChangeAspect="1" noMove="1" noResize="1" noEditPoints="1" noAdjustHandles="1" noChangeArrowheads="1" noChangeShapeType="1"/>
-          </p:cNvCxnSpPr>
-          <p:nvPr>
-            <p:extLst>
-              <p:ext uri="{386F3935-93C4-4BCD-93E2-E3B085C9AB24}">
-                <p16:designElem xmlns:p16="http://schemas.microsoft.com/office/powerpoint/2015/main" val="1"/>
-              </p:ext>
-            </p:extLst>
-          </p:nvPr>
-        </p:nvCxnSpPr>
-        <p:spPr>
-          <a:xfrm>
-            <a:off x="8129871" y="1412488"/>
-            <a:ext cx="0" cy="3657600"/>
-          </a:xfrm>
-          <a:prstGeom prst="line">
-            <a:avLst/>
-          </a:prstGeom>
-          <a:ln w="12700">
-            <a:solidFill>
-              <a:schemeClr val="tx1">
-                <a:lumMod val="50000"/>
-                <a:lumOff val="50000"/>
-              </a:schemeClr>
-            </a:solidFill>
-          </a:ln>
-        </p:spPr>
-        <p:style>
-          <a:lnRef idx="1">
-            <a:schemeClr val="accent1"/>
-          </a:lnRef>
-          <a:fillRef idx="0">
-            <a:schemeClr val="accent1"/>
-          </a:fillRef>
-          <a:effectRef idx="0">
-            <a:schemeClr val="accent1"/>
-          </a:effectRef>
-          <a:fontRef idx="minor">
-            <a:schemeClr val="tx1"/>
-          </a:fontRef>
-        </p:style>
-      </p:cxnSp>
-      <p:sp>
-        <p:nvSpPr>
-          <p:cNvPr id="4" name="文本框 3">
-            <a:extLst>
-              <a:ext uri="{FF2B5EF4-FFF2-40B4-BE49-F238E27FC236}">
-                <a16:creationId xmlns:a16="http://schemas.microsoft.com/office/drawing/2014/main" id="{08640CD8-D28F-B24A-F77C-C24EF263127A}"/>
-              </a:ext>
-            </a:extLst>
-          </p:cNvPr>
-          <p:cNvSpPr txBox="1"/>
-          <p:nvPr/>
-        </p:nvSpPr>
-        <p:spPr>
-          <a:xfrm>
-            <a:off x="8451604" y="1412489"/>
-            <a:ext cx="3197701" cy="4363844"/>
-          </a:xfrm>
-          <a:prstGeom prst="rect">
-            <a:avLst/>
-          </a:prstGeom>
-        </p:spPr>
-        <p:txBody>
-          <a:bodyPr vert="horz" lIns="91440" tIns="45720" rIns="91440" bIns="45720" rtlCol="0">
-            <a:normAutofit/>
-          </a:bodyPr>
-          <a:lstStyle/>
-          <a:p>
-            <a:pPr indent="-228600">
-              <a:lnSpc>
-                <a:spcPct val="90000"/>
-              </a:lnSpc>
-              <a:spcAft>
-                <a:spcPts val="600"/>
-              </a:spcAft>
-              <a:buFont typeface="Arial" panose="020B0604020202020204" pitchFamily="34" charset="0"/>
-              <a:buChar char="•"/>
-            </a:pPr>
-            <a:r>
-              <a:rPr lang="en-US" altLang="zh-TW" sz="2000" dirty="0"/>
-              <a:t>Preventive Measures:</a:t>
-            </a:r>
-          </a:p>
-          <a:p>
-            <a:pPr indent="-228600">
-              <a:lnSpc>
-                <a:spcPct val="90000"/>
-              </a:lnSpc>
-              <a:spcAft>
-                <a:spcPts val="600"/>
-              </a:spcAft>
-              <a:buFont typeface="Arial" panose="020B0604020202020204" pitchFamily="34" charset="0"/>
-              <a:buChar char="•"/>
-            </a:pPr>
-            <a:r>
-              <a:rPr lang="en-US" altLang="zh-TW" sz="2000" dirty="0"/>
-              <a:t>Use email filters</a:t>
-            </a:r>
-          </a:p>
-          <a:p>
-            <a:pPr indent="-228600">
-              <a:lnSpc>
-                <a:spcPct val="90000"/>
-              </a:lnSpc>
-              <a:spcAft>
-                <a:spcPts val="600"/>
-              </a:spcAft>
-              <a:buFont typeface="Arial" panose="020B0604020202020204" pitchFamily="34" charset="0"/>
-              <a:buChar char="•"/>
-            </a:pPr>
-            <a:r>
-              <a:rPr lang="en-US" altLang="zh-TW" sz="2000" dirty="0"/>
-              <a:t>Enhance employees' security awareness and vigilance</a:t>
-            </a:r>
-          </a:p>
-          <a:p>
-            <a:pPr indent="-228600">
-              <a:lnSpc>
-                <a:spcPct val="90000"/>
-              </a:lnSpc>
-              <a:spcAft>
-                <a:spcPts val="600"/>
-              </a:spcAft>
-              <a:buFont typeface="Arial" panose="020B0604020202020204" pitchFamily="34" charset="0"/>
-              <a:buChar char="•"/>
-            </a:pPr>
-            <a:r>
-              <a:rPr lang="en-US" altLang="zh-TW" sz="2000" dirty="0"/>
-              <a:t>Common Characteristics:</a:t>
-            </a:r>
-          </a:p>
-          <a:p>
-            <a:pPr indent="-228600">
-              <a:lnSpc>
-                <a:spcPct val="90000"/>
-              </a:lnSpc>
-              <a:spcAft>
-                <a:spcPts val="600"/>
-              </a:spcAft>
-              <a:buFont typeface="Arial" panose="020B0604020202020204" pitchFamily="34" charset="0"/>
-              <a:buChar char="•"/>
-            </a:pPr>
-            <a:r>
-              <a:rPr lang="en-US" altLang="zh-TW" sz="2000" dirty="0"/>
-              <a:t>Urgent requests</a:t>
-            </a:r>
-          </a:p>
-          <a:p>
-            <a:pPr indent="-228600">
-              <a:lnSpc>
-                <a:spcPct val="90000"/>
-              </a:lnSpc>
-              <a:spcAft>
-                <a:spcPts val="600"/>
-              </a:spcAft>
-              <a:buFont typeface="Arial" panose="020B0604020202020204" pitchFamily="34" charset="0"/>
-              <a:buChar char="•"/>
-            </a:pPr>
-            <a:r>
-              <a:rPr lang="en-US" altLang="zh-TW" sz="2000" dirty="0"/>
-              <a:t>Illogical links or attachments</a:t>
-            </a:r>
-          </a:p>
-        </p:txBody>
-      </p:sp>
-      <p:sp>
-        <p:nvSpPr>
-          <p:cNvPr id="5" name="文本框 4">
-            <a:extLst>
-              <a:ext uri="{FF2B5EF4-FFF2-40B4-BE49-F238E27FC236}">
-                <a16:creationId xmlns:a16="http://schemas.microsoft.com/office/drawing/2014/main" id="{FF38BA00-4A28-E322-4EEF-A495FECF6331}"/>
-              </a:ext>
-            </a:extLst>
-          </p:cNvPr>
-          <p:cNvSpPr txBox="1"/>
-          <p:nvPr/>
-        </p:nvSpPr>
-        <p:spPr>
-          <a:xfrm>
-            <a:off x="5638800" y="2971800"/>
-            <a:ext cx="914400" cy="914400"/>
-          </a:xfrm>
-          <a:prstGeom prst="rect">
-            <a:avLst/>
-          </a:prstGeom>
-          <a:noFill/>
-        </p:spPr>
-        <p:txBody>
-          <a:bodyPr wrap="square" rtlCol="0">
-            <a:spAutoFit/>
-          </a:bodyPr>
-          <a:lstStyle/>
-          <a:p>
-            <a:endParaRPr lang="zh-TW" altLang="en-US" dirty="0"/>
-          </a:p>
-        </p:txBody>
-      </p:sp>
-    </p:spTree>
-    <p:extLst>
-      <p:ext uri="{BB962C8B-B14F-4D97-AF65-F5344CB8AC3E}">
-        <p14:creationId xmlns:p14="http://schemas.microsoft.com/office/powerpoint/2010/main" val="3538911571"/>
       </p:ext>
     </p:extLst>
   </p:cSld>
